--- a/tcqf-slides.pptx
+++ b/tcqf-slides.pptx
@@ -187,7 +187,7 @@
               <a:rPr lang="en-US"/>
               <a:t>Click to edit Master title style</a:t>
             </a:r>
-            <a:endParaRPr lang="en-US"/>
+            <a:endParaRPr/>
           </a:p>
         </p:txBody>
       </p:sp>
@@ -255,7 +255,7 @@
               <a:rPr lang="en-US"/>
               <a:t>Click to edit Master subtitle style</a:t>
             </a:r>
-            <a:endParaRPr lang="en-US"/>
+            <a:endParaRPr/>
           </a:p>
         </p:txBody>
       </p:sp>
@@ -380,7 +380,7 @@
               <a:rPr lang="en-US"/>
               <a:t>Click to edit Master title style</a:t>
             </a:r>
-            <a:endParaRPr lang="en-US"/>
+            <a:endParaRPr/>
           </a:p>
         </p:txBody>
       </p:sp>
@@ -446,7 +446,7 @@
               <a:rPr lang="en-US"/>
               <a:t>Fifth level</a:t>
             </a:r>
-            <a:endParaRPr lang="en-US"/>
+            <a:endParaRPr/>
           </a:p>
         </p:txBody>
       </p:sp>
@@ -576,7 +576,7 @@
               <a:rPr lang="en-US"/>
               <a:t>Click to edit Master title style</a:t>
             </a:r>
-            <a:endParaRPr lang="en-US"/>
+            <a:endParaRPr/>
           </a:p>
         </p:txBody>
       </p:sp>
@@ -647,7 +647,7 @@
               <a:rPr lang="en-US"/>
               <a:t>Fifth level</a:t>
             </a:r>
-            <a:endParaRPr lang="en-US"/>
+            <a:endParaRPr/>
           </a:p>
         </p:txBody>
       </p:sp>
@@ -772,7 +772,7 @@
               <a:rPr lang="en-US"/>
               <a:t>Click to edit Master title style</a:t>
             </a:r>
-            <a:endParaRPr lang="en-US"/>
+            <a:endParaRPr/>
           </a:p>
         </p:txBody>
       </p:sp>
@@ -838,7 +838,7 @@
               <a:rPr lang="en-US"/>
               <a:t>Fifth level</a:t>
             </a:r>
-            <a:endParaRPr lang="en-US"/>
+            <a:endParaRPr/>
           </a:p>
         </p:txBody>
       </p:sp>
@@ -972,7 +972,7 @@
               <a:rPr lang="en-US"/>
               <a:t>Click to edit Master title style</a:t>
             </a:r>
-            <a:endParaRPr lang="en-US"/>
+            <a:endParaRPr/>
           </a:p>
         </p:txBody>
       </p:sp>
@@ -1219,7 +1219,7 @@
               <a:rPr lang="en-US"/>
               <a:t>Click to edit Master title style</a:t>
             </a:r>
-            <a:endParaRPr lang="en-US"/>
+            <a:endParaRPr/>
           </a:p>
         </p:txBody>
       </p:sp>
@@ -1290,7 +1290,7 @@
               <a:rPr lang="en-US"/>
               <a:t>Fifth level</a:t>
             </a:r>
-            <a:endParaRPr lang="en-US"/>
+            <a:endParaRPr/>
           </a:p>
         </p:txBody>
       </p:sp>
@@ -1361,7 +1361,7 @@
               <a:rPr lang="en-US"/>
               <a:t>Fifth level</a:t>
             </a:r>
-            <a:endParaRPr lang="en-US"/>
+            <a:endParaRPr/>
           </a:p>
         </p:txBody>
       </p:sp>
@@ -1491,7 +1491,7 @@
               <a:rPr lang="en-US"/>
               <a:t>Click to edit Master title style</a:t>
             </a:r>
-            <a:endParaRPr lang="en-US"/>
+            <a:endParaRPr/>
           </a:p>
         </p:txBody>
       </p:sp>
@@ -1630,7 +1630,7 @@
               <a:rPr lang="en-US"/>
               <a:t>Fifth level</a:t>
             </a:r>
-            <a:endParaRPr lang="en-US"/>
+            <a:endParaRPr/>
           </a:p>
         </p:txBody>
       </p:sp>
@@ -1769,7 +1769,7 @@
               <a:rPr lang="en-US"/>
               <a:t>Fifth level</a:t>
             </a:r>
-            <a:endParaRPr lang="en-US"/>
+            <a:endParaRPr/>
           </a:p>
         </p:txBody>
       </p:sp>
@@ -1894,7 +1894,7 @@
               <a:rPr lang="en-US"/>
               <a:t>Click to edit Master title style</a:t>
             </a:r>
-            <a:endParaRPr lang="en-US"/>
+            <a:endParaRPr/>
           </a:p>
         </p:txBody>
       </p:sp>
@@ -2127,7 +2127,7 @@
               <a:rPr lang="en-US"/>
               <a:t>Click to edit Master title style</a:t>
             </a:r>
-            <a:endParaRPr lang="en-US"/>
+            <a:endParaRPr/>
           </a:p>
         </p:txBody>
       </p:sp>
@@ -2226,7 +2226,7 @@
               <a:rPr lang="en-US"/>
               <a:t>Fifth level</a:t>
             </a:r>
-            <a:endParaRPr lang="en-US"/>
+            <a:endParaRPr/>
           </a:p>
         </p:txBody>
       </p:sp>
@@ -2428,7 +2428,7 @@
               <a:rPr lang="en-US"/>
               <a:t>Click to edit Master title style</a:t>
             </a:r>
-            <a:endParaRPr lang="en-US"/>
+            <a:endParaRPr/>
           </a:p>
         </p:txBody>
       </p:sp>
@@ -2496,7 +2496,7 @@
               <a:rPr lang="en-US"/>
               <a:t>Click icon to add picture</a:t>
             </a:r>
-            <a:endParaRPr lang="en-US"/>
+            <a:endParaRPr/>
           </a:p>
         </p:txBody>
       </p:sp>
@@ -2704,7 +2704,7 @@
               <a:rPr lang="en-US"/>
               <a:t>Click to edit Master title style</a:t>
             </a:r>
-            <a:endParaRPr lang="en-US"/>
+            <a:endParaRPr/>
           </a:p>
         </p:txBody>
       </p:sp>
@@ -2780,7 +2780,7 @@
               <a:rPr lang="en-US"/>
               <a:t>Fifth level</a:t>
             </a:r>
-            <a:endParaRPr lang="en-US"/>
+            <a:endParaRPr/>
           </a:p>
         </p:txBody>
       </p:sp>
@@ -3235,7 +3235,7 @@
           <p:nvPr isPhoto="0" userDrawn="0"/>
         </p:nvSpPr>
         <p:spPr bwMode="auto">
-          <a:xfrm flipH="0" flipV="0">
+          <a:xfrm>
             <a:off x="170274" y="367391"/>
             <a:ext cx="11919960" cy="3506952"/>
           </a:xfrm>
@@ -3248,15 +3248,22 @@
           </a:ln>
         </p:spPr>
         <p:style>
-          <a:lnRef idx="0"/>
-          <a:fillRef idx="0"/>
-          <a:effectRef idx="0"/>
+          <a:lnRef idx="0">
+            <a:srgbClr val="000000"/>
+          </a:lnRef>
+          <a:fillRef idx="0">
+            <a:srgbClr val="000000"/>
+          </a:fillRef>
+          <a:effectRef idx="0">
+            <a:srgbClr val="000000"/>
+          </a:effectRef>
           <a:fontRef idx="minor"/>
         </p:style>
         <p:txBody>
-          <a:bodyPr vertOverflow="overflow" horzOverflow="clip" vert="horz" wrap="square" lIns="90000" tIns="45000" rIns="90000" bIns="45000" numCol="1" spcCol="0" rtlCol="0" fromWordArt="0" anchor="b" anchorCtr="0" forceAA="0" upright="0" compatLnSpc="0">
+          <a:bodyPr vertOverflow="overflow" horzOverflow="clip" vert="horz" wrap="square" lIns="90000" tIns="45000" rIns="90000" bIns="45000" numCol="1" spcCol="0" rtlCol="0" fromWordArt="0" anchor="b" anchorCtr="0" forceAA="0" compatLnSpc="0">
             <a:normAutofit fontScale="90000" lnSpcReduction="2000"/>
           </a:bodyPr>
+          <a:lstStyle/>
           <a:p>
             <a:pPr algn="ctr">
               <a:lnSpc>
@@ -3342,8 +3349,8 @@
         </p:nvSpPr>
         <p:spPr bwMode="auto">
           <a:xfrm flipH="0" flipV="0">
-            <a:off x="170273" y="3722775"/>
-            <a:ext cx="11864796" cy="2824978"/>
+            <a:off x="170272" y="3722774"/>
+            <a:ext cx="11864795" cy="3120185"/>
           </a:xfrm>
           <a:prstGeom prst="rect">
             <a:avLst/>
@@ -3354,15 +3361,22 @@
           </a:ln>
         </p:spPr>
         <p:style>
-          <a:lnRef idx="0"/>
-          <a:fillRef idx="0"/>
-          <a:effectRef idx="0"/>
+          <a:lnRef idx="0">
+            <a:srgbClr val="000000"/>
+          </a:lnRef>
+          <a:fillRef idx="0">
+            <a:srgbClr val="000000"/>
+          </a:fillRef>
+          <a:effectRef idx="0">
+            <a:srgbClr val="000000"/>
+          </a:effectRef>
           <a:fontRef idx="minor"/>
         </p:style>
         <p:txBody>
           <a:bodyPr vertOverflow="overflow" horzOverflow="clip" vert="horz" wrap="square" lIns="90000" tIns="45000" rIns="90000" bIns="45000" numCol="1" spcCol="0" rtlCol="0" fromWordArt="0" anchor="t" anchorCtr="0" forceAA="0" upright="0" compatLnSpc="0">
-            <a:normAutofit/>
+            <a:normAutofit fontScale="90000" lnSpcReduction="2000"/>
           </a:bodyPr>
+          <a:lstStyle/>
           <a:p>
             <a:pPr algn="ctr">
               <a:lnSpc>
@@ -3385,18 +3399,7 @@
                 <a:ea typeface="Calibri"/>
                 <a:cs typeface="Calibri"/>
               </a:rPr>
-              <a:t>Toerless Eckert, Futurewei USA </a:t>
-            </a:r>
-            <a:r>
-              <a:rPr lang="en-US" sz="2200" b="0" strike="noStrike" spc="0">
-                <a:solidFill>
-                  <a:srgbClr val="000000"/>
-                </a:solidFill>
-                <a:latin typeface="Calibri"/>
-                <a:ea typeface="Calibri"/>
-                <a:cs typeface="Calibri"/>
-              </a:rPr>
-              <a:t>(</a:t>
+              <a:t>Toerless Eckert, Futurewei USA (</a:t>
             </a:r>
             <a:r>
               <a:rPr lang="en-US" sz="2200" b="0" u="sng" strike="noStrike" spc="0">
@@ -3516,18 +3519,7 @@
                 <a:ea typeface="Calibri"/>
                 <a:cs typeface="Calibri"/>
               </a:rPr>
-              <a:t>,  </a:t>
-            </a:r>
-            <a:r>
-              <a:rPr lang="en-US" sz="2200" b="0" strike="noStrike" spc="0">
-                <a:solidFill>
-                  <a:srgbClr val="000000"/>
-                </a:solidFill>
-                <a:latin typeface="Calibri"/>
-                <a:ea typeface="Calibri"/>
-                <a:cs typeface="Calibri"/>
-              </a:rPr>
-              <a:t>Andy Malis (</a:t>
+              <a:t>,  Andy Malis (</a:t>
             </a:r>
             <a:r>
               <a:rPr lang="en-US" sz="2200" b="0" u="sng" strike="noStrike" spc="0">
@@ -3571,18 +3563,7 @@
                 <a:ea typeface="Calibri"/>
                 <a:cs typeface="Calibri"/>
               </a:rPr>
-              <a:t> </a:t>
-            </a:r>
-            <a:r>
-              <a:rPr lang="en-US" sz="2200" b="0" strike="noStrike" spc="0">
-                <a:solidFill>
-                  <a:srgbClr val="000000"/>
-                </a:solidFill>
-                <a:latin typeface="Calibri"/>
-                <a:ea typeface="Calibri"/>
-                <a:cs typeface="Calibri"/>
-              </a:rPr>
-              <a:t>Guangpeng Li &lt;</a:t>
+              <a:t> Guangpeng Li &lt;</a:t>
             </a:r>
             <a:r>
               <a:rPr lang="en-US" sz="2200" b="0" i="0" u="sng" strike="noStrike" cap="none" spc="0">
@@ -3613,18 +3594,7 @@
                 <a:ea typeface="Calibri"/>
                 <a:cs typeface="Calibri"/>
               </a:rPr>
-              <a:t>, </a:t>
-            </a:r>
-            <a:r>
-              <a:rPr lang="en-US" sz="2200" b="0" i="0" u="none" strike="noStrike" cap="none" spc="0">
-                <a:solidFill>
-                  <a:schemeClr val="tx1"/>
-                </a:solidFill>
-                <a:latin typeface="Calibri"/>
-                <a:ea typeface="Calibri"/>
-                <a:cs typeface="Calibri"/>
-              </a:rPr>
-              <a:t>Shoushou Ren &lt;</a:t>
+              <a:t>, Shoushou Ren &lt;</a:t>
             </a:r>
             <a:r>
               <a:rPr lang="en-US" sz="2200" b="0" i="0" u="sng" strike="noStrike" cap="none" spc="0">
@@ -3716,19 +3686,7 @@
                 <a:cs typeface="Calibri"/>
                 <a:hlinkClick r:id="rId8" tooltip="mailto:shirley.yangfan@huawei.com"/>
               </a:rPr>
-              <a:t>shirley.yangfan@huawei.com</a:t>
-            </a:r>
-            <a:r>
-              <a:rPr sz="2200" b="0" i="0" u="sng">
-                <a:solidFill>
-                  <a:srgbClr val="000000"/>
-                </a:solidFill>
-                <a:latin typeface="Calibri"/>
-                <a:ea typeface="Calibri"/>
-                <a:cs typeface="Calibri"/>
-                <a:hlinkClick r:id="rId8" tooltip="mailto:shirley.yangfan@huawei.com"/>
-              </a:rPr>
-              <a:t>&gt;</a:t>
+              <a:t>shirley.yangfan@huawei.com&gt;</a:t>
             </a:r>
             <a:r>
               <a:rPr lang="en-US" sz="2200" b="0" i="0" u="none" strike="noStrike" cap="none" spc="0">
@@ -3870,7 +3828,7 @@
                 </a:solidFill>
                 <a:latin typeface="Calibri"/>
               </a:rPr>
-              <a:t>Interim meeting 04/2023, rev 0.5</a:t>
+              <a:t>Interim meeting 04/2023, rev 0.6</a:t>
             </a:r>
             <a:endParaRPr lang="en-US" sz="2400" b="0" strike="noStrike" spc="0">
               <a:solidFill>
@@ -3878,6 +3836,52 @@
               </a:solidFill>
               <a:latin typeface="Calibri"/>
             </a:endParaRPr>
+          </a:p>
+          <a:p>
+            <a:pPr algn="ctr">
+              <a:lnSpc>
+                <a:spcPct val="90000"/>
+              </a:lnSpc>
+              <a:spcBef>
+                <a:spcPts val="999"/>
+              </a:spcBef>
+              <a:tabLst>
+                <a:tab pos="0" algn="l"/>
+              </a:tabLst>
+              <a:defRPr/>
+            </a:pPr>
+            <a:endParaRPr lang="en-US" sz="2400" b="0" strike="noStrike" spc="0">
+              <a:solidFill>
+                <a:srgbClr val="000000"/>
+              </a:solidFill>
+              <a:latin typeface="Calibri"/>
+            </a:endParaRPr>
+          </a:p>
+          <a:p>
+            <a:pPr algn="ctr">
+              <a:lnSpc>
+                <a:spcPct val="90000"/>
+              </a:lnSpc>
+              <a:spcBef>
+                <a:spcPts val="999"/>
+              </a:spcBef>
+              <a:tabLst>
+                <a:tab pos="0" algn="l"/>
+              </a:tabLst>
+              <a:defRPr/>
+            </a:pPr>
+            <a:r>
+              <a:rPr lang="en-US" sz="1600" b="0" i="0" u="none" strike="noStrike" cap="none" spc="0">
+                <a:solidFill>
+                  <a:srgbClr val="000000"/>
+                </a:solidFill>
+                <a:latin typeface="Calibri"/>
+                <a:ea typeface="Calibri"/>
+                <a:cs typeface="Calibri"/>
+              </a:rPr>
+              <a:t>https://github.com/toerless/detnet/blob/main/tcqf-slides.pptx</a:t>
+            </a:r>
+            <a:endParaRPr sz="1400"/>
           </a:p>
         </p:txBody>
       </p:sp>
@@ -3894,6 +3898,13 @@
       <p:transition advClick="1"/>
     </mc:Fallback>
   </mc:AlternateContent>
+  <p:timing>
+    <p:tnLst>
+      <p:par>
+        <p:cTn id="1" dur="indefinite" restart="never" nodeType="tmRoot"/>
+      </p:par>
+    </p:tnLst>
+  </p:timing>
 </p:sld>
 </file>
 
@@ -4128,7 +4139,7 @@
           </p:nvPr>
         </p:nvSpPr>
         <p:spPr bwMode="auto">
-          <a:xfrm flipH="0" flipV="0">
+          <a:xfrm>
             <a:off x="838198" y="365124"/>
             <a:ext cx="10515600" cy="913946"/>
           </a:xfrm>
@@ -4159,13 +4170,13 @@
           </p:nvPr>
         </p:nvSpPr>
         <p:spPr bwMode="auto">
-          <a:xfrm flipH="0" flipV="0">
+          <a:xfrm>
             <a:off x="838198" y="1347107"/>
             <a:ext cx="10515600" cy="4829855"/>
           </a:xfrm>
         </p:spPr>
         <p:txBody>
-          <a:bodyPr vertOverflow="overflow" horzOverflow="clip" vert="horz" wrap="square" lIns="91440" tIns="45720" rIns="91440" bIns="45720" numCol="1" spcCol="0" rtlCol="0" fromWordArt="0" anchor="t" anchorCtr="0" forceAA="0" upright="0" compatLnSpc="0">
+          <a:bodyPr vertOverflow="overflow" horzOverflow="clip" vert="horz" wrap="square" lIns="91440" tIns="45720" rIns="91440" bIns="45720" numCol="1" spcCol="0" rtlCol="0" fromWordArt="0" anchor="t" anchorCtr="0" forceAA="0" compatLnSpc="0">
             <a:normAutofit fontScale="95000" lnSpcReduction="1000"/>
           </a:bodyPr>
           <a:lstStyle/>
@@ -4184,14 +4195,7 @@
               </a:rPr>
               <a:t>Cyclic Queuing and Forwarding (CQF), IEEE802.1Qch</a:t>
             </a:r>
-            <a:endParaRPr lang="en-US" sz="2800" b="0" i="0" u="none" strike="noStrike" cap="none" spc="0">
-              <a:solidFill>
-                <a:schemeClr val="tx1"/>
-              </a:solidFill>
-              <a:latin typeface="Arial"/>
-              <a:ea typeface="Arial"/>
-              <a:cs typeface="Arial"/>
-            </a:endParaRPr>
+            <a:endParaRPr/>
           </a:p>
           <a:p>
             <a:pPr lvl="1">
@@ -4208,14 +4212,7 @@
               </a:rPr>
               <a:t>Part of IEEE Time Sensitive Networking (TSN) standards</a:t>
             </a:r>
-            <a:endParaRPr lang="en-US" sz="2400" b="0" i="0" u="none" strike="noStrike" cap="none" spc="0">
-              <a:solidFill>
-                <a:schemeClr val="tx1"/>
-              </a:solidFill>
-              <a:latin typeface="Arial"/>
-              <a:ea typeface="Arial"/>
-              <a:cs typeface="Arial"/>
-            </a:endParaRPr>
+            <a:endParaRPr/>
           </a:p>
           <a:p>
             <a:pPr lvl="1">
@@ -4253,14 +4250,7 @@
               </a:rPr>
               <a:t>could be called a simple profile of TAS (which itself is quite complex)</a:t>
             </a:r>
-            <a:endParaRPr lang="en-US" sz="2400" b="0" i="0" u="none" strike="noStrike" cap="none" spc="0">
-              <a:solidFill>
-                <a:schemeClr val="tx1"/>
-              </a:solidFill>
-              <a:latin typeface="Arial"/>
-              <a:ea typeface="Arial"/>
-              <a:cs typeface="Arial"/>
-            </a:endParaRPr>
+            <a:endParaRPr/>
           </a:p>
           <a:p>
             <a:pPr lvl="1">
@@ -4283,14 +4273,7 @@
               </a:rPr>
               <a:t>At core of TAS/CQF are per-hop forwarding of packets based on their arrival time on each switch</a:t>
             </a:r>
-            <a:endParaRPr lang="en-US" sz="2800" b="0" i="0" u="none" strike="noStrike" cap="none" spc="0">
-              <a:solidFill>
-                <a:schemeClr val="tx1"/>
-              </a:solidFill>
-              <a:latin typeface="Arial"/>
-              <a:ea typeface="Arial"/>
-              <a:cs typeface="Arial"/>
-            </a:endParaRPr>
+            <a:endParaRPr/>
           </a:p>
           <a:p>
             <a:pPr lvl="1">
@@ -4374,6 +4357,13 @@
       <p:transition advClick="1"/>
     </mc:Fallback>
   </mc:AlternateContent>
+  <p:timing>
+    <p:tnLst>
+      <p:par>
+        <p:cTn id="1" dur="indefinite" restart="never" nodeType="tmRoot"/>
+      </p:par>
+    </p:tnLst>
+  </p:timing>
 </p:sld>
 </file>
 
@@ -4411,7 +4401,7 @@
           </a:xfrm>
         </p:spPr>
         <p:txBody>
-          <a:bodyPr vertOverflow="overflow" horzOverflow="clip" vert="horz" wrap="square" lIns="91440" tIns="45720" rIns="91440" bIns="45720" numCol="1" spcCol="0" rtlCol="0" fromWordArt="0" anchor="ctr" anchorCtr="0" forceAA="0" upright="0" compatLnSpc="0">
+          <a:bodyPr vertOverflow="overflow" horzOverflow="clip" vert="horz" wrap="square" lIns="91440" tIns="45720" rIns="91440" bIns="45720" numCol="1" spcCol="0" rtlCol="0" fromWordArt="0" anchor="ctr" anchorCtr="0" forceAA="0" compatLnSpc="0">
             <a:normAutofit/>
           </a:bodyPr>
           <a:lstStyle/>
@@ -4453,7 +4443,7 @@
               <a:defRPr/>
             </a:pPr>
             <a:fld id="{6221113D-5B87-1FBE-D4BE-36FDD235D939}" type="slidenum">
-              <a:rPr lang="zh-CN"/>
+              <a:rPr lang="en-US"/>
               <a:t/>
             </a:fld>
             <a:endParaRPr lang="zh-CN"/>
@@ -6791,15 +6781,7 @@
             </a:pPr>
             <a:r>
               <a:rPr lang="en-US"/>
-              <a:t>Holding time at </a:t>
-            </a:r>
-            <a:r>
-              <a:rPr lang="en-US"/>
-              <a:t>src</a:t>
-            </a:r>
-            <a:r>
-              <a:rPr lang="en-US"/>
-              <a:t>: DT - Tc</a:t>
+              <a:t>Holding time at src: DT - Tc</a:t>
             </a:r>
             <a:endParaRPr lang="zh-CN"/>
           </a:p>
@@ -6931,11 +6913,7 @@
             </a:pPr>
             <a:r>
               <a:rPr lang="en-US"/>
-              <a:t>h</a:t>
-            </a:r>
-            <a:r>
-              <a:rPr lang="en-US"/>
-              <a:t>op 1</a:t>
+              <a:t>hop 1</a:t>
             </a:r>
             <a:endParaRPr lang="zh-CN"/>
           </a:p>
@@ -6978,11 +6956,7 @@
             </a:pPr>
             <a:r>
               <a:rPr lang="en-US"/>
-              <a:t>0</a:t>
-            </a:r>
-            <a:r>
-              <a:rPr lang="en-US"/>
-              <a:t> - Tc</a:t>
+              <a:t>0 - Tc</a:t>
             </a:r>
             <a:endParaRPr lang="zh-CN"/>
           </a:p>
@@ -7015,11 +6989,7 @@
             </a:pPr>
             <a:r>
               <a:rPr lang="en-US"/>
-              <a:t>h</a:t>
-            </a:r>
-            <a:r>
-              <a:rPr lang="en-US"/>
-              <a:t>op h</a:t>
+              <a:t>hop h</a:t>
             </a:r>
             <a:endParaRPr lang="zh-CN"/>
           </a:p>
@@ -8140,7 +8110,7 @@
           </p:nvPr>
         </p:nvSpPr>
         <p:spPr bwMode="auto">
-          <a:xfrm flipH="0" flipV="0">
+          <a:xfrm>
             <a:off x="6964221" y="1483518"/>
             <a:ext cx="5079492" cy="4629816"/>
           </a:xfrm>
@@ -8154,7 +8124,7 @@
           </a:ln>
         </p:spPr>
         <p:txBody>
-          <a:bodyPr vertOverflow="overflow" horzOverflow="clip" vert="horz" wrap="square" lIns="91440" tIns="45720" rIns="91440" bIns="45720" numCol="1" spcCol="0" rtlCol="0" fromWordArt="0" anchor="t" anchorCtr="0" forceAA="0" upright="0" compatLnSpc="0">
+          <a:bodyPr vertOverflow="overflow" horzOverflow="clip" vert="horz" wrap="square" lIns="91440" tIns="45720" rIns="91440" bIns="45720" numCol="1" spcCol="0" rtlCol="0" fromWordArt="0" anchor="t" anchorCtr="0" forceAA="0" compatLnSpc="0">
             <a:normAutofit fontScale="90000" lnSpcReduction="2000"/>
           </a:bodyPr>
           <a:lstStyle/>
@@ -8238,7 +8208,7 @@
               <a:rPr lang="en-US" sz="2200"/>
               <a:t>(*): DT = dead time (revisit later). very small in fundamental CQF</a:t>
             </a:r>
-            <a:endParaRPr lang="en-US" sz="2200"/>
+            <a:endParaRPr/>
           </a:p>
           <a:p>
             <a:pPr>
@@ -8246,15 +8216,7 @@
             </a:pPr>
             <a:r>
               <a:rPr lang="en-US" sz="2600"/>
-              <a:t>Attractive </a:t>
-            </a:r>
-            <a:r>
-              <a:rPr lang="en-US" sz="2600"/>
-              <a:t>“simplicity” </a:t>
-            </a:r>
-            <a:r>
-              <a:rPr lang="en-US" sz="2600"/>
-              <a:t>features:</a:t>
+              <a:t>Attractive “simplicity” features:</a:t>
             </a:r>
             <a:endParaRPr sz="2600"/>
           </a:p>
@@ -8282,15 +8244,7 @@
             </a:pPr>
             <a:r>
               <a:rPr lang="en-US" sz="2200"/>
-              <a:t>Simple maintenance: </a:t>
-            </a:r>
-            <a:r>
-              <a:rPr lang="en-US" sz="2200"/>
-              <a:t>no per-stream per-hop state </a:t>
-            </a:r>
-            <a:r>
-              <a:rPr lang="en-US" sz="2200"/>
-              <a:t>maintenance</a:t>
+              <a:t>Simple maintenance: no per-stream per-hop state maintenance</a:t>
             </a:r>
             <a:endParaRPr sz="2200"/>
           </a:p>
@@ -8353,13 +8307,13 @@
           </p:nvPr>
         </p:nvSpPr>
         <p:spPr bwMode="auto">
-          <a:xfrm flipH="0" flipV="0">
+          <a:xfrm>
             <a:off x="436821" y="-30827"/>
             <a:ext cx="10916978" cy="1049789"/>
           </a:xfrm>
         </p:spPr>
         <p:txBody>
-          <a:bodyPr vertOverflow="overflow" horzOverflow="clip" vert="horz" wrap="square" lIns="91440" tIns="45720" rIns="91440" bIns="45720" numCol="1" spcCol="0" rtlCol="0" fromWordArt="0" anchor="ctr" anchorCtr="0" forceAA="0" upright="0" compatLnSpc="0">
+          <a:bodyPr vertOverflow="overflow" horzOverflow="clip" vert="horz" wrap="square" lIns="91440" tIns="45720" rIns="91440" bIns="45720" numCol="1" spcCol="0" rtlCol="0" fromWordArt="0" anchor="ctr" anchorCtr="0" forceAA="0" compatLnSpc="0">
             <a:normAutofit fontScale="95000" lnSpcReduction="1000"/>
           </a:bodyPr>
           <a:lstStyle/>
@@ -8376,11 +8330,7 @@
             </a:br>
             <a:r>
               <a:rPr lang="en-US" sz="3600"/>
-              <a:t>basic CQF </a:t>
-            </a:r>
-            <a:r>
-              <a:rPr lang="en-US" sz="3600"/>
-              <a:t>mechanism more attractive!</a:t>
+              <a:t>basic CQF mechanism more attractive!</a:t>
             </a:r>
             <a:endParaRPr lang="zh-CN" sz="3600"/>
           </a:p>
@@ -8397,13 +8347,13 @@
           </p:nvPr>
         </p:nvSpPr>
         <p:spPr bwMode="auto">
-          <a:xfrm flipH="0" flipV="0">
+          <a:xfrm>
             <a:off x="586499" y="1053275"/>
             <a:ext cx="11281448" cy="5804271"/>
           </a:xfrm>
         </p:spPr>
         <p:txBody>
-          <a:bodyPr vertOverflow="overflow" horzOverflow="clip" vert="horz" wrap="square" lIns="91440" tIns="45720" rIns="91440" bIns="45720" numCol="1" spcCol="0" rtlCol="0" fromWordArt="0" anchor="t" anchorCtr="0" forceAA="0" upright="0" compatLnSpc="0">
+          <a:bodyPr vertOverflow="overflow" horzOverflow="clip" vert="horz" wrap="square" lIns="91440" tIns="45720" rIns="91440" bIns="45720" numCol="1" spcCol="0" rtlCol="0" fromWordArt="0" anchor="t" anchorCtr="0" forceAA="0" compatLnSpc="0">
             <a:normAutofit fontScale="85000" lnSpcReduction="3000"/>
           </a:bodyPr>
           <a:lstStyle/>
@@ -8413,15 +8363,7 @@
             </a:pPr>
             <a:r>
               <a:rPr lang="en-US" sz="2400"/>
-              <a:t>Wide-area network </a:t>
-            </a:r>
-            <a:r>
-              <a:rPr lang="en-US" sz="2400"/>
-              <a:t>deployment </a:t>
-            </a:r>
-            <a:r>
-              <a:rPr lang="en-US" sz="2400"/>
-              <a:t>requires supporting one or combination of the followings:</a:t>
+              <a:t>Wide-area network deployment requires supporting one or combination of the followings:</a:t>
             </a:r>
             <a:endParaRPr/>
           </a:p>
@@ -8449,15 +8391,7 @@
             </a:pPr>
             <a:r>
               <a:rPr lang="en-US" sz="2000"/>
-              <a:t>Potentially larger </a:t>
-            </a:r>
-            <a:r>
-              <a:rPr lang="en-US" sz="2000"/>
-              <a:t>number of </a:t>
-            </a:r>
-            <a:r>
-              <a:rPr lang="en-US" sz="2000"/>
-              <a:t>hops </a:t>
+              <a:t>Potentially larger number of hops </a:t>
             </a:r>
             <a:r>
               <a:rPr/>
@@ -8507,11 +8441,7 @@
             </a:pPr>
             <a:r>
               <a:rPr lang="en-US" sz="2400"/>
-              <a:t>CQF latency bound ≈ </a:t>
-            </a:r>
-            <a:r>
-              <a:rPr lang="en-US" sz="2400"/>
-              <a:t>h</a:t>
+              <a:t>CQF latency bound ≈ h</a:t>
             </a:r>
             <a:r>
               <a:rPr lang="zh-CN" sz="2400"/>
@@ -8521,7 +8451,7 @@
               <a:rPr lang="en-US" sz="2400"/>
               <a:t>Tc</a:t>
             </a:r>
-            <a:endParaRPr lang="en-US" sz="2400"/>
+            <a:endParaRPr/>
           </a:p>
           <a:p>
             <a:pPr marL="0" lvl="0" indent="0">
@@ -8533,7 +8463,7 @@
               <a:rPr lang="en-US" sz="2400"/>
               <a:t>    Higher speed link provides the potential to reduce Tc, even with larger h </a:t>
             </a:r>
-            <a:endParaRPr lang="en-US" sz="2400"/>
+            <a:endParaRPr/>
           </a:p>
           <a:p>
             <a:pPr lvl="1">
@@ -8541,25 +8471,17 @@
             </a:pPr>
             <a:r>
               <a:rPr lang="en-US" sz="2000"/>
-              <a:t>allow at least one 1500B/max size packet to be sent within </a:t>
-            </a:r>
+              <a:t>allow at least one 1500B/max size packet to be sent within Tc</a:t>
+            </a:r>
+            <a:endParaRPr/>
+          </a:p>
+          <a:p>
+            <a:pPr lvl="1">
+              <a:defRPr/>
+            </a:pPr>
             <a:r>
               <a:rPr lang="en-US" sz="2000"/>
-              <a:t>Tc</a:t>
-            </a:r>
-            <a:endParaRPr/>
-          </a:p>
-          <a:p>
-            <a:pPr lvl="1">
-              <a:defRPr/>
-            </a:pPr>
-            <a:r>
-              <a:rPr lang="en-US" sz="2000"/>
-              <a:t>With increasing of link speed, the same amount of data can be transmitted within a smaller cycle </a:t>
-            </a:r>
-            <a:r>
-              <a:rPr lang="en-US" sz="2000"/>
-              <a:t>time</a:t>
+              <a:t>With increasing of link speed, the same amount of data can be transmitted within a smaller cycle time</a:t>
             </a:r>
             <a:endParaRPr/>
           </a:p>
@@ -8571,7 +8493,7 @@
               <a:rPr lang="en-US" sz="2000"/>
               <a:t>Counteract larger h</a:t>
             </a:r>
-            <a:endParaRPr lang="en-US" sz="2000"/>
+            <a:endParaRPr/>
           </a:p>
           <a:p>
             <a:pPr lvl="1">
@@ -8636,7 +8558,7 @@
               <a:defRPr/>
             </a:pPr>
             <a:fld id="{1408DC53-C888-3ED3-C1AB-5B2FA4FAFBBC}" type="slidenum">
-              <a:rPr lang="zh-CN"/>
+              <a:rPr lang="en-US"/>
               <a:t/>
             </a:fld>
             <a:endParaRPr lang="zh-CN"/>
@@ -8653,7 +8575,7 @@
         </p:nvGraphicFramePr>
         <p:xfrm>
           <a:off x="1325049" y="4606231"/>
-          <a:ext cx="4746187" cy="1863090"/>
+          <a:ext cx="4746184" cy="1817360"/>
         </p:xfrm>
         <a:graphic>
           <a:graphicData uri="http://schemas.openxmlformats.org/drawingml/2006/table">
@@ -8676,15 +8598,7 @@
                       </a:pPr>
                       <a:r>
                         <a:rPr lang="en-US" sz="1200" b="1" u="none" strike="noStrike"/>
-                        <a:t>Cycle Time (</a:t>
-                      </a:r>
-                      <a:r>
-                        <a:rPr lang="en-US" sz="1200" b="1" u="none" strike="noStrike"/>
-                        <a:t>μs</a:t>
-                      </a:r>
-                      <a:r>
-                        <a:rPr lang="en-US" sz="1200" b="1" u="none" strike="noStrike"/>
-                        <a:t>)</a:t>
+                        <a:t>Cycle Time (μs)</a:t>
                       </a:r>
                       <a:endParaRPr lang="en-US" sz="1200" b="1" i="0" u="none" strike="noStrike">
                         <a:solidFill>
@@ -8713,18 +8627,7 @@
                           <a:ea typeface="Arial"/>
                           <a:cs typeface="Arial"/>
                         </a:rPr>
-                        <a:t>Buffer </a:t>
-                      </a:r>
-                      <a:r>
-                        <a:rPr lang="en-US" sz="1200" b="1" u="none" strike="noStrike">
-                          <a:solidFill>
-                            <a:schemeClr val="tx1"/>
-                          </a:solidFill>
-                          <a:latin typeface="Calibri"/>
-                          <a:ea typeface="Arial"/>
-                          <a:cs typeface="Arial"/>
-                        </a:rPr>
-                        <a:t>Size per Cycle (Byte)</a:t>
+                        <a:t>Buffer Size per Cycle (Byte)</a:t>
                       </a:r>
                       <a:endParaRPr lang="zh-CN" sz="1200" b="1" u="none" strike="noStrike">
                         <a:solidFill>
@@ -8805,14 +8708,7 @@
                         </a:rPr>
                         <a:t>Link bandwidth</a:t>
                       </a:r>
-                      <a:endParaRPr lang="en-US" sz="1200" u="none" strike="noStrike">
-                        <a:solidFill>
-                          <a:schemeClr val="tx1"/>
-                        </a:solidFill>
-                        <a:latin typeface="Calibri"/>
-                        <a:ea typeface="Arial"/>
-                        <a:cs typeface="Arial"/>
-                      </a:endParaRPr>
+                      <a:endParaRPr/>
                     </a:p>
                   </a:txBody>
                   <a:tcPr marL="9524" marR="9524" marT="9524" marB="0" anchor="ctr">
@@ -8973,7 +8869,7 @@
                         <a:rPr lang="en-US" sz="1200" u="none" strike="noStrike"/>
                         <a:t>100Gbps</a:t>
                       </a:r>
-                      <a:endParaRPr lang="en-US" sz="1200" u="none" strike="noStrike"/>
+                      <a:endParaRPr/>
                     </a:p>
                   </a:txBody>
                   <a:tcPr marL="9524" marR="9524" marT="9524" marB="0" anchor="ctr">
@@ -9085,7 +8981,7 @@
                         <a:rPr lang="en-US" sz="1100" u="none" strike="noStrike"/>
                         <a:t>12500</a:t>
                       </a:r>
-                      <a:endParaRPr lang="en-US" sz="1100" u="none" strike="noStrike"/>
+                      <a:endParaRPr/>
                     </a:p>
                   </a:txBody>
                   <a:tcPr marL="9524" marR="9524" marT="9524" marB="0" anchor="ctr"/>
@@ -9322,7 +9218,7 @@
                         <a:rPr lang="en-US" sz="1100" u="none" strike="noStrike"/>
                         <a:t>25000</a:t>
                       </a:r>
-                      <a:endParaRPr lang="en-US" sz="1100" u="none" strike="noStrike"/>
+                      <a:endParaRPr/>
                     </a:p>
                   </a:txBody>
                   <a:tcPr marL="9524" marR="9524" marT="9524" marB="0" anchor="ctr"/>
@@ -9428,7 +9324,7 @@
                         <a:rPr lang="en-US" sz="1100" u="none" strike="noStrike"/>
                         <a:t>50000</a:t>
                       </a:r>
-                      <a:endParaRPr lang="en-US" sz="1100" u="none" strike="noStrike"/>
+                      <a:endParaRPr/>
                     </a:p>
                   </a:txBody>
                   <a:tcPr marL="9524" marR="9524" marT="9524" marB="0" anchor="ctr"/>
@@ -9534,7 +9430,7 @@
                         <a:rPr lang="en-US" sz="1100" u="none" strike="noStrike"/>
                         <a:t>125000</a:t>
                       </a:r>
-                      <a:endParaRPr lang="en-US" sz="1100" u="none" strike="noStrike"/>
+                      <a:endParaRPr/>
                     </a:p>
                   </a:txBody>
                   <a:tcPr marL="9524" marR="9524" marT="9524" marB="0" anchor="ctr"/>
@@ -9648,7 +9544,7 @@
                         <a:rPr lang="en-US" sz="1100" u="none" strike="noStrike"/>
                         <a:t>150000</a:t>
                       </a:r>
-                      <a:endParaRPr lang="en-US" sz="1100" u="none" strike="noStrike"/>
+                      <a:endParaRPr/>
                     </a:p>
                   </a:txBody>
                   <a:tcPr marL="9524" marR="9524" marT="9524" marB="0" anchor="ctr"/>
@@ -9768,7 +9664,7 @@
                         <a:rPr lang="en-US" sz="1100" u="none" strike="noStrike"/>
                         <a:t>1500000</a:t>
                       </a:r>
-                      <a:endParaRPr lang="en-US" sz="1100" u="none" strike="noStrike"/>
+                      <a:endParaRPr/>
                     </a:p>
                   </a:txBody>
                   <a:tcPr marL="9524" marR="9524" marT="9524" marB="0" anchor="ctr"/>
@@ -9810,15 +9706,7 @@
             </a:pPr>
             <a:r>
               <a:rPr lang="en-US"/>
-              <a:t>Cycle time </a:t>
-            </a:r>
-            <a:r>
-              <a:rPr lang="en-US"/>
-              <a:t>decreasing</a:t>
-            </a:r>
-            <a:r>
-              <a:rPr lang="en-US"/>
-              <a:t>:</a:t>
+              <a:t>Cycle time decreasing:</a:t>
             </a:r>
             <a:endParaRPr/>
           </a:p>
@@ -9836,11 +9724,7 @@
             </a:r>
             <a:r>
               <a:rPr lang="en-US"/>
-              <a:t>s </a:t>
-            </a:r>
-            <a:r>
-              <a:rPr lang="en-US"/>
-              <a:t>-&gt; 10x </a:t>
+              <a:t>s -&gt; 10x </a:t>
             </a:r>
             <a:r>
               <a:rPr lang="el-GR"/>
@@ -9848,11 +9732,7 @@
             </a:r>
             <a:r>
               <a:rPr lang="en-US"/>
-              <a:t>s </a:t>
-            </a:r>
-            <a:r>
-              <a:rPr lang="en-US"/>
-              <a:t>-&gt; few </a:t>
+              <a:t>s -&gt; few </a:t>
             </a:r>
             <a:r>
               <a:rPr lang="el-GR"/>
@@ -9862,7 +9742,7 @@
               <a:rPr lang="en-US"/>
               <a:t>s</a:t>
             </a:r>
-            <a:endParaRPr lang="en-US"/>
+            <a:endParaRPr/>
           </a:p>
         </p:txBody>
       </p:sp>
@@ -9923,7 +9803,7 @@
           </a:xfrm>
         </p:spPr>
         <p:txBody>
-          <a:bodyPr vertOverflow="overflow" horzOverflow="clip" vert="horz" wrap="square" lIns="91440" tIns="45720" rIns="91440" bIns="45720" numCol="1" spcCol="0" rtlCol="0" fromWordArt="0" anchor="ctr" anchorCtr="0" forceAA="0" upright="0" compatLnSpc="0">
+          <a:bodyPr vertOverflow="overflow" horzOverflow="clip" vert="horz" wrap="square" lIns="91440" tIns="45720" rIns="91440" bIns="45720" numCol="1" spcCol="0" rtlCol="0" fromWordArt="0" anchor="ctr" anchorCtr="0" forceAA="0" compatLnSpc="0">
             <a:normAutofit fontScale="90000" lnSpcReduction="2000"/>
           </a:bodyPr>
           <a:lstStyle/>
@@ -9959,7 +9839,7 @@
           </a:xfrm>
         </p:spPr>
         <p:txBody>
-          <a:bodyPr vertOverflow="overflow" horzOverflow="clip" vert="horz" wrap="square" lIns="91440" tIns="45720" rIns="91440" bIns="45720" numCol="1" spcCol="0" rtlCol="0" fromWordArt="0" anchor="t" anchorCtr="0" forceAA="0" upright="0" compatLnSpc="0">
+          <a:bodyPr vertOverflow="overflow" horzOverflow="clip" vert="horz" wrap="square" lIns="91440" tIns="45720" rIns="91440" bIns="45720" numCol="1" spcCol="0" rtlCol="0" fromWordArt="0" anchor="t" anchorCtr="0" forceAA="0" compatLnSpc="0">
             <a:normAutofit fontScale="65000" lnSpcReduction="7000"/>
           </a:bodyPr>
           <a:lstStyle/>
@@ -9969,21 +9849,23 @@
             </a:pPr>
             <a:r>
               <a:rPr lang="en-US"/>
-              <a:t>Revisit </a:t>
-            </a:r>
+              <a:t>Revisit DT (dead time):  </a:t>
+            </a:r>
+            <a:r>
+              <a:rPr lang="zh-CN"/>
+              <a:t>the last byte sent by node A in cycle (i-1) has to be ready for sending at node B before the start of cycle i.</a:t>
+            </a:r>
+            <a:endParaRPr lang="en-US"/>
+          </a:p>
+          <a:p>
+            <a:pPr>
+              <a:defRPr/>
+            </a:pPr>
             <a:r>
               <a:rPr lang="en-US"/>
-              <a:t>DT (dead time):  </a:t>
-            </a:r>
-            <a:r>
-              <a:rPr lang="zh-CN"/>
-              <a:t>the last byte sent by node A in cycle (i-1) has to be ready for sending at node B before the start of cycle i</a:t>
-            </a:r>
-            <a:r>
-              <a:rPr lang="zh-CN"/>
-              <a:t>.</a:t>
-            </a:r>
-            <a:endParaRPr lang="en-US"/>
+              <a:t>DT is at least: max link propagation delay + max processing delay at the next node + max other time variations (e.g.: clock MTIE).</a:t>
+            </a:r>
+            <a:endParaRPr/>
           </a:p>
           <a:p>
             <a:pPr>
@@ -9991,65 +9873,7 @@
             </a:pPr>
             <a:r>
               <a:rPr lang="en-US"/>
-              <a:t>DT is at </a:t>
-            </a:r>
-            <a:r>
-              <a:rPr lang="en-US"/>
-              <a:t>least: max </a:t>
-            </a:r>
-            <a:r>
-              <a:rPr lang="en-US"/>
-              <a:t>link propagation </a:t>
-            </a:r>
-            <a:r>
-              <a:rPr lang="en-US"/>
-              <a:t>delay + max </a:t>
-            </a:r>
-            <a:r>
-              <a:rPr lang="en-US"/>
-              <a:t>processing delay at the next node </a:t>
-            </a:r>
-            <a:r>
-              <a:rPr lang="en-US"/>
-              <a:t>+ max </a:t>
-            </a:r>
-            <a:r>
-              <a:rPr lang="en-US"/>
-              <a:t>other time variations</a:t>
-            </a:r>
-            <a:r>
-              <a:rPr lang="en-US"/>
-              <a:t> (e.g.: clock MTIE).</a:t>
-            </a:r>
-            <a:endParaRPr/>
-          </a:p>
-          <a:p>
-            <a:pPr>
-              <a:defRPr/>
-            </a:pPr>
-            <a:r>
-              <a:rPr lang="en-US"/>
-              <a:t>The longer the propagation </a:t>
-            </a:r>
-            <a:r>
-              <a:rPr lang="en-US"/>
-              <a:t>or </a:t>
-            </a:r>
-            <a:r>
-              <a:rPr lang="en-US"/>
-              <a:t>processing </a:t>
-            </a:r>
-            <a:r>
-              <a:rPr lang="en-US"/>
-              <a:t>delay, </a:t>
-            </a:r>
-            <a:r>
-              <a:rPr lang="en-US"/>
-              <a:t>the larger the DT</a:t>
-            </a:r>
-            <a:r>
-              <a:rPr lang="en-US"/>
-              <a:t>.</a:t>
+              <a:t>The longer the propagation or processing delay, the larger the DT.</a:t>
             </a:r>
             <a:endParaRPr/>
           </a:p>
@@ -10111,43 +9935,33 @@
               </a:rPr>
               <a:t>, (2) Shorter Tc for lower e2e latency bound</a:t>
             </a:r>
+            <a:endParaRPr/>
+          </a:p>
+          <a:p>
+            <a:pPr marL="457200" lvl="1" indent="0">
+              <a:buFont typeface="Arial"/>
+              <a:buNone/>
+              <a:defRPr/>
+            </a:pPr>
+            <a:r>
+              <a:rPr lang="en-US" sz="2800">
+                <a:latin typeface="Arial"/>
+              </a:rPr>
+              <a:t>(3), (4)  Larger DT because of longer link and/or processing time</a:t>
+            </a:r>
+            <a:endParaRPr/>
+          </a:p>
+          <a:p>
+            <a:pPr marL="457200" lvl="1" indent="0">
+              <a:buFont typeface="Arial"/>
+              <a:buNone/>
+              <a:defRPr/>
+            </a:pPr>
             <a:endParaRPr lang="en-US" sz="2800">
               <a:latin typeface="Arial"/>
             </a:endParaRPr>
           </a:p>
           <a:p>
-            <a:pPr marL="457200" lvl="1" indent="0">
-              <a:buFont typeface="Arial"/>
-              <a:buNone/>
-              <a:defRPr/>
-            </a:pPr>
-            <a:r>
-              <a:rPr lang="en-US" sz="2800">
-                <a:latin typeface="Arial"/>
-              </a:rPr>
-              <a:t>(3), (4)  </a:t>
-            </a:r>
-            <a:r>
-              <a:rPr lang="en-US" sz="2800">
-                <a:latin typeface="Arial"/>
-              </a:rPr>
-              <a:t>Larger DT because of longer link and/or processing time</a:t>
-            </a:r>
-            <a:endParaRPr lang="en-US" sz="2800">
-              <a:latin typeface="Arial"/>
-            </a:endParaRPr>
-          </a:p>
-          <a:p>
-            <a:pPr marL="457200" lvl="1" indent="0">
-              <a:buFont typeface="Arial"/>
-              <a:buNone/>
-              <a:defRPr/>
-            </a:pPr>
-            <a:endParaRPr lang="en-US" sz="2800">
-              <a:latin typeface="Arial"/>
-            </a:endParaRPr>
-          </a:p>
-          <a:p>
             <a:pPr lvl="0">
               <a:defRPr/>
             </a:pPr>
@@ -10155,17 +9969,9 @@
               <a:rPr lang="en-US" sz="3200">
                 <a:latin typeface="Arial"/>
               </a:rPr>
-              <a:t>Need </a:t>
-            </a:r>
-            <a:r>
-              <a:rPr lang="en-US" sz="3200">
-                <a:latin typeface="Arial"/>
-              </a:rPr>
-              <a:t>maller ratio of DT/Tc for better utilization</a:t>
-            </a:r>
-            <a:endParaRPr lang="en-US" sz="3200">
-              <a:latin typeface="Arial"/>
-            </a:endParaRPr>
+              <a:t>Need maller ratio of DT/Tc for better utilization</a:t>
+            </a:r>
+            <a:endParaRPr/>
           </a:p>
           <a:p>
             <a:pPr lvl="1">
@@ -10202,7 +10008,7 @@
               <a:defRPr/>
             </a:pPr>
             <a:fld id="{C45BFCED-6FC3-2937-9D76-1C4FFEE69B1C}" type="slidenum">
-              <a:rPr lang="zh-CN"/>
+              <a:rPr lang="en-US"/>
               <a:t/>
             </a:fld>
             <a:endParaRPr lang="zh-CN"/>
@@ -10222,7 +10028,7 @@
           <a:stretch/>
         </p:blipFill>
         <p:spPr bwMode="auto">
-          <a:xfrm flipH="0" flipV="0">
+          <a:xfrm>
             <a:off x="153864" y="524894"/>
             <a:ext cx="4578060" cy="5914405"/>
           </a:xfrm>
@@ -10319,13 +10125,13 @@
           </p:nvPr>
         </p:nvSpPr>
         <p:spPr bwMode="auto">
-          <a:xfrm flipH="0" flipV="0">
+          <a:xfrm>
             <a:off x="314605" y="153368"/>
             <a:ext cx="11039194" cy="1325562"/>
           </a:xfrm>
         </p:spPr>
         <p:txBody>
-          <a:bodyPr vertOverflow="overflow" horzOverflow="clip" vert="horz" wrap="square" lIns="91440" tIns="45720" rIns="91440" bIns="45720" numCol="1" spcCol="0" rtlCol="0" fromWordArt="0" anchor="ctr" anchorCtr="0" forceAA="0" upright="0" compatLnSpc="0">
+          <a:bodyPr vertOverflow="overflow" horzOverflow="clip" vert="horz" wrap="square" lIns="91440" tIns="45720" rIns="91440" bIns="45720" numCol="1" spcCol="0" rtlCol="0" fromWordArt="0" anchor="ctr" anchorCtr="0" forceAA="0" compatLnSpc="0">
             <a:normAutofit fontScale="95000" lnSpcReduction="1000"/>
           </a:bodyPr>
           <a:lstStyle/>
@@ -10342,15 +10148,7 @@
             </a:br>
             <a:r>
               <a:rPr lang="en-US" sz="3600"/>
-              <a:t>has the potential to support </a:t>
-            </a:r>
-            <a:r>
-              <a:rPr lang="en-US" sz="3600"/>
-              <a:t>(</a:t>
-            </a:r>
-            <a:r>
-              <a:rPr lang="en-US" sz="3600"/>
-              <a:t>3) &amp; (4)</a:t>
+              <a:t>has the potential to support (3) &amp; (4)</a:t>
             </a:r>
             <a:endParaRPr lang="zh-CN" sz="3600"/>
           </a:p>
@@ -10458,7 +10256,7 @@
               <a:defRPr/>
             </a:pPr>
             <a:fld id="{94A33E60-0AE8-C233-4CF8-B8B4B70969E3}" type="slidenum">
-              <a:rPr lang="zh-CN"/>
+              <a:rPr lang="en-US"/>
               <a:t/>
             </a:fld>
             <a:endParaRPr lang="zh-CN"/>
@@ -10538,14 +10336,14 @@
           </p:nvPr>
         </p:nvSpPr>
         <p:spPr bwMode="auto">
-          <a:xfrm flipH="0" flipV="0">
+          <a:xfrm>
             <a:off x="477531" y="124957"/>
             <a:ext cx="10876267" cy="924660"/>
           </a:xfrm>
         </p:spPr>
         <p:txBody>
-          <a:bodyPr vertOverflow="overflow" horzOverflow="clip" vert="horz" wrap="square" lIns="91440" tIns="45720" rIns="91440" bIns="45720" numCol="1" spcCol="0" rtlCol="0" fromWordArt="0" anchor="ctr" anchorCtr="0" forceAA="0" upright="0" compatLnSpc="0">
-            <a:normAutofit fontScale="90000" lnSpcReduction="2000"/>
+          <a:bodyPr vertOverflow="overflow" horzOverflow="clip" vert="horz" wrap="square" lIns="91440" tIns="45720" rIns="91440" bIns="45720" numCol="1" spcCol="0" rtlCol="0" fromWordArt="0" anchor="ctr" anchorCtr="0" forceAA="0" compatLnSpc="0">
+            <a:normAutofit fontScale="90000"/>
           </a:bodyPr>
           <a:lstStyle/>
           <a:p>
@@ -10584,8 +10382,8 @@
           </a:xfrm>
         </p:spPr>
         <p:txBody>
-          <a:bodyPr vertOverflow="overflow" horzOverflow="clip" vert="horz" wrap="square" lIns="91440" tIns="45720" rIns="91440" bIns="45720" numCol="1" spcCol="0" rtlCol="0" fromWordArt="0" anchor="t" anchorCtr="0" forceAA="0" upright="0" compatLnSpc="0">
-            <a:normAutofit fontScale="75000" lnSpcReduction="5000"/>
+          <a:bodyPr vertOverflow="overflow" horzOverflow="clip" vert="horz" wrap="square" lIns="91440" tIns="45720" rIns="91440" bIns="45720" numCol="1" spcCol="0" rtlCol="0" fromWordArt="0" anchor="t" anchorCtr="0" forceAA="0" compatLnSpc="0">
+            <a:normAutofit fontScale="82500" lnSpcReduction="15000"/>
           </a:bodyPr>
           <a:lstStyle/>
           <a:p>
@@ -10607,7 +10405,7 @@
               <a:rPr lang="en-US"/>
               <a:t> sources</a:t>
             </a:r>
-            <a:endParaRPr lang="en-US"/>
+            <a:endParaRPr/>
           </a:p>
           <a:p>
             <a:pPr lvl="1">
@@ -10617,7 +10415,7 @@
               <a:rPr lang="en-US"/>
               <a:t>Node processing delay variation</a:t>
             </a:r>
-            <a:endParaRPr lang="en-US"/>
+            <a:endParaRPr/>
           </a:p>
           <a:p>
             <a:pPr lvl="1">
@@ -10627,7 +10425,7 @@
               <a:rPr lang="en-US"/>
               <a:t>Link propagation latency variation (FEC, link retransmissions, temperature elongation,...)</a:t>
             </a:r>
-            <a:endParaRPr lang="en-US"/>
+            <a:endParaRPr/>
           </a:p>
           <a:p>
             <a:pPr lvl="1">
@@ -10704,11 +10502,7 @@
             </a:r>
             <a:r>
               <a:rPr lang="en-US"/>
-              <a:t>pkt</a:t>
-            </a:r>
-            <a:r>
-              <a:rPr lang="en-US"/>
-              <a:t> carry cycle id metadata at output to help the downstream node determine the correct cycle buffer for the paket</a:t>
+              <a:t>pkt carry cycle id metadata at output to help the downstream node determine the correct cycle buffer for the paket</a:t>
             </a:r>
             <a:endParaRPr/>
           </a:p>
@@ -10733,7 +10527,7 @@
               <a:defRPr/>
             </a:pPr>
             <a:fld id="{C036B2E8-13AF-4DA3-9709-D214E83275E8}" type="slidenum">
-              <a:rPr lang="zh-CN"/>
+              <a:rPr lang="en-US"/>
               <a:t/>
             </a:fld>
             <a:endParaRPr lang="zh-CN"/>
@@ -11481,8 +11275,8 @@
         </p:nvSpPr>
         <p:spPr bwMode="auto">
           <a:xfrm>
-            <a:off x="580177" y="3426842"/>
-            <a:ext cx="877176" cy="261609"/>
+            <a:off x="469323" y="3426842"/>
+            <a:ext cx="988030" cy="261609"/>
           </a:xfrm>
           <a:prstGeom prst="rect">
             <a:avLst/>
@@ -11578,7 +11372,7 @@
         <p:spPr bwMode="auto">
           <a:xfrm>
             <a:off x="3597080" y="3194163"/>
-            <a:ext cx="877176" cy="261609"/>
+            <a:ext cx="1015442" cy="261609"/>
           </a:xfrm>
           <a:prstGeom prst="rect">
             <a:avLst/>
@@ -11768,15 +11562,22 @@
           </a:ln>
         </p:spPr>
         <p:style>
-          <a:lnRef idx="0"/>
-          <a:fillRef idx="0"/>
-          <a:effectRef idx="0"/>
+          <a:lnRef idx="0">
+            <a:srgbClr val="000000"/>
+          </a:lnRef>
+          <a:fillRef idx="0">
+            <a:srgbClr val="000000"/>
+          </a:fillRef>
+          <a:effectRef idx="0">
+            <a:srgbClr val="000000"/>
+          </a:effectRef>
           <a:fontRef idx="minor"/>
         </p:style>
         <p:txBody>
           <a:bodyPr lIns="90000" tIns="45000" rIns="90000" bIns="45000" anchor="ctr">
-            <a:normAutofit/>
+            <a:normAutofit fontScale="92500" lnSpcReduction="10000"/>
           </a:bodyPr>
+          <a:lstStyle/>
           <a:p>
             <a:pPr>
               <a:lnSpc>
@@ -11819,15 +11620,22 @@
           </a:ln>
         </p:spPr>
         <p:style>
-          <a:lnRef idx="0"/>
-          <a:fillRef idx="0"/>
-          <a:effectRef idx="0"/>
+          <a:lnRef idx="0">
+            <a:srgbClr val="000000"/>
+          </a:lnRef>
+          <a:fillRef idx="0">
+            <a:srgbClr val="000000"/>
+          </a:fillRef>
+          <a:effectRef idx="0">
+            <a:srgbClr val="000000"/>
+          </a:effectRef>
           <a:fontRef idx="minor"/>
         </p:style>
         <p:txBody>
           <a:bodyPr lIns="90000" tIns="45000" rIns="90000" bIns="45000">
             <a:normAutofit/>
           </a:bodyPr>
+          <a:lstStyle/>
           <a:p>
             <a:pPr>
               <a:lnSpc>
@@ -11902,7 +11710,25 @@
                 </a:solidFill>
                 <a:latin typeface="Calibri"/>
               </a:rPr>
-              <a:t>Required dlock accuracy (MTIE) &lt; 90% cycle time</a:t>
+              <a:t>Required </a:t>
+            </a:r>
+            <a:r>
+              <a:rPr lang="en-US" sz="2000" b="0" strike="noStrike" spc="0">
+                <a:solidFill>
+                  <a:srgbClr val="000000"/>
+                </a:solidFill>
+                <a:latin typeface="Calibri"/>
+              </a:rPr>
+              <a:t>dlock</a:t>
+            </a:r>
+            <a:r>
+              <a:rPr lang="en-US" sz="2000" b="0" strike="noStrike" spc="0">
+                <a:solidFill>
+                  <a:srgbClr val="000000"/>
+                </a:solidFill>
+                <a:latin typeface="Calibri"/>
+              </a:rPr>
+              <a:t> accuracy (MTIE) &lt; 90% cycle time</a:t>
             </a:r>
             <a:endParaRPr lang="en-US" sz="2000" b="0" strike="noStrike" spc="0">
               <a:latin typeface="Arial"/>
@@ -11956,7 +11782,61 @@
                 </a:solidFill>
                 <a:latin typeface="Calibri"/>
               </a:rPr>
-              <a:t>e.g.: link propagation variation (jitter) and/or higher MTIE</a:t>
+              <a:t>e.g.: link propagation </a:t>
+            </a:r>
+            <a:r>
+              <a:rPr lang="en-US" sz="2000" b="0" strike="noStrike" spc="0">
+                <a:solidFill>
+                  <a:srgbClr val="000000"/>
+                </a:solidFill>
+                <a:latin typeface="Calibri"/>
+              </a:rPr>
+              <a:t>variation </a:t>
+            </a:r>
+            <a:r>
+              <a:rPr lang="en-US" sz="2000" b="0" strike="noStrike" spc="0">
+                <a:solidFill>
+                  <a:srgbClr val="000000"/>
+                </a:solidFill>
+                <a:latin typeface="Calibri"/>
+              </a:rPr>
+              <a:t>(jitter) </a:t>
+            </a:r>
+            <a:r>
+              <a:rPr lang="en-US" sz="2000">
+                <a:solidFill>
+                  <a:srgbClr val="0000FF"/>
+                </a:solidFill>
+                <a:latin typeface="Calibri"/>
+              </a:rPr>
+              <a:t>and/or processing </a:t>
+            </a:r>
+            <a:r>
+              <a:rPr lang="en-US" sz="2000">
+                <a:solidFill>
+                  <a:srgbClr val="0000FF"/>
+                </a:solidFill>
+                <a:latin typeface="Calibri"/>
+              </a:rPr>
+              <a:t>variation </a:t>
+            </a:r>
+            <a:r>
+              <a:rPr lang="en-US" sz="2000" b="0" strike="noStrike" spc="0">
+                <a:solidFill>
+                  <a:srgbClr val="000000"/>
+                </a:solidFill>
+                <a:latin typeface="Calibri"/>
+              </a:rPr>
+              <a:t>and/or </a:t>
+            </a:r>
+            <a:r>
+              <a:rPr lang="en-US" sz="2000" b="0" strike="noStrike" spc="0">
+                <a:solidFill>
+                  <a:srgbClr val="000000"/>
+                </a:solidFill>
+                <a:latin typeface="Calibri"/>
+              </a:rPr>
+              <a:t>higher MTIE</a:t>
             </a:r>
             <a:endParaRPr lang="en-US" sz="2000" b="0" strike="noStrike" spc="0">
               <a:latin typeface="Arial"/>
@@ -12089,15 +11969,22 @@
               </a:ln>
             </p:spPr>
             <p:style>
-              <a:lnRef idx="0"/>
-              <a:fillRef idx="0"/>
-              <a:effectRef idx="0"/>
+              <a:lnRef idx="0">
+                <a:srgbClr val="000000"/>
+              </a:lnRef>
+              <a:fillRef idx="0">
+                <a:srgbClr val="000000"/>
+              </a:fillRef>
+              <a:effectRef idx="0">
+                <a:srgbClr val="000000"/>
+              </a:effectRef>
               <a:fontRef idx="minor"/>
             </p:style>
             <p:txBody>
               <a:bodyPr wrap="none" lIns="90000" tIns="45000" rIns="90000" bIns="45000">
                 <a:spAutoFit/>
               </a:bodyPr>
+              <a:lstStyle/>
               <a:p>
                 <a:pPr>
                   <a:lnSpc>
@@ -12270,15 +12157,22 @@
               </a:ln>
             </p:spPr>
             <p:style>
-              <a:lnRef idx="0"/>
-              <a:fillRef idx="0"/>
-              <a:effectRef idx="0"/>
+              <a:lnRef idx="0">
+                <a:srgbClr val="000000"/>
+              </a:lnRef>
+              <a:fillRef idx="0">
+                <a:srgbClr val="000000"/>
+              </a:fillRef>
+              <a:effectRef idx="0">
+                <a:srgbClr val="000000"/>
+              </a:effectRef>
               <a:fontRef idx="minor"/>
             </p:style>
             <p:txBody>
               <a:bodyPr wrap="none" lIns="90000" tIns="45000" rIns="90000" bIns="45000">
                 <a:spAutoFit/>
               </a:bodyPr>
+              <a:lstStyle/>
               <a:p>
                 <a:pPr>
                   <a:lnSpc>
@@ -12451,15 +12345,22 @@
               </a:ln>
             </p:spPr>
             <p:style>
-              <a:lnRef idx="0"/>
-              <a:fillRef idx="0"/>
-              <a:effectRef idx="0"/>
+              <a:lnRef idx="0">
+                <a:srgbClr val="000000"/>
+              </a:lnRef>
+              <a:fillRef idx="0">
+                <a:srgbClr val="000000"/>
+              </a:fillRef>
+              <a:effectRef idx="0">
+                <a:srgbClr val="000000"/>
+              </a:effectRef>
               <a:fontRef idx="minor"/>
             </p:style>
             <p:txBody>
               <a:bodyPr wrap="none" lIns="90000" tIns="45000" rIns="90000" bIns="45000">
                 <a:spAutoFit/>
               </a:bodyPr>
+              <a:lstStyle/>
               <a:p>
                 <a:pPr>
                   <a:lnSpc>
@@ -12594,15 +12495,22 @@
               </a:ln>
             </p:spPr>
             <p:style>
-              <a:lnRef idx="0"/>
-              <a:fillRef idx="0"/>
-              <a:effectRef idx="0"/>
+              <a:lnRef idx="0">
+                <a:srgbClr val="000000"/>
+              </a:lnRef>
+              <a:fillRef idx="0">
+                <a:srgbClr val="000000"/>
+              </a:fillRef>
+              <a:effectRef idx="0">
+                <a:srgbClr val="000000"/>
+              </a:effectRef>
               <a:fontRef idx="minor"/>
             </p:style>
             <p:txBody>
               <a:bodyPr wrap="none" lIns="90000" tIns="45000" rIns="90000" bIns="45000">
                 <a:spAutoFit/>
               </a:bodyPr>
+              <a:lstStyle/>
               <a:p>
                 <a:pPr>
                   <a:lnSpc>
@@ -12775,15 +12683,22 @@
               </a:ln>
             </p:spPr>
             <p:style>
-              <a:lnRef idx="0"/>
-              <a:fillRef idx="0"/>
-              <a:effectRef idx="0"/>
+              <a:lnRef idx="0">
+                <a:srgbClr val="000000"/>
+              </a:lnRef>
+              <a:fillRef idx="0">
+                <a:srgbClr val="000000"/>
+              </a:fillRef>
+              <a:effectRef idx="0">
+                <a:srgbClr val="000000"/>
+              </a:effectRef>
               <a:fontRef idx="minor"/>
             </p:style>
             <p:txBody>
               <a:bodyPr wrap="none" lIns="90000" tIns="45000" rIns="90000" bIns="45000">
                 <a:spAutoFit/>
               </a:bodyPr>
+              <a:lstStyle/>
               <a:p>
                 <a:pPr>
                   <a:lnSpc>
@@ -12918,15 +12833,22 @@
               </a:ln>
             </p:spPr>
             <p:style>
-              <a:lnRef idx="0"/>
-              <a:fillRef idx="0"/>
-              <a:effectRef idx="0"/>
+              <a:lnRef idx="0">
+                <a:srgbClr val="000000"/>
+              </a:lnRef>
+              <a:fillRef idx="0">
+                <a:srgbClr val="000000"/>
+              </a:fillRef>
+              <a:effectRef idx="0">
+                <a:srgbClr val="000000"/>
+              </a:effectRef>
               <a:fontRef idx="minor"/>
             </p:style>
             <p:txBody>
               <a:bodyPr wrap="none" lIns="90000" tIns="45000" rIns="90000" bIns="45000">
                 <a:spAutoFit/>
               </a:bodyPr>
+              <a:lstStyle/>
               <a:p>
                 <a:pPr>
                   <a:lnSpc>
@@ -13099,15 +13021,22 @@
               </a:ln>
             </p:spPr>
             <p:style>
-              <a:lnRef idx="0"/>
-              <a:fillRef idx="0"/>
-              <a:effectRef idx="0"/>
+              <a:lnRef idx="0">
+                <a:srgbClr val="000000"/>
+              </a:lnRef>
+              <a:fillRef idx="0">
+                <a:srgbClr val="000000"/>
+              </a:fillRef>
+              <a:effectRef idx="0">
+                <a:srgbClr val="000000"/>
+              </a:effectRef>
               <a:fontRef idx="minor"/>
             </p:style>
             <p:txBody>
               <a:bodyPr wrap="none" lIns="90000" tIns="45000" rIns="90000" bIns="45000">
                 <a:spAutoFit/>
               </a:bodyPr>
+              <a:lstStyle/>
               <a:p>
                 <a:pPr>
                   <a:lnSpc>
@@ -13280,15 +13209,22 @@
               </a:ln>
             </p:spPr>
             <p:style>
-              <a:lnRef idx="0"/>
-              <a:fillRef idx="0"/>
-              <a:effectRef idx="0"/>
+              <a:lnRef idx="0">
+                <a:srgbClr val="000000"/>
+              </a:lnRef>
+              <a:fillRef idx="0">
+                <a:srgbClr val="000000"/>
+              </a:fillRef>
+              <a:effectRef idx="0">
+                <a:srgbClr val="000000"/>
+              </a:effectRef>
               <a:fontRef idx="minor"/>
             </p:style>
             <p:txBody>
               <a:bodyPr wrap="none" lIns="90000" tIns="45000" rIns="90000" bIns="45000">
                 <a:spAutoFit/>
               </a:bodyPr>
+              <a:lstStyle/>
               <a:p>
                 <a:pPr>
                   <a:lnSpc>
@@ -13502,15 +13438,22 @@
               </a:ln>
             </p:spPr>
             <p:style>
-              <a:lnRef idx="0"/>
-              <a:fillRef idx="0"/>
-              <a:effectRef idx="0"/>
+              <a:lnRef idx="0">
+                <a:srgbClr val="000000"/>
+              </a:lnRef>
+              <a:fillRef idx="0">
+                <a:srgbClr val="000000"/>
+              </a:fillRef>
+              <a:effectRef idx="0">
+                <a:srgbClr val="000000"/>
+              </a:effectRef>
               <a:fontRef idx="minor"/>
             </p:style>
             <p:txBody>
               <a:bodyPr wrap="none" lIns="90000" tIns="45000" rIns="90000" bIns="45000">
                 <a:spAutoFit/>
               </a:bodyPr>
+              <a:lstStyle/>
               <a:p>
                 <a:pPr>
                   <a:lnSpc>
@@ -13554,15 +13497,22 @@
               </a:ln>
             </p:spPr>
             <p:style>
-              <a:lnRef idx="0"/>
-              <a:fillRef idx="0"/>
-              <a:effectRef idx="0"/>
+              <a:lnRef idx="0">
+                <a:srgbClr val="000000"/>
+              </a:lnRef>
+              <a:fillRef idx="0">
+                <a:srgbClr val="000000"/>
+              </a:fillRef>
+              <a:effectRef idx="0">
+                <a:srgbClr val="000000"/>
+              </a:effectRef>
               <a:fontRef idx="minor"/>
             </p:style>
             <p:txBody>
               <a:bodyPr wrap="none" lIns="90000" tIns="45000" rIns="90000" bIns="45000">
                 <a:spAutoFit/>
               </a:bodyPr>
+              <a:lstStyle/>
               <a:p>
                 <a:pPr>
                   <a:lnSpc>
@@ -13685,15 +13635,22 @@
               </a:ln>
             </p:spPr>
             <p:style>
-              <a:lnRef idx="0"/>
-              <a:fillRef idx="0"/>
-              <a:effectRef idx="0"/>
+              <a:lnRef idx="0">
+                <a:srgbClr val="000000"/>
+              </a:lnRef>
+              <a:fillRef idx="0">
+                <a:srgbClr val="000000"/>
+              </a:fillRef>
+              <a:effectRef idx="0">
+                <a:srgbClr val="000000"/>
+              </a:effectRef>
               <a:fontRef idx="minor"/>
             </p:style>
             <p:txBody>
               <a:bodyPr wrap="none" lIns="90000" tIns="45000" rIns="90000" bIns="45000">
                 <a:spAutoFit/>
               </a:bodyPr>
+              <a:lstStyle/>
               <a:p>
                 <a:pPr>
                   <a:lnSpc>
@@ -13869,15 +13826,22 @@
               </a:ln>
             </p:spPr>
             <p:style>
-              <a:lnRef idx="0"/>
-              <a:fillRef idx="0"/>
-              <a:effectRef idx="0"/>
+              <a:lnRef idx="0">
+                <a:srgbClr val="000000"/>
+              </a:lnRef>
+              <a:fillRef idx="0">
+                <a:srgbClr val="000000"/>
+              </a:fillRef>
+              <a:effectRef idx="0">
+                <a:srgbClr val="000000"/>
+              </a:effectRef>
               <a:fontRef idx="minor"/>
             </p:style>
             <p:txBody>
               <a:bodyPr wrap="none" lIns="90000" tIns="45000" rIns="90000" bIns="45000">
                 <a:spAutoFit/>
               </a:bodyPr>
+              <a:lstStyle/>
               <a:p>
                 <a:pPr>
                   <a:lnSpc>
@@ -13921,15 +13885,22 @@
               </a:ln>
             </p:spPr>
             <p:style>
-              <a:lnRef idx="0"/>
-              <a:fillRef idx="0"/>
-              <a:effectRef idx="0"/>
+              <a:lnRef idx="0">
+                <a:srgbClr val="000000"/>
+              </a:lnRef>
+              <a:fillRef idx="0">
+                <a:srgbClr val="000000"/>
+              </a:fillRef>
+              <a:effectRef idx="0">
+                <a:srgbClr val="000000"/>
+              </a:effectRef>
               <a:fontRef idx="minor"/>
             </p:style>
             <p:txBody>
               <a:bodyPr wrap="none" lIns="90000" tIns="45000" rIns="90000" bIns="45000">
                 <a:spAutoFit/>
               </a:bodyPr>
+              <a:lstStyle/>
               <a:p>
                 <a:pPr>
                   <a:lnSpc>
@@ -14066,15 +14037,22 @@
                 </a:ln>
               </p:spPr>
               <p:style>
-                <a:lnRef idx="0"/>
-                <a:fillRef idx="0"/>
-                <a:effectRef idx="0"/>
+                <a:lnRef idx="0">
+                  <a:srgbClr val="000000"/>
+                </a:lnRef>
+                <a:fillRef idx="0">
+                  <a:srgbClr val="000000"/>
+                </a:fillRef>
+                <a:effectRef idx="0">
+                  <a:srgbClr val="000000"/>
+                </a:effectRef>
                 <a:fontRef idx="minor"/>
               </p:style>
               <p:txBody>
                 <a:bodyPr wrap="none" lIns="90000" tIns="45000" rIns="90000" bIns="45000">
                   <a:spAutoFit/>
                 </a:bodyPr>
+                <a:lstStyle/>
                 <a:p>
                   <a:pPr>
                     <a:lnSpc>
@@ -14233,15 +14211,22 @@
               </a:ln>
             </p:spPr>
             <p:style>
-              <a:lnRef idx="0"/>
-              <a:fillRef idx="0"/>
-              <a:effectRef idx="0"/>
+              <a:lnRef idx="0">
+                <a:srgbClr val="000000"/>
+              </a:lnRef>
+              <a:fillRef idx="0">
+                <a:srgbClr val="000000"/>
+              </a:fillRef>
+              <a:effectRef idx="0">
+                <a:srgbClr val="000000"/>
+              </a:effectRef>
               <a:fontRef idx="minor"/>
             </p:style>
             <p:txBody>
               <a:bodyPr wrap="none" lIns="90000" tIns="45000" rIns="90000" bIns="45000">
                 <a:spAutoFit/>
               </a:bodyPr>
+              <a:lstStyle/>
               <a:p>
                 <a:pPr>
                   <a:lnSpc>
@@ -14378,15 +14363,22 @@
                 </a:ln>
               </p:spPr>
               <p:style>
-                <a:lnRef idx="0"/>
-                <a:fillRef idx="0"/>
-                <a:effectRef idx="0"/>
+                <a:lnRef idx="0">
+                  <a:srgbClr val="000000"/>
+                </a:lnRef>
+                <a:fillRef idx="0">
+                  <a:srgbClr val="000000"/>
+                </a:fillRef>
+                <a:effectRef idx="0">
+                  <a:srgbClr val="000000"/>
+                </a:effectRef>
                 <a:fontRef idx="minor"/>
               </p:style>
               <p:txBody>
                 <a:bodyPr wrap="none" lIns="90000" tIns="45000" rIns="90000" bIns="45000">
                   <a:spAutoFit/>
                 </a:bodyPr>
+                <a:lstStyle/>
                 <a:p>
                   <a:pPr>
                     <a:lnSpc>
@@ -14431,15 +14423,22 @@
               </a:ln>
             </p:spPr>
             <p:style>
-              <a:lnRef idx="0"/>
-              <a:fillRef idx="0"/>
-              <a:effectRef idx="0"/>
+              <a:lnRef idx="0">
+                <a:srgbClr val="000000"/>
+              </a:lnRef>
+              <a:fillRef idx="0">
+                <a:srgbClr val="000000"/>
+              </a:fillRef>
+              <a:effectRef idx="0">
+                <a:srgbClr val="000000"/>
+              </a:effectRef>
               <a:fontRef idx="minor"/>
             </p:style>
             <p:txBody>
               <a:bodyPr wrap="none" lIns="90000" tIns="45000" rIns="90000" bIns="45000">
                 <a:spAutoFit/>
               </a:bodyPr>
+              <a:lstStyle/>
               <a:p>
                 <a:pPr>
                   <a:lnSpc>
@@ -14542,15 +14541,22 @@
             </a:ln>
           </p:spPr>
           <p:style>
-            <a:lnRef idx="0"/>
-            <a:fillRef idx="0"/>
-            <a:effectRef idx="0"/>
+            <a:lnRef idx="0">
+              <a:srgbClr val="000000"/>
+            </a:lnRef>
+            <a:fillRef idx="0">
+              <a:srgbClr val="000000"/>
+            </a:fillRef>
+            <a:effectRef idx="0">
+              <a:srgbClr val="000000"/>
+            </a:effectRef>
             <a:fontRef idx="minor"/>
           </p:style>
           <p:txBody>
             <a:bodyPr wrap="none" lIns="90000" tIns="45000" rIns="90000" bIns="45000">
               <a:spAutoFit/>
             </a:bodyPr>
+            <a:lstStyle/>
             <a:p>
               <a:pPr>
                 <a:lnSpc>
@@ -14838,6 +14844,16 @@
             </a:effectRef>
             <a:fontRef idx="minor"/>
           </p:style>
+          <p:txBody>
+            <a:bodyPr/>
+            <a:lstStyle/>
+            <a:p>
+              <a:pPr>
+                <a:defRPr/>
+              </a:pPr>
+              <a:endParaRPr lang="zh-CN"/>
+            </a:p>
+          </p:txBody>
         </p:sp>
         <p:sp>
           <p:nvSpPr>
@@ -14859,15 +14875,22 @@
             </a:ln>
           </p:spPr>
           <p:style>
-            <a:lnRef idx="0"/>
-            <a:fillRef idx="0"/>
-            <a:effectRef idx="0"/>
+            <a:lnRef idx="0">
+              <a:srgbClr val="000000"/>
+            </a:lnRef>
+            <a:fillRef idx="0">
+              <a:srgbClr val="000000"/>
+            </a:fillRef>
+            <a:effectRef idx="0">
+              <a:srgbClr val="000000"/>
+            </a:effectRef>
             <a:fontRef idx="minor"/>
           </p:style>
           <p:txBody>
             <a:bodyPr wrap="none" lIns="90000" tIns="45000" rIns="90000" bIns="45000">
               <a:spAutoFit/>
             </a:bodyPr>
+            <a:lstStyle/>
             <a:p>
               <a:pPr>
                 <a:lnSpc>
@@ -15147,15 +15170,22 @@
             </a:ln>
           </p:spPr>
           <p:style>
-            <a:lnRef idx="0"/>
-            <a:fillRef idx="0"/>
-            <a:effectRef idx="0"/>
+            <a:lnRef idx="0">
+              <a:srgbClr val="000000"/>
+            </a:lnRef>
+            <a:fillRef idx="0">
+              <a:srgbClr val="000000"/>
+            </a:fillRef>
+            <a:effectRef idx="0">
+              <a:srgbClr val="000000"/>
+            </a:effectRef>
             <a:fontRef idx="minor"/>
           </p:style>
           <p:txBody>
             <a:bodyPr wrap="none" lIns="90000" tIns="45000" rIns="90000" bIns="45000">
               <a:spAutoFit/>
             </a:bodyPr>
+            <a:lstStyle/>
             <a:p>
               <a:pPr>
                 <a:lnSpc>
@@ -15361,15 +15391,22 @@
               </a:ln>
             </p:spPr>
             <p:style>
-              <a:lnRef idx="0"/>
-              <a:fillRef idx="0"/>
-              <a:effectRef idx="0"/>
+              <a:lnRef idx="0">
+                <a:srgbClr val="000000"/>
+              </a:lnRef>
+              <a:fillRef idx="0">
+                <a:srgbClr val="000000"/>
+              </a:fillRef>
+              <a:effectRef idx="0">
+                <a:srgbClr val="000000"/>
+              </a:effectRef>
               <a:fontRef idx="minor"/>
             </p:style>
             <p:txBody>
               <a:bodyPr wrap="none" lIns="90000" tIns="45000" rIns="90000" bIns="45000">
                 <a:spAutoFit/>
               </a:bodyPr>
+              <a:lstStyle/>
               <a:p>
                 <a:pPr>
                   <a:lnSpc>
@@ -15542,15 +15579,22 @@
               </a:ln>
             </p:spPr>
             <p:style>
-              <a:lnRef idx="0"/>
-              <a:fillRef idx="0"/>
-              <a:effectRef idx="0"/>
+              <a:lnRef idx="0">
+                <a:srgbClr val="000000"/>
+              </a:lnRef>
+              <a:fillRef idx="0">
+                <a:srgbClr val="000000"/>
+              </a:fillRef>
+              <a:effectRef idx="0">
+                <a:srgbClr val="000000"/>
+              </a:effectRef>
               <a:fontRef idx="minor"/>
             </p:style>
             <p:txBody>
               <a:bodyPr wrap="none" lIns="90000" tIns="45000" rIns="90000" bIns="45000">
                 <a:spAutoFit/>
               </a:bodyPr>
+              <a:lstStyle/>
               <a:p>
                 <a:pPr>
                   <a:lnSpc>
@@ -15723,15 +15767,22 @@
               </a:ln>
             </p:spPr>
             <p:style>
-              <a:lnRef idx="0"/>
-              <a:fillRef idx="0"/>
-              <a:effectRef idx="0"/>
+              <a:lnRef idx="0">
+                <a:srgbClr val="000000"/>
+              </a:lnRef>
+              <a:fillRef idx="0">
+                <a:srgbClr val="000000"/>
+              </a:fillRef>
+              <a:effectRef idx="0">
+                <a:srgbClr val="000000"/>
+              </a:effectRef>
               <a:fontRef idx="minor"/>
             </p:style>
             <p:txBody>
               <a:bodyPr wrap="none" lIns="90000" tIns="45000" rIns="90000" bIns="45000">
                 <a:spAutoFit/>
               </a:bodyPr>
+              <a:lstStyle/>
               <a:p>
                 <a:pPr>
                   <a:lnSpc>
@@ -15904,15 +15955,22 @@
               </a:ln>
             </p:spPr>
             <p:style>
-              <a:lnRef idx="0"/>
-              <a:fillRef idx="0"/>
-              <a:effectRef idx="0"/>
+              <a:lnRef idx="0">
+                <a:srgbClr val="000000"/>
+              </a:lnRef>
+              <a:fillRef idx="0">
+                <a:srgbClr val="000000"/>
+              </a:fillRef>
+              <a:effectRef idx="0">
+                <a:srgbClr val="000000"/>
+              </a:effectRef>
               <a:fontRef idx="minor"/>
             </p:style>
             <p:txBody>
               <a:bodyPr wrap="none" lIns="90000" tIns="45000" rIns="90000" bIns="45000">
                 <a:spAutoFit/>
               </a:bodyPr>
+              <a:lstStyle/>
               <a:p>
                 <a:pPr>
                   <a:lnSpc>
@@ -16161,15 +16219,22 @@
               </a:ln>
             </p:spPr>
             <p:style>
-              <a:lnRef idx="0"/>
-              <a:fillRef idx="0"/>
-              <a:effectRef idx="0"/>
+              <a:lnRef idx="0">
+                <a:srgbClr val="000000"/>
+              </a:lnRef>
+              <a:fillRef idx="0">
+                <a:srgbClr val="000000"/>
+              </a:fillRef>
+              <a:effectRef idx="0">
+                <a:srgbClr val="000000"/>
+              </a:effectRef>
               <a:fontRef idx="minor"/>
             </p:style>
             <p:txBody>
               <a:bodyPr wrap="none" lIns="90000" tIns="45000" rIns="90000" bIns="45000">
                 <a:spAutoFit/>
               </a:bodyPr>
+              <a:lstStyle/>
               <a:p>
                 <a:pPr>
                   <a:lnSpc>
@@ -16418,15 +16483,22 @@
               </a:ln>
             </p:spPr>
             <p:style>
-              <a:lnRef idx="0"/>
-              <a:fillRef idx="0"/>
-              <a:effectRef idx="0"/>
+              <a:lnRef idx="0">
+                <a:srgbClr val="000000"/>
+              </a:lnRef>
+              <a:fillRef idx="0">
+                <a:srgbClr val="000000"/>
+              </a:fillRef>
+              <a:effectRef idx="0">
+                <a:srgbClr val="000000"/>
+              </a:effectRef>
               <a:fontRef idx="minor"/>
             </p:style>
             <p:txBody>
               <a:bodyPr wrap="none" lIns="90000" tIns="45000" rIns="90000" bIns="45000">
                 <a:spAutoFit/>
               </a:bodyPr>
+              <a:lstStyle/>
               <a:p>
                 <a:pPr>
                   <a:lnSpc>
@@ -16675,15 +16747,22 @@
               </a:ln>
             </p:spPr>
             <p:style>
-              <a:lnRef idx="0"/>
-              <a:fillRef idx="0"/>
-              <a:effectRef idx="0"/>
+              <a:lnRef idx="0">
+                <a:srgbClr val="000000"/>
+              </a:lnRef>
+              <a:fillRef idx="0">
+                <a:srgbClr val="000000"/>
+              </a:fillRef>
+              <a:effectRef idx="0">
+                <a:srgbClr val="000000"/>
+              </a:effectRef>
               <a:fontRef idx="minor"/>
             </p:style>
             <p:txBody>
               <a:bodyPr wrap="none" lIns="90000" tIns="45000" rIns="90000" bIns="45000">
                 <a:spAutoFit/>
               </a:bodyPr>
+              <a:lstStyle/>
               <a:p>
                 <a:pPr>
                   <a:lnSpc>
@@ -16932,15 +17011,22 @@
               </a:ln>
             </p:spPr>
             <p:style>
-              <a:lnRef idx="0"/>
-              <a:fillRef idx="0"/>
-              <a:effectRef idx="0"/>
+              <a:lnRef idx="0">
+                <a:srgbClr val="000000"/>
+              </a:lnRef>
+              <a:fillRef idx="0">
+                <a:srgbClr val="000000"/>
+              </a:fillRef>
+              <a:effectRef idx="0">
+                <a:srgbClr val="000000"/>
+              </a:effectRef>
               <a:fontRef idx="minor"/>
             </p:style>
             <p:txBody>
               <a:bodyPr wrap="none" lIns="90000" tIns="45000" rIns="90000" bIns="45000">
                 <a:spAutoFit/>
               </a:bodyPr>
+              <a:lstStyle/>
               <a:p>
                 <a:pPr>
                   <a:lnSpc>
@@ -17099,15 +17185,22 @@
             </a:ln>
           </p:spPr>
           <p:style>
-            <a:lnRef idx="0"/>
-            <a:fillRef idx="0"/>
-            <a:effectRef idx="0"/>
+            <a:lnRef idx="0">
+              <a:srgbClr val="000000"/>
+            </a:lnRef>
+            <a:fillRef idx="0">
+              <a:srgbClr val="000000"/>
+            </a:fillRef>
+            <a:effectRef idx="0">
+              <a:srgbClr val="000000"/>
+            </a:effectRef>
             <a:fontRef idx="minor"/>
           </p:style>
           <p:txBody>
             <a:bodyPr wrap="none" lIns="90000" tIns="45000" rIns="90000" bIns="45000">
               <a:spAutoFit/>
             </a:bodyPr>
+            <a:lstStyle/>
             <a:p>
               <a:pPr>
                 <a:lnSpc>
@@ -17206,15 +17299,22 @@
               </a:ln>
             </p:spPr>
             <p:style>
-              <a:lnRef idx="0"/>
-              <a:fillRef idx="0"/>
-              <a:effectRef idx="0"/>
+              <a:lnRef idx="0">
+                <a:srgbClr val="000000"/>
+              </a:lnRef>
+              <a:fillRef idx="0">
+                <a:srgbClr val="000000"/>
+              </a:fillRef>
+              <a:effectRef idx="0">
+                <a:srgbClr val="000000"/>
+              </a:effectRef>
               <a:fontRef idx="minor"/>
             </p:style>
             <p:txBody>
               <a:bodyPr wrap="none" lIns="90000" tIns="45000" rIns="90000" bIns="45000">
                 <a:spAutoFit/>
               </a:bodyPr>
+              <a:lstStyle/>
               <a:p>
                 <a:pPr>
                   <a:lnSpc>
@@ -17300,15 +17400,22 @@
             </a:ln>
           </p:spPr>
           <p:style>
-            <a:lnRef idx="0"/>
-            <a:fillRef idx="0"/>
-            <a:effectRef idx="0"/>
+            <a:lnRef idx="0">
+              <a:srgbClr val="000000"/>
+            </a:lnRef>
+            <a:fillRef idx="0">
+              <a:srgbClr val="000000"/>
+            </a:fillRef>
+            <a:effectRef idx="0">
+              <a:srgbClr val="000000"/>
+            </a:effectRef>
             <a:fontRef idx="minor"/>
           </p:style>
           <p:txBody>
             <a:bodyPr wrap="none" lIns="90000" tIns="45000" rIns="90000" bIns="45000">
               <a:spAutoFit/>
             </a:bodyPr>
+            <a:lstStyle/>
             <a:p>
               <a:pPr>
                 <a:lnSpc>
@@ -17583,15 +17690,22 @@
             </a:ln>
           </p:spPr>
           <p:style>
-            <a:lnRef idx="0"/>
-            <a:fillRef idx="0"/>
-            <a:effectRef idx="0"/>
+            <a:lnRef idx="0">
+              <a:srgbClr val="000000"/>
+            </a:lnRef>
+            <a:fillRef idx="0">
+              <a:srgbClr val="000000"/>
+            </a:fillRef>
+            <a:effectRef idx="0">
+              <a:srgbClr val="000000"/>
+            </a:effectRef>
             <a:fontRef idx="minor"/>
           </p:style>
           <p:txBody>
             <a:bodyPr wrap="none" lIns="90000" tIns="45000" rIns="90000" bIns="45000">
               <a:spAutoFit/>
             </a:bodyPr>
+            <a:lstStyle/>
             <a:p>
               <a:pPr>
                 <a:lnSpc>
@@ -17635,15 +17749,22 @@
             </a:ln>
           </p:spPr>
           <p:style>
-            <a:lnRef idx="0"/>
-            <a:fillRef idx="0"/>
-            <a:effectRef idx="0"/>
+            <a:lnRef idx="0">
+              <a:srgbClr val="000000"/>
+            </a:lnRef>
+            <a:fillRef idx="0">
+              <a:srgbClr val="000000"/>
+            </a:fillRef>
+            <a:effectRef idx="0">
+              <a:srgbClr val="000000"/>
+            </a:effectRef>
             <a:fontRef idx="minor"/>
           </p:style>
           <p:txBody>
             <a:bodyPr wrap="none" lIns="90000" tIns="45000" rIns="90000" bIns="45000">
               <a:spAutoFit/>
             </a:bodyPr>
+            <a:lstStyle/>
             <a:p>
               <a:pPr>
                 <a:lnSpc>
@@ -17824,15 +17945,22 @@
             </a:ln>
           </p:spPr>
           <p:style>
-            <a:lnRef idx="0"/>
-            <a:fillRef idx="0"/>
-            <a:effectRef idx="0"/>
+            <a:lnRef idx="0">
+              <a:srgbClr val="000000"/>
+            </a:lnRef>
+            <a:fillRef idx="0">
+              <a:srgbClr val="000000"/>
+            </a:fillRef>
+            <a:effectRef idx="0">
+              <a:srgbClr val="000000"/>
+            </a:effectRef>
             <a:fontRef idx="minor"/>
           </p:style>
           <p:txBody>
             <a:bodyPr wrap="none" lIns="90000" tIns="45000" rIns="90000" bIns="45000">
               <a:spAutoFit/>
             </a:bodyPr>
+            <a:lstStyle/>
             <a:p>
               <a:pPr>
                 <a:lnSpc>
@@ -17969,15 +18097,22 @@
               </a:ln>
             </p:spPr>
             <p:style>
-              <a:lnRef idx="0"/>
-              <a:fillRef idx="0"/>
-              <a:effectRef idx="0"/>
+              <a:lnRef idx="0">
+                <a:srgbClr val="000000"/>
+              </a:lnRef>
+              <a:fillRef idx="0">
+                <a:srgbClr val="000000"/>
+              </a:fillRef>
+              <a:effectRef idx="0">
+                <a:srgbClr val="000000"/>
+              </a:effectRef>
               <a:fontRef idx="minor"/>
             </p:style>
             <p:txBody>
               <a:bodyPr wrap="none" lIns="90000" tIns="45000" rIns="90000" bIns="45000">
                 <a:spAutoFit/>
               </a:bodyPr>
+              <a:lstStyle/>
               <a:p>
                 <a:pPr>
                   <a:lnSpc>
@@ -18022,15 +18157,22 @@
             </a:ln>
           </p:spPr>
           <p:style>
-            <a:lnRef idx="0"/>
-            <a:fillRef idx="0"/>
-            <a:effectRef idx="0"/>
+            <a:lnRef idx="0">
+              <a:srgbClr val="000000"/>
+            </a:lnRef>
+            <a:fillRef idx="0">
+              <a:srgbClr val="000000"/>
+            </a:fillRef>
+            <a:effectRef idx="0">
+              <a:srgbClr val="000000"/>
+            </a:effectRef>
             <a:fontRef idx="minor"/>
           </p:style>
           <p:txBody>
             <a:bodyPr wrap="none" lIns="90000" tIns="45000" rIns="90000" bIns="45000">
               <a:spAutoFit/>
             </a:bodyPr>
+            <a:lstStyle/>
             <a:p>
               <a:pPr>
                 <a:lnSpc>
@@ -18582,15 +18724,22 @@
             </a:ln>
           </p:spPr>
           <p:style>
-            <a:lnRef idx="0"/>
-            <a:fillRef idx="0"/>
-            <a:effectRef idx="0"/>
+            <a:lnRef idx="0">
+              <a:srgbClr val="000000"/>
+            </a:lnRef>
+            <a:fillRef idx="0">
+              <a:srgbClr val="000000"/>
+            </a:fillRef>
+            <a:effectRef idx="0">
+              <a:srgbClr val="000000"/>
+            </a:effectRef>
             <a:fontRef idx="minor"/>
           </p:style>
           <p:txBody>
             <a:bodyPr wrap="none" lIns="90000" tIns="45000" rIns="90000" bIns="45000">
               <a:spAutoFit/>
             </a:bodyPr>
+            <a:lstStyle/>
             <a:p>
               <a:pPr>
                 <a:lnSpc>
@@ -18634,15 +18783,22 @@
             </a:ln>
           </p:spPr>
           <p:style>
-            <a:lnRef idx="0"/>
-            <a:fillRef idx="0"/>
-            <a:effectRef idx="0"/>
+            <a:lnRef idx="0">
+              <a:srgbClr val="000000"/>
+            </a:lnRef>
+            <a:fillRef idx="0">
+              <a:srgbClr val="000000"/>
+            </a:fillRef>
+            <a:effectRef idx="0">
+              <a:srgbClr val="000000"/>
+            </a:effectRef>
             <a:fontRef idx="minor"/>
           </p:style>
           <p:txBody>
             <a:bodyPr wrap="none" lIns="90000" tIns="45000" rIns="90000" bIns="45000">
               <a:spAutoFit/>
             </a:bodyPr>
+            <a:lstStyle/>
             <a:p>
               <a:pPr>
                 <a:lnSpc>
@@ -18842,15 +18998,22 @@
             </a:ln>
           </p:spPr>
           <p:style>
-            <a:lnRef idx="0"/>
-            <a:fillRef idx="0"/>
-            <a:effectRef idx="0"/>
+            <a:lnRef idx="0">
+              <a:srgbClr val="000000"/>
+            </a:lnRef>
+            <a:fillRef idx="0">
+              <a:srgbClr val="000000"/>
+            </a:fillRef>
+            <a:effectRef idx="0">
+              <a:srgbClr val="000000"/>
+            </a:effectRef>
             <a:fontRef idx="minor"/>
           </p:style>
           <p:txBody>
             <a:bodyPr wrap="none" lIns="90000" tIns="45000" rIns="90000" bIns="45000">
               <a:spAutoFit/>
             </a:bodyPr>
+            <a:lstStyle/>
             <a:p>
               <a:pPr>
                 <a:lnSpc>
@@ -19114,15 +19277,22 @@
             </a:ln>
           </p:spPr>
           <p:style>
-            <a:lnRef idx="0"/>
-            <a:fillRef idx="0"/>
-            <a:effectRef idx="0"/>
+            <a:lnRef idx="0">
+              <a:srgbClr val="000000"/>
+            </a:lnRef>
+            <a:fillRef idx="0">
+              <a:srgbClr val="000000"/>
+            </a:fillRef>
+            <a:effectRef idx="0">
+              <a:srgbClr val="000000"/>
+            </a:effectRef>
             <a:fontRef idx="minor"/>
           </p:style>
           <p:txBody>
             <a:bodyPr wrap="none" lIns="90000" tIns="45000" rIns="90000" bIns="45000">
               <a:spAutoFit/>
             </a:bodyPr>
+            <a:lstStyle/>
             <a:p>
               <a:pPr>
                 <a:lnSpc>
@@ -19212,15 +19382,22 @@
             </a:ln>
           </p:spPr>
           <p:style>
-            <a:lnRef idx="0"/>
-            <a:fillRef idx="0"/>
-            <a:effectRef idx="0"/>
+            <a:lnRef idx="0">
+              <a:srgbClr val="000000"/>
+            </a:lnRef>
+            <a:fillRef idx="0">
+              <a:srgbClr val="000000"/>
+            </a:fillRef>
+            <a:effectRef idx="0">
+              <a:srgbClr val="000000"/>
+            </a:effectRef>
             <a:fontRef idx="minor"/>
           </p:style>
           <p:txBody>
             <a:bodyPr wrap="none" lIns="90000" tIns="45000" rIns="90000" bIns="45000">
               <a:spAutoFit/>
             </a:bodyPr>
+            <a:lstStyle/>
             <a:p>
               <a:pPr>
                 <a:lnSpc>
@@ -19336,15 +19513,22 @@
             </a:ln>
           </p:spPr>
           <p:style>
-            <a:lnRef idx="0"/>
-            <a:fillRef idx="0"/>
-            <a:effectRef idx="0"/>
+            <a:lnRef idx="0">
+              <a:srgbClr val="000000"/>
+            </a:lnRef>
+            <a:fillRef idx="0">
+              <a:srgbClr val="000000"/>
+            </a:fillRef>
+            <a:effectRef idx="0">
+              <a:srgbClr val="000000"/>
+            </a:effectRef>
             <a:fontRef idx="minor"/>
           </p:style>
           <p:txBody>
             <a:bodyPr wrap="none" lIns="90000" tIns="45000" rIns="90000" bIns="45000">
               <a:spAutoFit/>
             </a:bodyPr>
+            <a:lstStyle/>
             <a:p>
               <a:pPr>
                 <a:lnSpc>
@@ -19392,6 +19576,13 @@
       <p:transition advClick="1"/>
     </mc:Fallback>
   </mc:AlternateContent>
+  <p:timing>
+    <p:tnLst>
+      <p:par>
+        <p:cTn id="1" dur="indefinite" restart="never" nodeType="tmRoot"/>
+      </p:par>
+    </p:tnLst>
+  </p:timing>
 </p:sld>
 </file>
 
@@ -19454,14 +19645,14 @@
           </p:nvPr>
         </p:nvSpPr>
         <p:spPr bwMode="auto">
-          <a:xfrm flipH="0" flipV="0">
+          <a:xfrm>
             <a:off x="744894" y="939966"/>
             <a:ext cx="11099974" cy="4789124"/>
           </a:xfrm>
         </p:spPr>
         <p:txBody>
-          <a:bodyPr vertOverflow="overflow" horzOverflow="clip" vert="horz" wrap="square" lIns="91440" tIns="45720" rIns="91440" bIns="45720" numCol="1" spcCol="0" rtlCol="0" fromWordArt="0" anchor="t" anchorCtr="0" forceAA="0" upright="0" compatLnSpc="0">
-            <a:normAutofit fontScale="75000" lnSpcReduction="5000"/>
+          <a:bodyPr vertOverflow="overflow" horzOverflow="clip" vert="horz" wrap="square" lIns="91440" tIns="45720" rIns="91440" bIns="45720" numCol="1" spcCol="0" rtlCol="0" fromWordArt="0" anchor="t" anchorCtr="0" forceAA="0" compatLnSpc="0">
+            <a:normAutofit fontScale="90000" lnSpcReduction="20000"/>
           </a:bodyPr>
           <a:lstStyle/>
           <a:p>
@@ -19531,7 +19722,7 @@
               <a:rPr lang="en-US"/>
               <a:t>But: need to eliminate reception time based” assignment of packets to cycle buffer!</a:t>
             </a:r>
-            <a:endParaRPr lang="en-US"/>
+            <a:endParaRPr/>
           </a:p>
           <a:p>
             <a:pPr lvl="1">
@@ -19541,7 +19732,7 @@
               <a:rPr lang="en-US"/>
               <a:t>Rely on metadata “cycle-id” in packet instead</a:t>
             </a:r>
-            <a:endParaRPr lang="en-US"/>
+            <a:endParaRPr/>
           </a:p>
           <a:p>
             <a:pPr lvl="1">
@@ -19551,7 +19742,7 @@
               <a:rPr lang="en-US"/>
               <a:t>Many different options how to do this across various forwarding planes.</a:t>
             </a:r>
-            <a:endParaRPr lang="en-US"/>
+            <a:endParaRPr/>
           </a:p>
           <a:p>
             <a:pPr lvl="1">
@@ -19567,7 +19758,7 @@
               <a:rPr lang="en-US"/>
               <a:t>Result:</a:t>
             </a:r>
-            <a:endParaRPr lang="en-US"/>
+            <a:endParaRPr/>
           </a:p>
           <a:p>
             <a:pPr lvl="1">
@@ -19577,7 +19768,7 @@
               <a:rPr lang="en-US"/>
               <a:t>Can support arbitrary links (propagation latency, latency-variation)</a:t>
             </a:r>
-            <a:endParaRPr lang="en-US"/>
+            <a:endParaRPr/>
           </a:p>
           <a:p>
             <a:pPr lvl="1">
@@ -19587,7 +19778,7 @@
               <a:rPr lang="en-US"/>
               <a:t>Can support lower clock-sync accuracy =~ higher-MTIE</a:t>
             </a:r>
-            <a:endParaRPr lang="en-US"/>
+            <a:endParaRPr/>
           </a:p>
           <a:p>
             <a:pPr lvl="1">
@@ -19595,13 +19786,9 @@
             </a:pPr>
             <a:r>
               <a:rPr lang="en-US"/>
-              <a:t>Can support higher node propagation latency variation</a:t>
-            </a:r>
-            <a:r>
-              <a:rPr lang="en-US"/>
-              <a:t>s</a:t>
-            </a:r>
-            <a:endParaRPr lang="en-US"/>
+              <a:t>Can support higher node propagation latency variations</a:t>
+            </a:r>
+            <a:endParaRPr/>
           </a:p>
           <a:p>
             <a:pPr>
@@ -19630,7 +19817,7 @@
               <a:defRPr/>
             </a:pPr>
             <a:fld id="{314B03BD-00F3-89E8-CA0C-5B8D66FB1461}" type="slidenum">
-              <a:rPr lang="zh-CN"/>
+              <a:rPr lang="en-US"/>
               <a:t/>
             </a:fld>
             <a:endParaRPr lang="zh-CN"/>
@@ -19843,6 +20030,13 @@
       <p:transition advClick="1"/>
     </mc:Fallback>
   </mc:AlternateContent>
+  <p:timing>
+    <p:tnLst>
+      <p:par>
+        <p:cTn id="1" dur="indefinite" restart="never" nodeType="tmRoot"/>
+      </p:par>
+    </p:tnLst>
+  </p:timing>
 </p:sld>
 </file>
 
@@ -19990,6 +20184,13 @@
       <p:transition advClick="1"/>
     </mc:Fallback>
   </mc:AlternateContent>
+  <p:timing>
+    <p:tnLst>
+      <p:par>
+        <p:cTn id="1" dur="indefinite" restart="never" nodeType="tmRoot"/>
+      </p:par>
+    </p:tnLst>
+  </p:timing>
 </p:sld>
 </file>
 
@@ -20021,7 +20222,7 @@
           </p:nvPr>
         </p:nvSpPr>
         <p:spPr bwMode="auto">
-          <a:xfrm flipH="0" flipV="0">
+          <a:xfrm>
             <a:off x="401080" y="219902"/>
             <a:ext cx="10952719" cy="715529"/>
           </a:xfrm>
@@ -20399,11 +20600,7 @@
                 </a:rPr>
                 <a:t>“In-time”</a:t>
               </a:r>
-              <a:endParaRPr lang="en-US" sz="2400" b="1">
-                <a:solidFill>
-                  <a:srgbClr val="595957"/>
-                </a:solidFill>
-              </a:endParaRPr>
+              <a:endParaRPr/>
             </a:p>
           </p:txBody>
         </p:sp>
@@ -20438,31 +20635,7 @@
                     <a:srgbClr val="595957"/>
                   </a:solidFill>
                 </a:rPr>
-                <a:t>p</a:t>
-              </a:r>
-              <a:r>
-                <a:rPr lang="en-US" sz="1600" b="1" i="1">
-                  <a:solidFill>
-                    <a:srgbClr val="595957"/>
-                  </a:solidFill>
-                </a:rPr>
-                <a:t>ath propagation </a:t>
-              </a:r>
-              <a:r>
-                <a:rPr lang="en-US" sz="1600" b="1" i="1">
-                  <a:solidFill>
-                    <a:srgbClr val="595957"/>
-                  </a:solidFill>
-                </a:rPr>
-                <a:t>l</a:t>
-              </a:r>
-              <a:r>
-                <a:rPr lang="en-US" sz="1600" b="1" i="1">
-                  <a:solidFill>
-                    <a:srgbClr val="595957"/>
-                  </a:solidFill>
-                </a:rPr>
-                <a:t>atency</a:t>
+                <a:t>path propagation latency</a:t>
               </a:r>
               <a:endParaRPr sz="1600"/>
             </a:p>
@@ -20476,15 +20649,7 @@
                     <a:srgbClr val="595957"/>
                   </a:solidFill>
                 </a:rPr>
-                <a:t>O(speed of light ,</a:t>
-              </a:r>
-              <a:r>
-                <a:rPr lang="en-US" sz="1200" i="1">
-                  <a:solidFill>
-                    <a:srgbClr val="595957"/>
-                  </a:solidFill>
-                </a:rPr>
-                <a:t>link serialization)</a:t>
+                <a:t>O(speed of light ,link serialization)</a:t>
               </a:r>
               <a:endParaRPr sz="1600"/>
             </a:p>
@@ -20625,15 +20790,7 @@
                     <a:srgbClr val="FF0000"/>
                   </a:solidFill>
                 </a:rPr>
-                <a:t>maximum p</a:t>
-              </a:r>
-              <a:r>
-                <a:rPr lang="en-US" sz="1600" b="1" i="1">
-                  <a:solidFill>
-                    <a:srgbClr val="FF0000"/>
-                  </a:solidFill>
-                </a:rPr>
-                <a:t>ath queuing jitter</a:t>
+                <a:t>maximum path queuing jitter</a:t>
               </a:r>
               <a:endParaRPr sz="1600"/>
             </a:p>
@@ -20647,15 +20804,7 @@
                     <a:srgbClr val="595957"/>
                   </a:solidFill>
                 </a:rPr>
-                <a:t>m</a:t>
-              </a:r>
-              <a:r>
-                <a:rPr lang="en-US" i="1">
-                  <a:solidFill>
-                    <a:srgbClr val="595957"/>
-                  </a:solidFill>
-                </a:rPr>
-                <a:t>in .. max queuing latency</a:t>
+                <a:t>min .. max queuing latency</a:t>
               </a:r>
               <a:endParaRPr/>
             </a:p>
@@ -21230,21 +21379,9 @@
                       <a:srgbClr val="595957"/>
                     </a:solidFill>
                   </a:rPr>
-                  <a:t>“On</a:t>
+                  <a:t>“On-time”</a:t>
                 </a:r>
-                <a:r>
-                  <a:rPr lang="en-US" sz="2400" b="1">
-                    <a:solidFill>
-                      <a:srgbClr val="595957"/>
-                    </a:solidFill>
-                  </a:rPr>
-                  <a:t>-time”</a:t>
-                </a:r>
-                <a:endParaRPr lang="en-US" sz="2400" b="1">
-                  <a:solidFill>
-                    <a:srgbClr val="595957"/>
-                  </a:solidFill>
-                </a:endParaRPr>
+                <a:endParaRPr/>
               </a:p>
             </p:txBody>
           </p:sp>
@@ -21279,31 +21416,7 @@
                       <a:srgbClr val="595957"/>
                     </a:solidFill>
                   </a:rPr>
-                  <a:t>p</a:t>
-                </a:r>
-                <a:r>
-                  <a:rPr lang="en-US" sz="1600" b="1" i="1">
-                    <a:solidFill>
-                      <a:srgbClr val="595957"/>
-                    </a:solidFill>
-                  </a:rPr>
-                  <a:t>ath propagation </a:t>
-                </a:r>
-                <a:r>
-                  <a:rPr lang="en-US" sz="1600" b="1" i="1">
-                    <a:solidFill>
-                      <a:srgbClr val="595957"/>
-                    </a:solidFill>
-                  </a:rPr>
-                  <a:t>l</a:t>
-                </a:r>
-                <a:r>
-                  <a:rPr lang="en-US" sz="1600" b="1" i="1">
-                    <a:solidFill>
-                      <a:srgbClr val="595957"/>
-                    </a:solidFill>
-                  </a:rPr>
-                  <a:t>atency</a:t>
+                  <a:t>path propagation latency</a:t>
                 </a:r>
                 <a:endParaRPr sz="1600"/>
               </a:p>
@@ -21317,15 +21430,7 @@
                       <a:srgbClr val="595957"/>
                     </a:solidFill>
                   </a:rPr>
-                  <a:t>O(speed of light ,</a:t>
-                </a:r>
-                <a:r>
-                  <a:rPr lang="en-US" sz="1200" i="1">
-                    <a:solidFill>
-                      <a:srgbClr val="595957"/>
-                    </a:solidFill>
-                  </a:rPr>
-                  <a:t>link serialization)</a:t>
+                  <a:t>O(speed of light ,link serialization)</a:t>
                 </a:r>
                 <a:endParaRPr sz="1600"/>
               </a:p>
@@ -21466,15 +21571,7 @@
                       <a:srgbClr val="00B050"/>
                     </a:solidFill>
                   </a:rPr>
-                  <a:t>Close to zero p</a:t>
-                </a:r>
-                <a:r>
-                  <a:rPr lang="en-US" sz="1400" b="1" i="1">
-                    <a:solidFill>
-                      <a:srgbClr val="00B050"/>
-                    </a:solidFill>
-                  </a:rPr>
-                  <a:t>ath queuing jitter</a:t>
+                  <a:t>Close to zero path queuing jitter</a:t>
                 </a:r>
                 <a:endParaRPr sz="1400"/>
               </a:p>
@@ -21488,15 +21585,7 @@
                       <a:srgbClr val="595957"/>
                     </a:solidFill>
                   </a:rPr>
-                  <a:t>m</a:t>
-                </a:r>
-                <a:r>
-                  <a:rPr lang="en-US" sz="1400" i="1">
-                    <a:solidFill>
-                      <a:srgbClr val="595957"/>
-                    </a:solidFill>
-                  </a:rPr>
-                  <a:t>in .. max queuing latency</a:t>
+                  <a:t>min .. max queuing latency</a:t>
                 </a:r>
                 <a:endParaRPr sz="1400"/>
               </a:p>
@@ -21775,7 +21864,7 @@
           </a:xfrm>
         </p:spPr>
         <p:txBody>
-          <a:bodyPr vertOverflow="overflow" horzOverflow="clip" vert="horz" wrap="square" lIns="91440" tIns="45720" rIns="91440" bIns="45720" numCol="1" spcCol="0" rtlCol="0" fromWordArt="0" anchor="t" anchorCtr="0" forceAA="0" upright="0" compatLnSpc="0">
+          <a:bodyPr vertOverflow="overflow" horzOverflow="clip" vert="horz" wrap="square" lIns="91440" tIns="45720" rIns="91440" bIns="45720" numCol="1" spcCol="0" rtlCol="0" fromWordArt="0" anchor="t" anchorCtr="0" forceAA="0" compatLnSpc="0">
             <a:normAutofit/>
           </a:bodyPr>
           <a:lstStyle/>
@@ -21801,11 +21890,7 @@
             </a:pPr>
             <a:r>
               <a:rPr lang="en-US" sz="2000"/>
-              <a:t>Without traffic contention</a:t>
-            </a:r>
-            <a:r>
-              <a:rPr lang="en-US" sz="2000"/>
-              <a:t>, no in-network per-hop queuing latency </a:t>
+              <a:t>Without traffic contention, no in-network per-hop queuing latency </a:t>
             </a:r>
             <a:endParaRPr/>
           </a:p>
@@ -21827,7 +21912,7 @@
               <a:rPr lang="en-US" sz="2000"/>
               <a:t>With maximum contending traffic, per-hop latency is maximum</a:t>
             </a:r>
-            <a:endParaRPr lang="en-US" sz="2000"/>
+            <a:endParaRPr/>
           </a:p>
           <a:p>
             <a:pPr>
@@ -21857,7 +21942,7 @@
               <a:rPr lang="en-US" sz="1800"/>
               <a:t>Packet latency end-to-end always close to bounded latency</a:t>
             </a:r>
-            <a:endParaRPr lang="en-US" sz="1800"/>
+            <a:endParaRPr/>
           </a:p>
           <a:p>
             <a:pPr lvl="1">
@@ -21867,7 +21952,7 @@
               <a:rPr lang="en-US" sz="1800"/>
               <a:t>CQF, TCQF, “Damper” mechanisms provide this benefit</a:t>
             </a:r>
-            <a:endParaRPr lang="en-US" sz="1800"/>
+            <a:endParaRPr/>
           </a:p>
           <a:p>
             <a:pPr lvl="1">
@@ -21877,7 +21962,7 @@
               <a:rPr lang="en-US" sz="1800"/>
               <a:t>Othre mechanisms would require “playout buffer” on receiver / receiver edge.</a:t>
             </a:r>
-            <a:endParaRPr lang="en-US" sz="1800"/>
+            <a:endParaRPr/>
           </a:p>
         </p:txBody>
       </p:sp>
@@ -22236,13 +22321,13 @@
           </p:nvPr>
         </p:nvSpPr>
         <p:spPr bwMode="auto">
-          <a:xfrm flipH="0" flipV="0">
+          <a:xfrm>
             <a:off x="402335" y="219902"/>
             <a:ext cx="10951464" cy="715529"/>
           </a:xfrm>
         </p:spPr>
         <p:txBody>
-          <a:bodyPr vertOverflow="overflow" horzOverflow="clip" vert="horz" wrap="square" lIns="91440" tIns="45720" rIns="91440" bIns="45720" numCol="1" spcCol="0" rtlCol="0" fromWordArt="0" anchor="ctr" anchorCtr="0" forceAA="0" upright="0" compatLnSpc="0">
+          <a:bodyPr vertOverflow="overflow" horzOverflow="clip" vert="horz" wrap="square" lIns="91440" tIns="45720" rIns="91440" bIns="45720" numCol="1" spcCol="0" rtlCol="0" fromWordArt="0" anchor="ctr" anchorCtr="0" forceAA="0" compatLnSpc="0">
             <a:normAutofit/>
           </a:bodyPr>
           <a:lstStyle/>
@@ -22275,7 +22360,7 @@
           </a:xfrm>
         </p:spPr>
         <p:txBody>
-          <a:bodyPr vertOverflow="overflow" horzOverflow="clip" vert="horz" wrap="square" lIns="91440" tIns="45720" rIns="91440" bIns="45720" numCol="1" spcCol="0" rtlCol="0" fromWordArt="0" anchor="t" anchorCtr="0" forceAA="0" upright="0" compatLnSpc="0">
+          <a:bodyPr vertOverflow="overflow" horzOverflow="clip" vert="horz" wrap="square" lIns="91440" tIns="45720" rIns="91440" bIns="45720" numCol="1" spcCol="0" rtlCol="0" fromWordArt="0" anchor="t" anchorCtr="0" forceAA="0" compatLnSpc="0">
             <a:normAutofit/>
           </a:bodyPr>
           <a:lstStyle/>
@@ -22285,11 +22370,7 @@
             </a:pPr>
             <a:r>
               <a:rPr lang="en-US" sz="1800"/>
-              <a:t>Application traffic profiles, e.g.: </a:t>
-            </a:r>
-            <a:r>
-              <a:rPr lang="en-US" sz="1800"/>
-              <a:t>Industrial Internet Consortium (IIC) </a:t>
+              <a:t>Application traffic profiles, e.g.: Industrial Internet Consortium (IIC) </a:t>
             </a:r>
             <a:br>
               <a:rPr lang="en-US" sz="1800"/>
@@ -22339,7 +22420,7 @@
               <a:rPr lang="en-US" sz="1800"/>
               <a:t>Media playout and most control loops want on-time</a:t>
             </a:r>
-            <a:endParaRPr lang="en-US" sz="1800"/>
+            <a:endParaRPr/>
           </a:p>
           <a:p>
             <a:pPr lvl="1">
@@ -22369,7 +22450,7 @@
               <a:rPr lang="en-US" sz="1800"/>
               <a:t>Playout buffer size requirement depend on network network size</a:t>
             </a:r>
-            <a:endParaRPr lang="en-US" sz="1800"/>
+            <a:endParaRPr/>
           </a:p>
           <a:p>
             <a:pPr lvl="1">
@@ -22399,7 +22480,7 @@
               <a:rPr lang="en-US" sz="1600"/>
               <a:t>On-time delivered packets carry implicit timing information !</a:t>
             </a:r>
-            <a:endParaRPr lang="en-US" sz="1600"/>
+            <a:endParaRPr/>
           </a:p>
           <a:p>
             <a:pPr lvl="1">
@@ -22409,7 +22490,7 @@
               <a:rPr lang="en-US" sz="1600"/>
               <a:t>Dumb devices (actors) may not be able to support dejittering and/or accurate clock</a:t>
             </a:r>
-            <a:endParaRPr lang="en-US" sz="1600"/>
+            <a:endParaRPr/>
           </a:p>
           <a:p>
             <a:pPr lvl="1">
@@ -22429,7 +22510,7 @@
               <a:rPr lang="en-US" sz="1400"/>
               <a:t>In-time would require much more complex sensor/actor/control-loops</a:t>
             </a:r>
-            <a:endParaRPr lang="en-US" sz="1400"/>
+            <a:endParaRPr/>
           </a:p>
         </p:txBody>
       </p:sp>
@@ -23034,7 +23115,7 @@
           <p:nvPr isPhoto="0" userDrawn="0"/>
         </p:nvSpPr>
         <p:spPr bwMode="auto">
-          <a:xfrm rot="5399977" flipH="1">
+          <a:xfrm rot="5399976" flipH="1">
             <a:off x="9793234" y="1611722"/>
             <a:ext cx="184590" cy="863537"/>
           </a:xfrm>
@@ -23319,7 +23400,7 @@
           </p:nvPr>
         </p:nvSpPr>
         <p:spPr bwMode="auto">
-          <a:xfrm flipH="0" flipV="0">
+          <a:xfrm>
             <a:off x="838198" y="365124"/>
             <a:ext cx="10515600" cy="913230"/>
           </a:xfrm>
@@ -23350,13 +23431,13 @@
           </p:nvPr>
         </p:nvSpPr>
         <p:spPr bwMode="auto">
-          <a:xfrm flipH="0" flipV="0">
+          <a:xfrm>
             <a:off x="838198" y="1328486"/>
             <a:ext cx="11094398" cy="4848476"/>
           </a:xfrm>
         </p:spPr>
         <p:txBody>
-          <a:bodyPr vertOverflow="overflow" horzOverflow="clip" vert="horz" wrap="square" lIns="91440" tIns="45720" rIns="91440" bIns="45720" numCol="1" spcCol="0" rtlCol="0" fromWordArt="0" anchor="t" anchorCtr="0" forceAA="0" upright="0" compatLnSpc="0">
+          <a:bodyPr vertOverflow="overflow" horzOverflow="clip" vert="horz" wrap="square" lIns="91440" tIns="45720" rIns="91440" bIns="45720" numCol="1" spcCol="0" rtlCol="0" fromWordArt="0" anchor="t" anchorCtr="0" forceAA="0" compatLnSpc="0">
             <a:normAutofit fontScale="95000" lnSpcReduction="1000"/>
           </a:bodyPr>
           <a:lstStyle/>
@@ -23427,6 +23508,13 @@
       <p:transition advClick="1"/>
     </mc:Fallback>
   </mc:AlternateContent>
+  <p:timing>
+    <p:tnLst>
+      <p:par>
+        <p:cTn id="1" dur="indefinite" restart="never" nodeType="tmRoot"/>
+      </p:par>
+    </p:tnLst>
+  </p:timing>
 </p:sld>
 </file>
 
@@ -23944,7 +24032,7 @@
           </a:xfrm>
         </p:spPr>
         <p:txBody>
-          <a:bodyPr vertOverflow="overflow" horzOverflow="clip" vert="horz" wrap="square" lIns="91440" tIns="45720" rIns="91440" bIns="45720" numCol="1" spcCol="0" rtlCol="0" fromWordArt="0" anchor="ctr" anchorCtr="0" forceAA="0" upright="0" compatLnSpc="0">
+          <a:bodyPr vertOverflow="overflow" horzOverflow="clip" vert="horz" wrap="square" lIns="91440" tIns="45720" rIns="91440" bIns="45720" numCol="1" spcCol="0" rtlCol="0" fromWordArt="0" anchor="ctr" anchorCtr="0" forceAA="0" compatLnSpc="0">
             <a:normAutofit fontScale="90000" lnSpcReduction="2000"/>
           </a:bodyPr>
           <a:lstStyle/>
@@ -24118,11 +24206,7 @@
               </a:pPr>
               <a:r>
                 <a:rPr lang="en-US" sz="800"/>
-                <a:t>Prio</a:t>
-              </a:r>
-              <a:r>
-                <a:rPr lang="en-US" sz="800"/>
-                <a:t> Q</a:t>
+                <a:t>Prio Q</a:t>
               </a:r>
               <a:endParaRPr/>
             </a:p>
@@ -24132,17 +24216,13 @@
               </a:pPr>
               <a:r>
                 <a:rPr lang="en-US" sz="800"/>
-                <a:t>f</a:t>
-              </a:r>
-              <a:r>
-                <a:rPr lang="en-US" sz="800"/>
-                <a:t>or </a:t>
+                <a:t>for </a:t>
               </a:r>
               <a:r>
                 <a:rPr lang="en-US" sz="800" i="1"/>
                 <a:t>k</a:t>
               </a:r>
-              <a:endParaRPr lang="en-US" sz="800" i="1"/>
+              <a:endParaRPr/>
             </a:p>
           </p:txBody>
         </p:sp>
@@ -25898,7 +25978,7 @@
                   <a:rPr lang="en-US" sz="800"/>
                   <a:t>1 msec</a:t>
                 </a:r>
-                <a:endParaRPr lang="en-US" sz="800"/>
+                <a:endParaRPr/>
               </a:p>
             </p:txBody>
           </p:sp>
@@ -25929,13 +26009,9 @@
                 </a:pPr>
                 <a:r>
                   <a:rPr lang="en-US" sz="800"/>
-                  <a:t>2</a:t>
+                  <a:t>2 msec</a:t>
                 </a:r>
-                <a:r>
-                  <a:rPr lang="en-US" sz="800"/>
-                  <a:t> msec</a:t>
-                </a:r>
-                <a:endParaRPr lang="en-US" sz="800"/>
+                <a:endParaRPr/>
               </a:p>
             </p:txBody>
           </p:sp>
@@ -25968,7 +26044,7 @@
                   <a:rPr lang="en-US" sz="800"/>
                   <a:t>8 msec</a:t>
                 </a:r>
-                <a:endParaRPr lang="en-US" sz="800"/>
+                <a:endParaRPr/>
               </a:p>
             </p:txBody>
           </p:sp>
@@ -26011,7 +26087,7 @@
                   <a:rPr lang="en-US" sz="800"/>
                   <a:t>delay</a:t>
                 </a:r>
-                <a:endParaRPr lang="en-US" sz="800"/>
+                <a:endParaRPr/>
               </a:p>
             </p:txBody>
           </p:sp>
@@ -26052,17 +26128,9 @@
                 </a:pPr>
                 <a:r>
                   <a:rPr lang="en-US" sz="800"/>
-                  <a:t>Strict </a:t>
+                  <a:t>Strict tPrio Q</a:t>
                 </a:r>
-                <a:r>
-                  <a:rPr lang="en-US" sz="800"/>
-                  <a:t>tPrio</a:t>
-                </a:r>
-                <a:r>
-                  <a:rPr lang="en-US" sz="800"/>
-                  <a:t> Q</a:t>
-                </a:r>
-                <a:endParaRPr lang="en-US" sz="800"/>
+                <a:endParaRPr/>
               </a:p>
             </p:txBody>
           </p:sp>
@@ -26148,11 +26216,7 @@
                 </a:rPr>
                 <a:t>Per-flow state table </a:t>
               </a:r>
-              <a:endParaRPr lang="en-US" sz="1600" b="1">
-                <a:solidFill>
-                  <a:srgbClr val="FF0000"/>
-                </a:solidFill>
-              </a:endParaRPr>
+              <a:endParaRPr/>
             </a:p>
           </p:txBody>
         </p:sp>
@@ -26203,13 +26267,9 @@
               </a:pPr>
               <a:r>
                 <a:rPr lang="en-US" sz="1600" i="1"/>
-                <a:t>a</a:t>
+                <a:t>all on egress</a:t>
               </a:r>
-              <a:r>
-                <a:rPr lang="en-US" sz="1600" i="1"/>
-                <a:t>ll on egress</a:t>
-              </a:r>
-              <a:endParaRPr lang="en-US" sz="1600" i="1"/>
+              <a:endParaRPr/>
             </a:p>
           </p:txBody>
         </p:sp>
@@ -26331,7 +26391,7 @@
                 <a:rPr lang="en-US" sz="1200"/>
                 <a:t>Flow k</a:t>
               </a:r>
-              <a:endParaRPr lang="en-US" sz="1200"/>
+              <a:endParaRPr/>
             </a:p>
           </p:txBody>
         </p:sp>
@@ -26922,7 +26982,7 @@
                 <a:rPr lang="en-US" sz="1200"/>
                 <a:t>Flow k</a:t>
               </a:r>
-              <a:endParaRPr lang="en-US" sz="1200"/>
+              <a:endParaRPr/>
             </a:p>
           </p:txBody>
         </p:sp>
@@ -27055,7 +27115,7 @@
         </p:nvGraphicFramePr>
         <p:xfrm>
           <a:off x="4176977" y="3032878"/>
-          <a:ext cx="4762195" cy="764613"/>
+          <a:ext cx="4762187" cy="764613"/>
         </p:xfrm>
         <a:graphic>
           <a:graphicData uri="http://schemas.openxmlformats.org/drawingml/2006/table">
@@ -27095,11 +27155,7 @@
                         </a:rPr>
                         <a:t>k</a:t>
                       </a:r>
-                      <a:endParaRPr lang="en-US" sz="800" i="1" spc="0">
-                        <a:solidFill>
-                          <a:schemeClr val="tx2"/>
-                        </a:solidFill>
-                      </a:endParaRPr>
+                      <a:endParaRPr/>
                     </a:p>
                   </a:txBody>
                   <a:tcPr marL="0" marR="0" marT="0" marB="0">
@@ -27143,11 +27199,7 @@
                         </a:rPr>
                         <a:t>Steer Flow</a:t>
                       </a:r>
-                      <a:endParaRPr lang="en-US" sz="800" i="1" spc="0">
-                        <a:solidFill>
-                          <a:schemeClr val="tx2"/>
-                        </a:solidFill>
-                      </a:endParaRPr>
+                      <a:endParaRPr/>
                     </a:p>
                   </a:txBody>
                   <a:tcPr marL="0" marR="0" marT="0" marB="0">
@@ -27181,45 +27233,9 @@
                             <a:schemeClr val="tx2"/>
                           </a:solidFill>
                         </a:rPr>
-                        <a:t>(2) Shaper  </a:t>
+                        <a:t>(2) Shaper  param / state vars</a:t>
                       </a:r>
-                      <a:r>
-                        <a:rPr lang="en-US" sz="800" spc="0">
-                          <a:solidFill>
-                            <a:schemeClr val="tx2"/>
-                          </a:solidFill>
-                        </a:rPr>
-                        <a:t>param</a:t>
-                      </a:r>
-                      <a:r>
-                        <a:rPr lang="en-US" sz="800" spc="0">
-                          <a:solidFill>
-                            <a:schemeClr val="tx2"/>
-                          </a:solidFill>
-                        </a:rPr>
-                        <a:t> / </a:t>
-                      </a:r>
-                      <a:r>
-                        <a:rPr lang="en-US" sz="800" spc="0">
-                          <a:solidFill>
-                            <a:schemeClr val="tx2"/>
-                          </a:solidFill>
-                        </a:rPr>
-                        <a:t>state </a:t>
-                      </a:r>
-                      <a:r>
-                        <a:rPr lang="en-US" sz="800" spc="0">
-                          <a:solidFill>
-                            <a:schemeClr val="tx2"/>
-                          </a:solidFill>
-                        </a:rPr>
-                        <a:t>vars</a:t>
-                      </a:r>
-                      <a:endParaRPr lang="en-US" sz="800" spc="0">
-                        <a:solidFill>
-                          <a:schemeClr val="tx2"/>
-                        </a:solidFill>
-                      </a:endParaRPr>
+                      <a:endParaRPr/>
                     </a:p>
                   </a:txBody>
                   <a:tcPr marL="0" marR="0" marT="0" marB="0">
@@ -27279,11 +27295,7 @@
                         </a:rPr>
                         <a:t>(3)</a:t>
                       </a:r>
-                      <a:endParaRPr lang="en-US" sz="800" i="1" spc="0">
-                        <a:solidFill>
-                          <a:schemeClr val="tx2"/>
-                        </a:solidFill>
-                      </a:endParaRPr>
+                      <a:endParaRPr/>
                     </a:p>
                   </a:txBody>
                   <a:tcPr marL="0" marR="0" marT="0" marB="0">
@@ -27321,11 +27333,7 @@
                         </a:rPr>
                         <a:t>L2 (TSN) or L3 (DetNet)  Flow Key</a:t>
                       </a:r>
-                      <a:endParaRPr lang="en-US" sz="800" spc="0">
-                        <a:solidFill>
-                          <a:schemeClr val="tx2"/>
-                        </a:solidFill>
-                      </a:endParaRPr>
+                      <a:endParaRPr/>
                     </a:p>
                   </a:txBody>
                   <a:tcPr marL="0" marR="0" marT="0" marB="0">
@@ -27359,15 +27367,7 @@
                             <a:schemeClr val="tx2"/>
                           </a:solidFill>
                         </a:rPr>
-                        <a:t>Flow#</a:t>
-                      </a:r>
-                      <a:r>
-                        <a:rPr lang="en-US" sz="800" spc="0">
-                          <a:solidFill>
-                            <a:schemeClr val="tx2"/>
-                          </a:solidFill>
-                        </a:rPr>
-                        <a:t> </a:t>
+                        <a:t>Flow# </a:t>
                       </a:r>
                       <a:r>
                         <a:rPr lang="en-US" sz="800" i="1" spc="0">
@@ -27377,11 +27377,7 @@
                         </a:rPr>
                         <a:t>k</a:t>
                       </a:r>
-                      <a:endParaRPr lang="en-US" sz="800" i="1" spc="0">
-                        <a:solidFill>
-                          <a:schemeClr val="tx2"/>
-                        </a:solidFill>
-                      </a:endParaRPr>
+                      <a:endParaRPr/>
                     </a:p>
                   </a:txBody>
                   <a:tcPr marL="0" marR="0" marT="0" marB="0">
@@ -27417,11 +27413,7 @@
                         </a:rPr>
                         <a:t>Next Hop</a:t>
                       </a:r>
-                      <a:endParaRPr lang="en-US" sz="800" i="1" spc="0">
-                        <a:solidFill>
-                          <a:schemeClr val="tx2"/>
-                        </a:solidFill>
-                      </a:endParaRPr>
+                      <a:endParaRPr/>
                     </a:p>
                   </a:txBody>
                   <a:tcPr marL="0" marR="0" marT="0" marB="0">
@@ -27613,35 +27605,14 @@
                             <a:schemeClr val="tx2"/>
                           </a:solidFill>
                         </a:rPr>
-                        <a:t>time</a:t>
+                        <a:t>time stamp</a:t>
                       </a:r>
-                      <a:r>
-                        <a:rPr lang="en-US" sz="800" spc="0">
-                          <a:solidFill>
-                            <a:schemeClr val="tx2"/>
-                          </a:solidFill>
-                        </a:rPr>
-                        <a:t> </a:t>
-                      </a:r>
-                      <a:r>
-                        <a:rPr lang="en-US" sz="800" spc="0">
-                          <a:solidFill>
-                            <a:schemeClr val="tx2"/>
-                          </a:solidFill>
-                        </a:rPr>
-                        <a:t>stamp</a:t>
-                      </a:r>
-                      <a:endParaRPr lang="en-US" sz="800" spc="0">
-                        <a:solidFill>
-                          <a:schemeClr val="tx2"/>
-                        </a:solidFill>
-                      </a:endParaRPr>
+                      <a:endParaRPr/>
                     </a:p>
                   </a:txBody>
                   <a:tcPr marL="0" marR="0" marT="0" marB="0">
                     <a:lnL w="12699" algn="ctr">
                       <a:noFill/>
-                      <a:round/>
                     </a:lnL>
                     <a:lnR w="12699" algn="ctr">
                       <a:noFill/>
@@ -27672,11 +27643,7 @@
                         </a:rPr>
                         <a:t>level</a:t>
                       </a:r>
-                      <a:endParaRPr lang="en-US" sz="800" spc="0">
-                        <a:solidFill>
-                          <a:schemeClr val="tx2"/>
-                        </a:solidFill>
-                      </a:endParaRPr>
+                      <a:endParaRPr/>
                     </a:p>
                   </a:txBody>
                   <a:tcPr marL="0" marR="0" marT="0" marB="0">
@@ -27712,11 +27679,7 @@
                         </a:rPr>
                         <a:t>Queue</a:t>
                       </a:r>
-                      <a:endParaRPr lang="en-US" sz="800" i="1" spc="0">
-                        <a:solidFill>
-                          <a:schemeClr val="tx2"/>
-                        </a:solidFill>
-                      </a:endParaRPr>
+                      <a:endParaRPr/>
                     </a:p>
                   </a:txBody>
                   <a:tcPr marL="0" marR="0" marT="0" marB="0">
@@ -27750,7 +27713,7 @@
                         <a:rPr lang="en-US" sz="800" spc="0"/>
                         <a:t>(S1,D1,Sport1, Dport1, Prot1)</a:t>
                       </a:r>
-                      <a:endParaRPr lang="en-US" sz="800" spc="0"/>
+                      <a:endParaRPr/>
                     </a:p>
                   </a:txBody>
                   <a:tcPr marL="0" marR="0" marT="0" marB="0">
@@ -27770,7 +27733,7 @@
                         <a:rPr lang="en-US" sz="800" spc="0"/>
                         <a:t>1</a:t>
                       </a:r>
-                      <a:endParaRPr lang="en-US" sz="800" spc="0"/>
+                      <a:endParaRPr/>
                     </a:p>
                   </a:txBody>
                   <a:tcPr marL="0" marR="0" marT="0" marB="0">
@@ -27890,7 +27853,7 @@
                         <a:rPr lang="en-US" sz="800" spc="0"/>
                         <a:t>5</a:t>
                       </a:r>
-                      <a:endParaRPr lang="en-US" sz="800" spc="0"/>
+                      <a:endParaRPr/>
                     </a:p>
                   </a:txBody>
                   <a:tcPr marL="0" marR="0" marT="0" marB="0">
@@ -27941,7 +27904,7 @@
                         <a:rPr lang="en-US" sz="800" spc="0"/>
                         <a:t>2</a:t>
                       </a:r>
-                      <a:endParaRPr lang="en-US" sz="800" spc="0"/>
+                      <a:endParaRPr/>
                     </a:p>
                   </a:txBody>
                   <a:tcPr marL="0" marR="0" marT="0" marB="0"/>
@@ -28037,7 +28000,7 @@
                         <a:rPr lang="en-US" sz="800" spc="0"/>
                         <a:t>3</a:t>
                       </a:r>
-                      <a:endParaRPr lang="en-US" sz="800" spc="0"/>
+                      <a:endParaRPr/>
                     </a:p>
                   </a:txBody>
                   <a:tcPr marL="0" marR="0" marT="0" marB="0"/>
@@ -28190,7 +28153,7 @@
                         <a:rPr lang="en-US" sz="800" spc="0"/>
                         <a:t>50,000</a:t>
                       </a:r>
-                      <a:endParaRPr lang="en-US" sz="800" spc="0"/>
+                      <a:endParaRPr/>
                     </a:p>
                   </a:txBody>
                   <a:tcPr marL="0" marR="0" marT="0" marB="0"/>
@@ -28206,7 +28169,7 @@
                         <a:rPr lang="en-US" sz="800" spc="0"/>
                         <a:t>...</a:t>
                       </a:r>
-                      <a:endParaRPr lang="en-US" sz="800" spc="0"/>
+                      <a:endParaRPr/>
                     </a:p>
                   </a:txBody>
                   <a:tcPr marL="0" marR="0" marT="0" marB="0"/>
@@ -28286,7 +28249,7 @@
                         <a:rPr lang="en-US" sz="800" spc="0"/>
                         <a:t>1</a:t>
                       </a:r>
-                      <a:endParaRPr lang="en-US" sz="800" spc="0"/>
+                      <a:endParaRPr/>
                     </a:p>
                   </a:txBody>
                   <a:tcPr marL="0" marR="0" marT="0" marB="0"/>
@@ -28478,7 +28441,7 @@
               <a:rPr lang="de-DE" sz="1000"/>
               <a:t> </a:t>
             </a:r>
-            <a:endParaRPr lang="de-DE" sz="1000"/>
+            <a:endParaRPr/>
           </a:p>
           <a:p>
             <a:pPr algn="ctr">
@@ -28486,37 +28449,17 @@
             </a:pPr>
             <a:r>
               <a:rPr lang="de-DE" sz="1000"/>
-              <a:t>End-</a:t>
-            </a:r>
+              <a:t>End-to-end</a:t>
+            </a:r>
+            <a:endParaRPr/>
+          </a:p>
+          <a:p>
+            <a:pPr algn="ctr">
+              <a:defRPr/>
+            </a:pPr>
             <a:r>
               <a:rPr lang="de-DE" sz="1000"/>
-              <a:t>to</a:t>
-            </a:r>
-            <a:r>
-              <a:rPr lang="de-DE" sz="1000"/>
-              <a:t>-end</a:t>
-            </a:r>
-            <a:endParaRPr/>
-          </a:p>
-          <a:p>
-            <a:pPr algn="ctr">
-              <a:defRPr/>
-            </a:pPr>
-            <a:r>
-              <a:rPr lang="de-DE" sz="1000"/>
-              <a:t>Min..</a:t>
-            </a:r>
-            <a:r>
-              <a:rPr lang="de-DE" sz="1000"/>
-              <a:t>max</a:t>
-            </a:r>
-            <a:r>
-              <a:rPr lang="de-DE" sz="1000"/>
-              <a:t> </a:t>
-            </a:r>
-            <a:r>
-              <a:rPr lang="de-DE" sz="1000"/>
-              <a:t>latency</a:t>
+              <a:t>Min..max latency</a:t>
             </a:r>
             <a:endParaRPr lang="en-US" sz="1000"/>
           </a:p>
@@ -28586,7 +28529,7 @@
               <a:rPr lang="en-US" sz="800"/>
               <a:t>)</a:t>
             </a:r>
-            <a:endParaRPr lang="en-US" sz="800"/>
+            <a:endParaRPr/>
           </a:p>
         </p:txBody>
       </p:sp>
@@ -28624,15 +28567,7 @@
             </a:pPr>
             <a:r>
               <a:rPr lang="en-US" sz="800"/>
-              <a:t>Calculate best queue for each hop to meet </a:t>
-            </a:r>
-            <a:r>
-              <a:rPr lang="en-US" sz="800"/>
-              <a:t>min..max</a:t>
-            </a:r>
-            <a:r>
-              <a:rPr lang="en-US" sz="800"/>
-              <a:t> latency</a:t>
+              <a:t>Calculate best queue for each hop to meet min..max latency</a:t>
             </a:r>
             <a:endParaRPr/>
           </a:p>
@@ -28673,7 +28608,7 @@
               <a:rPr lang="en-US" sz="1100"/>
               <a:t>&lt;=&gt;</a:t>
             </a:r>
-            <a:endParaRPr lang="en-US" sz="1100"/>
+            <a:endParaRPr/>
           </a:p>
         </p:txBody>
       </p:sp>
@@ -28731,11 +28666,7 @@
             </a:pPr>
             <a:r>
               <a:rPr lang="en-US" sz="800"/>
-              <a:t>e</a:t>
-            </a:r>
-            <a:r>
-              <a:rPr lang="en-US" sz="800"/>
-              <a:t>lse reject</a:t>
+              <a:t>else reject</a:t>
             </a:r>
             <a:endParaRPr/>
           </a:p>
@@ -28797,7 +28728,7 @@
               <a:rPr lang="en-US" sz="800"/>
               <a:t>                   link free bandwidth </a:t>
             </a:r>
-            <a:endParaRPr lang="en-US" sz="800"/>
+            <a:endParaRPr/>
           </a:p>
         </p:txBody>
       </p:sp>
@@ -28987,15 +28918,7 @@
             </a:pPr>
             <a:r>
               <a:rPr lang="en-US" sz="800"/>
-              <a:t>Install flow k </a:t>
-            </a:r>
-            <a:r>
-              <a:rPr lang="en-US" sz="800"/>
-              <a:t>params</a:t>
-            </a:r>
-            <a:r>
-              <a:rPr lang="en-US" sz="800"/>
-              <a:t> on every hops per-flow state table</a:t>
+              <a:t>Install flow k params on every hops per-flow state table</a:t>
             </a:r>
             <a:endParaRPr/>
           </a:p>
@@ -29213,11 +29136,7 @@
               </a:rPr>
               <a:t>NAK</a:t>
             </a:r>
-            <a:endParaRPr lang="en-US" sz="1050">
-              <a:solidFill>
-                <a:srgbClr val="C00000"/>
-              </a:solidFill>
-            </a:endParaRPr>
+            <a:endParaRPr/>
           </a:p>
         </p:txBody>
       </p:sp>
@@ -29268,11 +29187,7 @@
               </a:rPr>
               <a:t>REQUEST</a:t>
             </a:r>
-            <a:endParaRPr lang="en-US" sz="1050">
-              <a:solidFill>
-                <a:srgbClr val="C00000"/>
-              </a:solidFill>
-            </a:endParaRPr>
+            <a:endParaRPr/>
           </a:p>
         </p:txBody>
       </p:sp>
@@ -29287,8 +29202,8 @@
         </p:nvCxnSpPr>
         <p:spPr bwMode="auto">
           <a:xfrm flipH="1">
-            <a:off x="6558076" y="2165537"/>
-            <a:ext cx="132655" cy="867339"/>
+            <a:off x="6558071" y="2165537"/>
+            <a:ext cx="132661" cy="867340"/>
           </a:xfrm>
           <a:prstGeom prst="straightConnector1">
             <a:avLst/>
@@ -29348,11 +29263,7 @@
               </a:rPr>
               <a:t>Controller</a:t>
             </a:r>
-            <a:endParaRPr lang="en-US" sz="2000">
-              <a:solidFill>
-                <a:srgbClr val="960000"/>
-              </a:solidFill>
-            </a:endParaRPr>
+            <a:endParaRPr/>
           </a:p>
           <a:p>
             <a:pPr>
@@ -29366,11 +29277,7 @@
               </a:rPr>
               <a:t>Plane</a:t>
             </a:r>
-            <a:endParaRPr lang="en-US" sz="2000">
-              <a:solidFill>
-                <a:srgbClr val="960000"/>
-              </a:solidFill>
-            </a:endParaRPr>
+            <a:endParaRPr/>
           </a:p>
         </p:txBody>
       </p:sp>
@@ -29702,7 +29609,7 @@
           </p:nvPr>
         </p:nvSpPr>
         <p:spPr bwMode="auto">
-          <a:xfrm flipH="0" flipV="0">
+          <a:xfrm>
             <a:off x="657416" y="130902"/>
             <a:ext cx="10696381" cy="821594"/>
           </a:xfrm>
@@ -29762,13 +29669,13 @@
           </p:nvPr>
         </p:nvSpPr>
         <p:spPr bwMode="auto">
-          <a:xfrm flipH="0" flipV="0">
+          <a:xfrm>
             <a:off x="657416" y="921269"/>
             <a:ext cx="8197745" cy="5605695"/>
           </a:xfrm>
         </p:spPr>
         <p:txBody>
-          <a:bodyPr vertOverflow="overflow" horzOverflow="clip" vert="horz" wrap="square" lIns="91440" tIns="45720" rIns="91440" bIns="45720" numCol="1" spcCol="0" rtlCol="0" fromWordArt="0" anchor="t" anchorCtr="0" forceAA="0" upright="0" compatLnSpc="0">
+          <a:bodyPr vertOverflow="overflow" horzOverflow="clip" vert="horz" wrap="square" lIns="91440" tIns="45720" rIns="91440" bIns="45720" numCol="1" spcCol="0" rtlCol="0" fromWordArt="0" anchor="t" anchorCtr="0" forceAA="0" compatLnSpc="0">
             <a:normAutofit fontScale="70000" lnSpcReduction="6000"/>
           </a:bodyPr>
           <a:lstStyle/>
@@ -29782,7 +29689,7 @@
               <a:rPr sz="2600"/>
               <a:t>Realistic reference worst case scenario in large-scale DetNet</a:t>
             </a:r>
-            <a:endParaRPr sz="2600"/>
+            <a:endParaRPr/>
           </a:p>
           <a:p>
             <a:pPr marL="400050" lvl="1" indent="0">
@@ -29804,7 +29711,7 @@
               <a:rPr sz="2200"/>
               <a:t>Most edge-aggregation we can do</a:t>
             </a:r>
-            <a:endParaRPr sz="2200"/>
+            <a:endParaRPr/>
           </a:p>
           <a:p>
             <a:pPr lvl="2">
@@ -29814,7 +29721,7 @@
               <a:rPr sz="2200"/>
               <a:t>j=1...100, k=1...100</a:t>
             </a:r>
-            <a:endParaRPr sz="2200"/>
+            <a:endParaRPr/>
           </a:p>
           <a:p>
             <a:pPr marL="400050" lvl="1" indent="0">
@@ -29876,7 +29783,19 @@
                   <a:srgbClr val="FF0000"/>
                 </a:solidFill>
               </a:rPr>
-              <a:t>per-flow shaping for </a:t>
+              <a:t>per-flow shaping for 10,000 flows</a:t>
+            </a:r>
+            <a:endParaRPr sz="2600"/>
+          </a:p>
+          <a:p>
+            <a:pPr marL="0" lvl="0" indent="0">
+              <a:buFont typeface="Arial"/>
+              <a:buNone/>
+              <a:defRPr/>
+            </a:pPr>
+            <a:r>
+              <a:rPr sz="2600"/>
+              <a:t>IEEE ATS (Async Traffic Shape): </a:t>
             </a:r>
             <a:r>
               <a:rPr sz="2600" b="1">
@@ -29884,7 +29803,31 @@
                   <a:srgbClr val="FF0000"/>
                 </a:solidFill>
               </a:rPr>
-              <a:t>1</a:t>
+              <a:t>interleaved regulators for 10,000 flows</a:t>
+            </a:r>
+            <a:endParaRPr sz="2600"/>
+          </a:p>
+          <a:p>
+            <a:pPr marL="0" lvl="0" indent="0">
+              <a:buFont typeface="Arial"/>
+              <a:buNone/>
+              <a:defRPr/>
+            </a:pPr>
+            <a:r>
+              <a:rPr sz="2600"/>
+              <a:t>Every time rate and/or burst-size of any of these 10,000 flows changes (because one of its member flow changes):</a:t>
+            </a:r>
+            <a:endParaRPr/>
+          </a:p>
+          <a:p>
+            <a:pPr marL="400050" lvl="1" indent="0">
+              <a:buFont typeface="Arial"/>
+              <a:buNone/>
+              <a:defRPr/>
+            </a:pPr>
+            <a:r>
+              <a:rPr sz="2600"/>
+              <a:t>Both IntServ and ATS require </a:t>
             </a:r>
             <a:r>
               <a:rPr sz="2600" b="1">
@@ -29892,83 +29835,7 @@
                   <a:srgbClr val="FF0000"/>
                 </a:solidFill>
               </a:rPr>
-              <a:t>0,000 flows</a:t>
-            </a:r>
-            <a:endParaRPr sz="2600"/>
-          </a:p>
-          <a:p>
-            <a:pPr marL="0" lvl="0" indent="0">
-              <a:buFont typeface="Arial"/>
-              <a:buNone/>
-              <a:defRPr/>
-            </a:pPr>
-            <a:r>
-              <a:rPr sz="2600"/>
-              <a:t>IEEE ATS (Async Traffic Shape): </a:t>
-            </a:r>
-            <a:r>
-              <a:rPr sz="2600" b="1">
-                <a:solidFill>
-                  <a:srgbClr val="FF0000"/>
-                </a:solidFill>
-              </a:rPr>
-              <a:t>interleaved regulators for </a:t>
-            </a:r>
-            <a:r>
-              <a:rPr sz="2600" b="1">
-                <a:solidFill>
-                  <a:srgbClr val="FF0000"/>
-                </a:solidFill>
-              </a:rPr>
-              <a:t>1</a:t>
-            </a:r>
-            <a:r>
-              <a:rPr sz="2600" b="1">
-                <a:solidFill>
-                  <a:srgbClr val="FF0000"/>
-                </a:solidFill>
-              </a:rPr>
-              <a:t>0,000 flows</a:t>
-            </a:r>
-            <a:endParaRPr sz="2600"/>
-          </a:p>
-          <a:p>
-            <a:pPr marL="0" lvl="0" indent="0">
-              <a:buFont typeface="Arial"/>
-              <a:buNone/>
-              <a:defRPr/>
-            </a:pPr>
-            <a:r>
-              <a:rPr sz="2600"/>
-              <a:t>Every time rate and/or burst-size of any of these 10,000 flows changes (because one of its member flow changes):</a:t>
-            </a:r>
-            <a:endParaRPr sz="2600"/>
-          </a:p>
-          <a:p>
-            <a:pPr marL="400050" lvl="1" indent="0">
-              <a:buFont typeface="Arial"/>
-              <a:buNone/>
-              <a:defRPr/>
-            </a:pPr>
-            <a:r>
-              <a:rPr sz="2600"/>
-              <a:t>Both IntServ and ATS require </a:t>
-            </a:r>
-            <a:r>
-              <a:rPr sz="2600" b="1">
-                <a:solidFill>
-                  <a:srgbClr val="FF0000"/>
-                </a:solidFill>
-              </a:rPr>
-              <a:t>signal</a:t>
-            </a:r>
-            <a:r>
-              <a:rPr sz="2600" b="1">
-                <a:solidFill>
-                  <a:srgbClr val="FF0000"/>
-                </a:solidFill>
-              </a:rPr>
-              <a:t>ing of new flow parameters</a:t>
+              <a:t>signaling of new flow parameters</a:t>
             </a:r>
             <a:r>
               <a:rPr sz="2600"/>
@@ -29978,7 +29845,7 @@
               <a:rPr sz="2600" i="1"/>
               <a:t>(limited optimizations possible).</a:t>
             </a:r>
-            <a:endParaRPr sz="2600" i="1"/>
+            <a:endParaRPr/>
           </a:p>
           <a:p>
             <a:pPr marL="0" indent="0">
@@ -30010,7 +29877,7 @@
               <a:rPr sz="2600"/>
               <a:t> on P1 oif1. </a:t>
             </a:r>
-            <a:endParaRPr sz="2600"/>
+            <a:endParaRPr/>
           </a:p>
           <a:p>
             <a:pPr marL="400050" lvl="1" indent="0">
@@ -30030,18 +29897,18 @@
               <a:rPr sz="2400"/>
               <a:t>when member flows change!</a:t>
             </a:r>
-            <a:endParaRPr sz="2400"/>
+            <a:endParaRPr/>
           </a:p>
         </p:txBody>
       </p:sp>
       <p:sp>
         <p:nvSpPr>
-          <p:cNvPr id="1849516342" name="" hidden="0"/>
+          <p:cNvPr id="1849516342" name="矩形 1849516341" hidden="0"/>
           <p:cNvSpPr/>
           <p:nvPr isPhoto="0" userDrawn="0"/>
         </p:nvSpPr>
         <p:spPr bwMode="auto">
-          <a:xfrm rot="0" flipH="0" flipV="0">
+          <a:xfrm>
             <a:off x="10588401" y="1540972"/>
             <a:ext cx="846796" cy="406800"/>
           </a:xfrm>
@@ -30078,12 +29945,12 @@
       </p:sp>
       <p:sp>
         <p:nvSpPr>
-          <p:cNvPr id="722415147" name="" hidden="0"/>
+          <p:cNvPr id="722415147" name="文本框 722415146" hidden="0"/>
           <p:cNvSpPr txBox="1"/>
           <p:nvPr isPhoto="0" userDrawn="0"/>
         </p:nvSpPr>
         <p:spPr bwMode="auto">
-          <a:xfrm flipH="0" flipV="0">
+          <a:xfrm>
             <a:off x="10588401" y="1540972"/>
             <a:ext cx="920091" cy="365794"/>
           </a:xfrm>
@@ -30093,9 +29960,10 @@
           <a:noFill/>
         </p:spPr>
         <p:txBody>
-          <a:bodyPr vertOverflow="overflow" horzOverflow="clip" vert="horz" wrap="none" lIns="91440" tIns="45720" rIns="91440" bIns="45720" numCol="1" spcCol="0" rtlCol="0" fromWordArt="0" anchor="t" anchorCtr="0" forceAA="0" upright="0" compatLnSpc="0">
+          <a:bodyPr vertOverflow="overflow" horzOverflow="clip" vert="horz" wrap="none" lIns="91440" tIns="45720" rIns="91440" bIns="45720" numCol="1" spcCol="0" rtlCol="0" fromWordArt="0" anchor="t" anchorCtr="0" forceAA="0" compatLnSpc="0">
             <a:spAutoFit/>
           </a:bodyPr>
+          <a:lstStyle/>
           <a:p>
             <a:pPr>
               <a:defRPr/>
@@ -30110,12 +29978,12 @@
       </p:sp>
       <p:sp>
         <p:nvSpPr>
-          <p:cNvPr id="1841173247" name="" hidden="0"/>
+          <p:cNvPr id="1841173247" name="矩形 1841173246" hidden="0"/>
           <p:cNvSpPr/>
           <p:nvPr isPhoto="0" userDrawn="0"/>
         </p:nvSpPr>
         <p:spPr bwMode="auto">
-          <a:xfrm rot="0" flipH="0" flipV="0">
+          <a:xfrm>
             <a:off x="8667785" y="1561473"/>
             <a:ext cx="846795" cy="406797"/>
           </a:xfrm>
@@ -30152,12 +30020,12 @@
       </p:sp>
       <p:sp>
         <p:nvSpPr>
-          <p:cNvPr id="565210317" name="" hidden="0"/>
+          <p:cNvPr id="565210317" name="文本框 565210316" hidden="0"/>
           <p:cNvSpPr txBox="1"/>
           <p:nvPr isPhoto="0" userDrawn="0"/>
         </p:nvSpPr>
         <p:spPr bwMode="auto">
-          <a:xfrm flipH="0" flipV="0">
+          <a:xfrm>
             <a:off x="8667785" y="1561473"/>
             <a:ext cx="665820" cy="365794"/>
           </a:xfrm>
@@ -30167,9 +30035,10 @@
           <a:noFill/>
         </p:spPr>
         <p:txBody>
-          <a:bodyPr vertOverflow="overflow" horzOverflow="clip" vert="horz" wrap="none" lIns="91440" tIns="45720" rIns="91440" bIns="45720" numCol="1" spcCol="0" rtlCol="0" fromWordArt="0" anchor="t" anchorCtr="0" forceAA="0" upright="0" compatLnSpc="0">
+          <a:bodyPr vertOverflow="overflow" horzOverflow="clip" vert="horz" wrap="none" lIns="91440" tIns="45720" rIns="91440" bIns="45720" numCol="1" spcCol="0" rtlCol="0" fromWordArt="0" anchor="t" anchorCtr="0" forceAA="0" compatLnSpc="0">
             <a:spAutoFit/>
           </a:bodyPr>
+          <a:lstStyle/>
           <a:p>
             <a:pPr>
               <a:defRPr/>
@@ -30184,12 +30053,12 @@
       </p:sp>
       <p:sp>
         <p:nvSpPr>
-          <p:cNvPr id="1944328996" name="" hidden="0"/>
+          <p:cNvPr id="1944328996" name="文本框 1944328995" hidden="0"/>
           <p:cNvSpPr txBox="1"/>
           <p:nvPr isPhoto="0" userDrawn="0"/>
         </p:nvSpPr>
         <p:spPr bwMode="auto">
-          <a:xfrm flipH="0" flipV="0">
+          <a:xfrm>
             <a:off x="9793172" y="1241415"/>
             <a:ext cx="564022" cy="640114"/>
           </a:xfrm>
@@ -30199,9 +30068,10 @@
           <a:noFill/>
         </p:spPr>
         <p:txBody>
-          <a:bodyPr vertOverflow="overflow" horzOverflow="clip" vert="horz" wrap="none" lIns="91440" tIns="45720" rIns="91440" bIns="45720" numCol="1" spcCol="0" rtlCol="0" fromWordArt="0" anchor="t" anchorCtr="0" forceAA="0" upright="0" compatLnSpc="0">
+          <a:bodyPr vertOverflow="overflow" horzOverflow="clip" vert="horz" wrap="none" lIns="91440" tIns="45720" rIns="91440" bIns="45720" numCol="1" spcCol="0" rtlCol="0" fromWordArt="0" anchor="t" anchorCtr="0" forceAA="0" compatLnSpc="0">
             <a:spAutoFit/>
           </a:bodyPr>
+          <a:lstStyle/>
           <a:p>
             <a:pPr>
               <a:defRPr/>
@@ -30210,18 +30080,18 @@
               <a:rPr sz="3600"/>
               <a:t>...</a:t>
             </a:r>
-            <a:endParaRPr sz="3600"/>
+            <a:endParaRPr/>
           </a:p>
         </p:txBody>
       </p:sp>
       <p:sp>
         <p:nvSpPr>
-          <p:cNvPr id="1529795569" name="" hidden="0"/>
+          <p:cNvPr id="1529795569" name="矩形 1529795568" hidden="0"/>
           <p:cNvSpPr/>
           <p:nvPr isPhoto="0" userDrawn="0"/>
         </p:nvSpPr>
         <p:spPr bwMode="auto">
-          <a:xfrm rot="0" flipH="0" flipV="0">
+          <a:xfrm>
             <a:off x="10588401" y="5382201"/>
             <a:ext cx="846795" cy="406797"/>
           </a:xfrm>
@@ -30258,12 +30128,12 @@
       </p:sp>
       <p:sp>
         <p:nvSpPr>
-          <p:cNvPr id="809267948" name="" hidden="0"/>
+          <p:cNvPr id="809267948" name="文本框 809267947" hidden="0"/>
           <p:cNvSpPr txBox="1"/>
           <p:nvPr isPhoto="0" userDrawn="0"/>
         </p:nvSpPr>
         <p:spPr bwMode="auto">
-          <a:xfrm flipH="0" flipV="0">
+          <a:xfrm>
             <a:off x="10510327" y="5382201"/>
             <a:ext cx="996440" cy="365794"/>
           </a:xfrm>
@@ -30273,9 +30143,10 @@
           <a:noFill/>
         </p:spPr>
         <p:txBody>
-          <a:bodyPr vertOverflow="overflow" horzOverflow="clip" vert="horz" wrap="none" lIns="91440" tIns="45720" rIns="91440" bIns="45720" numCol="1" spcCol="0" rtlCol="0" fromWordArt="0" anchor="t" anchorCtr="0" forceAA="0" upright="0" compatLnSpc="0">
+          <a:bodyPr vertOverflow="overflow" horzOverflow="clip" vert="horz" wrap="none" lIns="91440" tIns="45720" rIns="91440" bIns="45720" numCol="1" spcCol="0" rtlCol="0" fromWordArt="0" anchor="t" anchorCtr="0" forceAA="0" compatLnSpc="0">
             <a:spAutoFit/>
           </a:bodyPr>
+          <a:lstStyle/>
           <a:p>
             <a:pPr>
               <a:defRPr/>
@@ -30290,12 +30161,12 @@
       </p:sp>
       <p:sp>
         <p:nvSpPr>
-          <p:cNvPr id="192205304" name="" hidden="0"/>
+          <p:cNvPr id="192205304" name="矩形 192205303" hidden="0"/>
           <p:cNvSpPr/>
           <p:nvPr isPhoto="0" userDrawn="0"/>
         </p:nvSpPr>
         <p:spPr bwMode="auto">
-          <a:xfrm rot="0" flipH="0" flipV="0">
+          <a:xfrm>
             <a:off x="8667785" y="5402703"/>
             <a:ext cx="846795" cy="406797"/>
           </a:xfrm>
@@ -30332,12 +30203,12 @@
       </p:sp>
       <p:sp>
         <p:nvSpPr>
-          <p:cNvPr id="598460033" name="" hidden="0"/>
+          <p:cNvPr id="598460033" name="文本框 598460032" hidden="0"/>
           <p:cNvSpPr txBox="1"/>
           <p:nvPr isPhoto="0" userDrawn="0"/>
         </p:nvSpPr>
         <p:spPr bwMode="auto">
-          <a:xfrm flipH="0" flipV="0">
+          <a:xfrm>
             <a:off x="8667785" y="5402703"/>
             <a:ext cx="742168" cy="365794"/>
           </a:xfrm>
@@ -30347,9 +30218,10 @@
           <a:noFill/>
         </p:spPr>
         <p:txBody>
-          <a:bodyPr vertOverflow="overflow" horzOverflow="clip" vert="horz" wrap="none" lIns="91440" tIns="45720" rIns="91440" bIns="45720" numCol="1" spcCol="0" rtlCol="0" fromWordArt="0" anchor="t" anchorCtr="0" forceAA="0" upright="0" compatLnSpc="0">
+          <a:bodyPr vertOverflow="overflow" horzOverflow="clip" vert="horz" wrap="none" lIns="91440" tIns="45720" rIns="91440" bIns="45720" numCol="1" spcCol="0" rtlCol="0" fromWordArt="0" anchor="t" anchorCtr="0" forceAA="0" compatLnSpc="0">
             <a:spAutoFit/>
           </a:bodyPr>
+          <a:lstStyle/>
           <a:p>
             <a:pPr>
               <a:defRPr/>
@@ -30364,12 +30236,12 @@
       </p:sp>
       <p:sp>
         <p:nvSpPr>
-          <p:cNvPr id="1267562583" name="" hidden="0"/>
+          <p:cNvPr id="1267562583" name="文本框 1267562582" hidden="0"/>
           <p:cNvSpPr txBox="1"/>
           <p:nvPr isPhoto="0" userDrawn="0"/>
         </p:nvSpPr>
         <p:spPr bwMode="auto">
-          <a:xfrm flipH="0" flipV="0">
+          <a:xfrm>
             <a:off x="9793172" y="5082645"/>
             <a:ext cx="564022" cy="640114"/>
           </a:xfrm>
@@ -30379,9 +30251,10 @@
           <a:noFill/>
         </p:spPr>
         <p:txBody>
-          <a:bodyPr vertOverflow="overflow" horzOverflow="clip" vert="horz" wrap="none" lIns="91440" tIns="45720" rIns="91440" bIns="45720" numCol="1" spcCol="0" rtlCol="0" fromWordArt="0" anchor="t" anchorCtr="0" forceAA="0" upright="0" compatLnSpc="0">
+          <a:bodyPr vertOverflow="overflow" horzOverflow="clip" vert="horz" wrap="none" lIns="91440" tIns="45720" rIns="91440" bIns="45720" numCol="1" spcCol="0" rtlCol="0" fromWordArt="0" anchor="t" anchorCtr="0" forceAA="0" compatLnSpc="0">
             <a:spAutoFit/>
           </a:bodyPr>
+          <a:lstStyle/>
           <a:p>
             <a:pPr>
               <a:defRPr/>
@@ -30390,18 +30263,18 @@
               <a:rPr sz="3600"/>
               <a:t>...</a:t>
             </a:r>
-            <a:endParaRPr sz="3600"/>
+            <a:endParaRPr/>
           </a:p>
         </p:txBody>
       </p:sp>
       <p:sp>
         <p:nvSpPr>
-          <p:cNvPr id="413326995" name="" hidden="0"/>
+          <p:cNvPr id="413326995" name="矩形 413326994" hidden="0"/>
           <p:cNvSpPr/>
           <p:nvPr isPhoto="0" userDrawn="0"/>
         </p:nvSpPr>
         <p:spPr bwMode="auto">
-          <a:xfrm rot="0" flipH="0" flipV="0">
+          <a:xfrm>
             <a:off x="9668307" y="2946299"/>
             <a:ext cx="846795" cy="406797"/>
           </a:xfrm>
@@ -30438,12 +30311,12 @@
       </p:sp>
       <p:sp>
         <p:nvSpPr>
-          <p:cNvPr id="1280594564" name="" hidden="0"/>
+          <p:cNvPr id="1280594564" name="文本框 1280594563" hidden="0"/>
           <p:cNvSpPr txBox="1"/>
           <p:nvPr isPhoto="0" userDrawn="0"/>
         </p:nvSpPr>
         <p:spPr bwMode="auto">
-          <a:xfrm flipH="0" flipV="0">
+          <a:xfrm>
             <a:off x="9668307" y="2946299"/>
             <a:ext cx="741831" cy="365794"/>
           </a:xfrm>
@@ -30453,9 +30326,10 @@
           <a:noFill/>
         </p:spPr>
         <p:txBody>
-          <a:bodyPr vertOverflow="overflow" horzOverflow="clip" vert="horz" wrap="none" lIns="91440" tIns="45720" rIns="91440" bIns="45720" numCol="1" spcCol="0" rtlCol="0" fromWordArt="0" anchor="t" anchorCtr="0" forceAA="0" upright="0" compatLnSpc="0">
+          <a:bodyPr vertOverflow="overflow" horzOverflow="clip" vert="horz" wrap="none" lIns="91440" tIns="45720" rIns="91440" bIns="45720" numCol="1" spcCol="0" rtlCol="0" fromWordArt="0" anchor="t" anchorCtr="0" forceAA="0" compatLnSpc="0">
             <a:spAutoFit/>
           </a:bodyPr>
+          <a:lstStyle/>
           <a:p>
             <a:pPr>
               <a:defRPr/>
@@ -30470,12 +30344,12 @@
       </p:sp>
       <p:sp>
         <p:nvSpPr>
-          <p:cNvPr id="155191628" name="" hidden="0"/>
+          <p:cNvPr id="155191628" name="矩形 155191627" hidden="0"/>
           <p:cNvSpPr/>
           <p:nvPr isPhoto="0" userDrawn="0"/>
         </p:nvSpPr>
         <p:spPr bwMode="auto">
-          <a:xfrm rot="0" flipH="0" flipV="0">
+          <a:xfrm>
             <a:off x="9704268" y="3945642"/>
             <a:ext cx="846795" cy="406797"/>
           </a:xfrm>
@@ -30512,12 +30386,12 @@
       </p:sp>
       <p:sp>
         <p:nvSpPr>
-          <p:cNvPr id="1151718444" name="" hidden="0"/>
+          <p:cNvPr id="1151718444" name="文本框 1151718443" hidden="0"/>
           <p:cNvSpPr txBox="1"/>
           <p:nvPr isPhoto="0" userDrawn="0"/>
         </p:nvSpPr>
         <p:spPr bwMode="auto">
-          <a:xfrm flipH="0" flipV="0">
+          <a:xfrm>
             <a:off x="9704268" y="3945642"/>
             <a:ext cx="741831" cy="365794"/>
           </a:xfrm>
@@ -30527,9 +30401,10 @@
           <a:noFill/>
         </p:spPr>
         <p:txBody>
-          <a:bodyPr vertOverflow="overflow" horzOverflow="clip" vert="horz" wrap="none" lIns="91440" tIns="45720" rIns="91440" bIns="45720" numCol="1" spcCol="0" rtlCol="0" fromWordArt="0" anchor="t" anchorCtr="0" forceAA="0" upright="0" compatLnSpc="0">
+          <a:bodyPr vertOverflow="overflow" horzOverflow="clip" vert="horz" wrap="none" lIns="91440" tIns="45720" rIns="91440" bIns="45720" numCol="1" spcCol="0" rtlCol="0" fromWordArt="0" anchor="t" anchorCtr="0" forceAA="0" compatLnSpc="0">
             <a:spAutoFit/>
           </a:bodyPr>
+          <a:lstStyle/>
           <a:p>
             <a:pPr>
               <a:defRPr/>
@@ -30544,14 +30419,14 @@
       </p:sp>
       <p:cxnSp>
         <p:nvCxnSpPr>
-          <p:cNvPr id="1719043148" name="" hidden="0"/>
+          <p:cNvPr id="1719043148" name="直接连接符 1719043147" hidden="0"/>
           <p:cNvCxnSpPr>
             <a:cxnSpLocks/>
           </p:cNvCxnSpPr>
           <p:nvPr isPhoto="0" userDrawn="0"/>
         </p:nvCxnSpPr>
         <p:spPr bwMode="auto">
-          <a:xfrm rot="0" flipH="0" flipV="0">
+          <a:xfrm>
             <a:off x="9151844" y="2092375"/>
             <a:ext cx="641327" cy="624588"/>
           </a:xfrm>
@@ -30587,14 +30462,14 @@
       </p:cxnSp>
       <p:cxnSp>
         <p:nvCxnSpPr>
-          <p:cNvPr id="680841058" name="" hidden="0"/>
+          <p:cNvPr id="680841058" name="直接连接符 680841057" hidden="0"/>
           <p:cNvCxnSpPr>
             <a:cxnSpLocks/>
           </p:cNvCxnSpPr>
           <p:nvPr isPhoto="0" userDrawn="0"/>
         </p:nvCxnSpPr>
         <p:spPr bwMode="auto">
-          <a:xfrm rot="0" flipH="1" flipV="0">
+          <a:xfrm flipH="1">
             <a:off x="10213647" y="2092375"/>
             <a:ext cx="651791" cy="624588"/>
           </a:xfrm>
@@ -30630,12 +30505,12 @@
       </p:cxnSp>
       <p:sp>
         <p:nvSpPr>
-          <p:cNvPr id="2130592570" name="" hidden="0"/>
+          <p:cNvPr id="2130592570" name="文本框 2130592569" hidden="0"/>
           <p:cNvSpPr txBox="1"/>
           <p:nvPr isPhoto="0" userDrawn="0"/>
         </p:nvSpPr>
         <p:spPr bwMode="auto">
-          <a:xfrm flipH="0" flipV="0">
+          <a:xfrm>
             <a:off x="9782340" y="1990923"/>
             <a:ext cx="564022" cy="640114"/>
           </a:xfrm>
@@ -30645,9 +30520,10 @@
           <a:noFill/>
         </p:spPr>
         <p:txBody>
-          <a:bodyPr vertOverflow="overflow" horzOverflow="clip" vert="horz" wrap="none" lIns="91440" tIns="45720" rIns="91440" bIns="45720" numCol="1" spcCol="0" rtlCol="0" fromWordArt="0" anchor="t" anchorCtr="0" forceAA="0" upright="0" compatLnSpc="0">
+          <a:bodyPr vertOverflow="overflow" horzOverflow="clip" vert="horz" wrap="none" lIns="91440" tIns="45720" rIns="91440" bIns="45720" numCol="1" spcCol="0" rtlCol="0" fromWordArt="0" anchor="t" anchorCtr="0" forceAA="0" compatLnSpc="0">
             <a:spAutoFit/>
           </a:bodyPr>
+          <a:lstStyle/>
           <a:p>
             <a:pPr>
               <a:defRPr/>
@@ -30656,20 +30532,20 @@
               <a:rPr sz="3600"/>
               <a:t>...</a:t>
             </a:r>
-            <a:endParaRPr sz="3600"/>
+            <a:endParaRPr/>
           </a:p>
         </p:txBody>
       </p:sp>
       <p:cxnSp>
         <p:nvCxnSpPr>
-          <p:cNvPr id="558235394" name="" hidden="0"/>
+          <p:cNvPr id="558235394" name="直接连接符 558235393" hidden="0"/>
           <p:cNvCxnSpPr>
             <a:cxnSpLocks/>
           </p:cNvCxnSpPr>
           <p:nvPr isPhoto="0" userDrawn="0"/>
         </p:nvCxnSpPr>
         <p:spPr bwMode="auto">
-          <a:xfrm rot="0" flipH="0" flipV="1">
+          <a:xfrm flipV="1">
             <a:off x="9215156" y="4606351"/>
             <a:ext cx="641326" cy="624588"/>
           </a:xfrm>
@@ -30705,14 +30581,14 @@
       </p:cxnSp>
       <p:cxnSp>
         <p:nvCxnSpPr>
-          <p:cNvPr id="679916441" name="" hidden="0"/>
+          <p:cNvPr id="679916441" name="直接连接符 679916440" hidden="0"/>
           <p:cNvCxnSpPr>
             <a:cxnSpLocks/>
           </p:cNvCxnSpPr>
           <p:nvPr isPhoto="0" userDrawn="0"/>
         </p:nvCxnSpPr>
         <p:spPr bwMode="auto">
-          <a:xfrm rot="0" flipH="1" flipV="1">
+          <a:xfrm flipH="1" flipV="1">
             <a:off x="10433107" y="4606351"/>
             <a:ext cx="651790" cy="624588"/>
           </a:xfrm>
@@ -30748,12 +30624,12 @@
       </p:cxnSp>
       <p:sp>
         <p:nvSpPr>
-          <p:cNvPr id="2040529092" name="" hidden="0"/>
+          <p:cNvPr id="2040529092" name="文本框 2040529091" hidden="0"/>
           <p:cNvSpPr txBox="1"/>
           <p:nvPr isPhoto="0" userDrawn="0"/>
         </p:nvSpPr>
         <p:spPr bwMode="auto">
-          <a:xfrm rot="0" flipH="0" flipV="1">
+          <a:xfrm flipV="1">
             <a:off x="9845654" y="4504899"/>
             <a:ext cx="564022" cy="640114"/>
           </a:xfrm>
@@ -30763,9 +30639,10 @@
           <a:noFill/>
         </p:spPr>
         <p:txBody>
-          <a:bodyPr vertOverflow="overflow" horzOverflow="clip" vert="horz" wrap="none" lIns="91440" tIns="45720" rIns="91440" bIns="45720" numCol="1" spcCol="0" rtlCol="0" fromWordArt="0" anchor="t" anchorCtr="0" forceAA="0" upright="0" compatLnSpc="0">
+          <a:bodyPr vertOverflow="overflow" horzOverflow="clip" vert="horz" wrap="none" lIns="91440" tIns="45720" rIns="91440" bIns="45720" numCol="1" spcCol="0" rtlCol="0" fromWordArt="0" anchor="t" anchorCtr="0" forceAA="0" compatLnSpc="0">
             <a:spAutoFit/>
           </a:bodyPr>
+          <a:lstStyle/>
           <a:p>
             <a:pPr>
               <a:defRPr/>
@@ -30774,13 +30651,13 @@
               <a:rPr sz="3600"/>
               <a:t>...</a:t>
             </a:r>
-            <a:endParaRPr sz="3600"/>
+            <a:endParaRPr/>
           </a:p>
         </p:txBody>
       </p:sp>
       <p:cxnSp>
         <p:nvCxnSpPr>
-          <p:cNvPr id="1357884900" name="" hidden="0"/>
+          <p:cNvPr id="1357884900" name="直接连接符 1357884899" hidden="0"/>
           <p:cNvCxnSpPr>
             <a:cxnSpLocks/>
             <a:stCxn id="413326995" idx="2"/>
@@ -30789,7 +30666,7 @@
           <p:nvPr isPhoto="0" userDrawn="0"/>
         </p:nvCxnSpPr>
         <p:spPr bwMode="auto">
-          <a:xfrm rot="5399942" flipH="0" flipV="0">
+          <a:xfrm rot="5399942">
             <a:off x="9787173" y="3649370"/>
             <a:ext cx="592543" cy="0"/>
           </a:xfrm>
@@ -30825,12 +30702,12 @@
       </p:cxnSp>
       <p:sp>
         <p:nvSpPr>
-          <p:cNvPr id="101369311" name="" hidden="0"/>
+          <p:cNvPr id="101369311" name="文本框 101369310" hidden="0"/>
           <p:cNvSpPr txBox="1"/>
           <p:nvPr isPhoto="0" userDrawn="0"/>
         </p:nvSpPr>
         <p:spPr bwMode="auto">
-          <a:xfrm flipH="0" flipV="0">
+          <a:xfrm>
             <a:off x="10091706" y="3361648"/>
             <a:ext cx="551522" cy="365794"/>
           </a:xfrm>
@@ -30840,9 +30717,10 @@
           <a:noFill/>
         </p:spPr>
         <p:txBody>
-          <a:bodyPr vertOverflow="overflow" horzOverflow="clip" vert="horz" wrap="none" lIns="91440" tIns="45720" rIns="91440" bIns="45720" numCol="1" spcCol="0" rtlCol="0" fromWordArt="0" anchor="t" anchorCtr="0" forceAA="0" upright="0" compatLnSpc="0">
+          <a:bodyPr vertOverflow="overflow" horzOverflow="clip" vert="horz" wrap="none" lIns="91440" tIns="45720" rIns="91440" bIns="45720" numCol="1" spcCol="0" rtlCol="0" fromWordArt="0" anchor="t" anchorCtr="0" forceAA="0" compatLnSpc="0">
             <a:spAutoFit/>
           </a:bodyPr>
+          <a:lstStyle/>
           <a:p>
             <a:pPr>
               <a:defRPr/>
@@ -30868,6 +30746,13 @@
       <p:transition advClick="1"/>
     </mc:Fallback>
   </mc:AlternateContent>
+  <p:timing>
+    <p:tnLst>
+      <p:par>
+        <p:cTn id="1" dur="indefinite" restart="never" nodeType="tmRoot"/>
+      </p:par>
+    </p:tnLst>
+  </p:timing>
 </p:sld>
 </file>
 
@@ -31203,7 +31088,7 @@
                 <a:rPr lang="en-US" sz="1200"/>
                 <a:t>Flow k</a:t>
               </a:r>
-              <a:endParaRPr lang="en-US" sz="1200"/>
+              <a:endParaRPr/>
             </a:p>
           </p:txBody>
         </p:sp>
@@ -31765,7 +31650,7 @@
                 <a:rPr lang="en-US" sz="1200"/>
                 <a:t>Flow k</a:t>
               </a:r>
-              <a:endParaRPr lang="en-US" sz="1200"/>
+              <a:endParaRPr/>
             </a:p>
           </p:txBody>
         </p:sp>
@@ -32013,7 +31898,7 @@
               <a:rPr lang="de-DE" sz="1000"/>
               <a:t> </a:t>
             </a:r>
-            <a:endParaRPr lang="de-DE" sz="1000"/>
+            <a:endParaRPr/>
           </a:p>
           <a:p>
             <a:pPr algn="ctr">
@@ -32021,37 +31906,17 @@
             </a:pPr>
             <a:r>
               <a:rPr lang="de-DE" sz="1000"/>
-              <a:t>End-</a:t>
-            </a:r>
+              <a:t>End-to-end</a:t>
+            </a:r>
+            <a:endParaRPr/>
+          </a:p>
+          <a:p>
+            <a:pPr algn="ctr">
+              <a:defRPr/>
+            </a:pPr>
             <a:r>
               <a:rPr lang="de-DE" sz="1000"/>
-              <a:t>to</a:t>
-            </a:r>
-            <a:r>
-              <a:rPr lang="de-DE" sz="1000"/>
-              <a:t>-end</a:t>
-            </a:r>
-            <a:endParaRPr/>
-          </a:p>
-          <a:p>
-            <a:pPr algn="ctr">
-              <a:defRPr/>
-            </a:pPr>
-            <a:r>
-              <a:rPr lang="de-DE" sz="1000"/>
-              <a:t>Min..</a:t>
-            </a:r>
-            <a:r>
-              <a:rPr lang="de-DE" sz="1000"/>
-              <a:t>max</a:t>
-            </a:r>
-            <a:r>
-              <a:rPr lang="de-DE" sz="1000"/>
-              <a:t> </a:t>
-            </a:r>
-            <a:r>
-              <a:rPr lang="de-DE" sz="1000"/>
-              <a:t>latency</a:t>
+              <a:t>Min..max latency</a:t>
             </a:r>
             <a:endParaRPr lang="en-US" sz="1000"/>
           </a:p>
@@ -32121,7 +31986,7 @@
               <a:rPr lang="en-US" sz="800"/>
               <a:t>)</a:t>
             </a:r>
-            <a:endParaRPr lang="en-US" sz="800"/>
+            <a:endParaRPr/>
           </a:p>
         </p:txBody>
       </p:sp>
@@ -32159,15 +32024,7 @@
             </a:pPr>
             <a:r>
               <a:rPr lang="en-US" sz="800"/>
-              <a:t>Calculate best queue for each hop to meet </a:t>
-            </a:r>
-            <a:r>
-              <a:rPr lang="en-US" sz="800"/>
-              <a:t>min..max</a:t>
-            </a:r>
-            <a:r>
-              <a:rPr lang="en-US" sz="800"/>
-              <a:t> latency</a:t>
+              <a:t>Calculate best queue for each hop to meet min..max latency</a:t>
             </a:r>
             <a:endParaRPr/>
           </a:p>
@@ -32208,7 +32065,7 @@
               <a:rPr lang="en-US" sz="1100"/>
               <a:t>&lt;=&gt;</a:t>
             </a:r>
-            <a:endParaRPr lang="en-US" sz="1100"/>
+            <a:endParaRPr/>
           </a:p>
         </p:txBody>
       </p:sp>
@@ -32266,11 +32123,7 @@
             </a:pPr>
             <a:r>
               <a:rPr lang="en-US" sz="800"/>
-              <a:t>e</a:t>
-            </a:r>
-            <a:r>
-              <a:rPr lang="en-US" sz="800"/>
-              <a:t>lse reject</a:t>
+              <a:t>else reject</a:t>
             </a:r>
             <a:endParaRPr/>
           </a:p>
@@ -32332,7 +32185,7 @@
               <a:rPr lang="en-US" sz="800"/>
               <a:t>                   link free bandwidth </a:t>
             </a:r>
-            <a:endParaRPr lang="en-US" sz="800"/>
+            <a:endParaRPr/>
           </a:p>
         </p:txBody>
       </p:sp>
@@ -32522,15 +32375,7 @@
             </a:pPr>
             <a:r>
               <a:rPr lang="en-US" sz="800"/>
-              <a:t>Install flow k </a:t>
-            </a:r>
-            <a:r>
-              <a:rPr lang="en-US" sz="800"/>
-              <a:t>params</a:t>
-            </a:r>
-            <a:r>
-              <a:rPr lang="en-US" sz="800"/>
-              <a:t> on every hops per-flow state table</a:t>
+              <a:t>Install flow k params on every hops per-flow state table</a:t>
             </a:r>
             <a:endParaRPr/>
           </a:p>
@@ -32748,11 +32593,7 @@
               </a:rPr>
               <a:t>NAK</a:t>
             </a:r>
-            <a:endParaRPr lang="en-US" sz="1050">
-              <a:solidFill>
-                <a:srgbClr val="C00000"/>
-              </a:solidFill>
-            </a:endParaRPr>
+            <a:endParaRPr/>
           </a:p>
         </p:txBody>
       </p:sp>
@@ -32803,11 +32644,7 @@
               </a:rPr>
               <a:t>REQUEST</a:t>
             </a:r>
-            <a:endParaRPr lang="en-US" sz="1050">
-              <a:solidFill>
-                <a:srgbClr val="C00000"/>
-              </a:solidFill>
-            </a:endParaRPr>
+            <a:endParaRPr/>
           </a:p>
         </p:txBody>
       </p:sp>
@@ -32844,11 +32681,7 @@
               </a:rPr>
               <a:t>Controller</a:t>
             </a:r>
-            <a:endParaRPr lang="en-US" sz="2000">
-              <a:solidFill>
-                <a:srgbClr val="960000"/>
-              </a:solidFill>
-            </a:endParaRPr>
+            <a:endParaRPr/>
           </a:p>
         </p:txBody>
       </p:sp>
@@ -33288,7 +33121,7 @@
           </a:xfrm>
         </p:spPr>
         <p:txBody>
-          <a:bodyPr vertOverflow="overflow" horzOverflow="clip" vert="horz" wrap="square" lIns="91440" tIns="45720" rIns="91440" bIns="45720" numCol="1" spcCol="0" rtlCol="0" fromWordArt="0" anchor="t" anchorCtr="0" forceAA="0" upright="0" compatLnSpc="0">
+          <a:bodyPr vertOverflow="overflow" horzOverflow="clip" vert="horz" wrap="square" lIns="91440" tIns="45720" rIns="91440" bIns="45720" numCol="1" spcCol="0" rtlCol="0" fromWordArt="0" anchor="t" anchorCtr="0" forceAA="0" compatLnSpc="0">
             <a:normAutofit/>
           </a:bodyPr>
           <a:lstStyle/>
@@ -33303,7 +33136,7 @@
               <a:rPr lang="en-US" sz="2000"/>
               <a:t>Metro and larger network operators do not want per-flow, per-hop state on P routers</a:t>
             </a:r>
-            <a:endParaRPr lang="en-US" sz="2000"/>
+            <a:endParaRPr/>
           </a:p>
           <a:p>
             <a:pPr lvl="1">
@@ -33369,7 +33202,7 @@
               <a:rPr lang="en-US" sz="2200"/>
               <a:t>This is not new:</a:t>
             </a:r>
-            <a:endParaRPr lang="en-US" sz="2200"/>
+            <a:endParaRPr/>
           </a:p>
           <a:p>
             <a:pPr lvl="1">
@@ -33393,13 +33226,9 @@
             </a:pPr>
             <a:r>
               <a:rPr lang="en-US" sz="1800"/>
-              <a:t>But the faster the network, the more hardware challenges per-hop, per-flow has:</a:t>
-            </a:r>
-            <a:r>
-              <a:rPr lang="en-US" sz="1800"/>
-              <a:t> </a:t>
-            </a:r>
-            <a:endParaRPr lang="en-US" sz="1800"/>
+              <a:t>But the faster the network, the more hardware challenges per-hop, per-flow has: </a:t>
+            </a:r>
+            <a:endParaRPr/>
           </a:p>
           <a:p>
             <a:pPr lvl="1">
@@ -33412,7 +33241,7 @@
               <a:rPr lang="en-US" sz="1800"/>
               <a:t>High-speed routers may not be abble to cheaply implement large number of packet-flow-lookup,data-read/write cycles</a:t>
             </a:r>
-            <a:endParaRPr lang="en-US" sz="1800"/>
+            <a:endParaRPr/>
           </a:p>
           <a:p>
             <a:pPr lvl="0">
@@ -33425,7 +33254,7 @@
               <a:rPr lang="en-US" sz="2000"/>
               <a:t>Need to decouple P-router state from applications</a:t>
             </a:r>
-            <a:endParaRPr lang="en-US" sz="2000"/>
+            <a:endParaRPr/>
           </a:p>
           <a:p>
             <a:pPr lvl="1">
@@ -33438,7 +33267,7 @@
               <a:rPr lang="en-US" sz="1600"/>
               <a:t>Can not have P-router state changes (such as aggregated flow-state) when new applications start sending DetNet traffic.</a:t>
             </a:r>
-            <a:endParaRPr lang="en-US" sz="1600"/>
+            <a:endParaRPr/>
           </a:p>
           <a:p>
             <a:pPr lvl="1">
@@ -33451,7 +33280,7 @@
               <a:rPr lang="en-US" sz="1600"/>
               <a:t>Only operator provisioned services currently have this (e.g.: with RSVP-TE), IP Multicast allowed applications to automatically do this – big security/reliability issue</a:t>
             </a:r>
-            <a:endParaRPr lang="en-US" sz="1600"/>
+            <a:endParaRPr/>
           </a:p>
           <a:p>
             <a:pPr lvl="2">
@@ -33481,6 +33310,13 @@
       <p:transition advClick="1"/>
     </mc:Fallback>
   </mc:AlternateContent>
+  <p:timing>
+    <p:tnLst>
+      <p:par>
+        <p:cTn id="1" dur="indefinite" restart="never" nodeType="tmRoot"/>
+      </p:par>
+    </p:tnLst>
+  </p:timing>
 </p:sld>
 </file>
 
@@ -33667,6 +33503,13 @@
       <p:transition advClick="1"/>
     </mc:Fallback>
   </mc:AlternateContent>
+  <p:timing>
+    <p:tnLst>
+      <p:par>
+        <p:cTn id="1" dur="indefinite" restart="never" nodeType="tmRoot"/>
+      </p:par>
+    </p:tnLst>
+  </p:timing>
 </p:sld>
 </file>
 
@@ -33698,7 +33541,7 @@
           </p:nvPr>
         </p:nvSpPr>
         <p:spPr bwMode="auto">
-          <a:xfrm flipH="0" flipV="0">
+          <a:xfrm>
             <a:off x="838198" y="365124"/>
             <a:ext cx="10515600" cy="748360"/>
           </a:xfrm>
@@ -33729,13 +33572,13 @@
           </p:nvPr>
         </p:nvSpPr>
         <p:spPr bwMode="auto">
-          <a:xfrm flipH="0" flipV="0">
+          <a:xfrm>
             <a:off x="838198" y="1274471"/>
             <a:ext cx="10515600" cy="5446689"/>
           </a:xfrm>
         </p:spPr>
         <p:txBody>
-          <a:bodyPr vertOverflow="overflow" horzOverflow="clip" vert="horz" wrap="square" lIns="91440" tIns="45720" rIns="91440" bIns="45720" numCol="1" spcCol="0" rtlCol="0" fromWordArt="0" anchor="t" anchorCtr="0" forceAA="0" upright="0" compatLnSpc="0">
+          <a:bodyPr vertOverflow="overflow" horzOverflow="clip" vert="horz" wrap="square" lIns="91440" tIns="45720" rIns="91440" bIns="45720" numCol="1" spcCol="0" rtlCol="0" fromWordArt="0" anchor="t" anchorCtr="0" forceAA="0" compatLnSpc="0">
             <a:normAutofit fontScale="65000" lnSpcReduction="7000"/>
           </a:bodyPr>
           <a:lstStyle/>
@@ -33948,6 +33791,13 @@
       <p:transition advClick="1"/>
     </mc:Fallback>
   </mc:AlternateContent>
+  <p:timing>
+    <p:tnLst>
+      <p:par>
+        <p:cTn id="1" dur="indefinite" restart="never" nodeType="tmRoot"/>
+      </p:par>
+    </p:tnLst>
+  </p:timing>
 </p:sld>
 </file>
 
@@ -34138,6 +33988,13 @@
       <p:transition advClick="1"/>
     </mc:Fallback>
   </mc:AlternateContent>
+  <p:timing>
+    <p:tnLst>
+      <p:par>
+        <p:cTn id="1" dur="indefinite" restart="never" nodeType="tmRoot"/>
+      </p:par>
+    </p:tnLst>
+  </p:timing>
 </p:sld>
 </file>
 
@@ -34169,13 +34026,13 @@
           </p:nvPr>
         </p:nvSpPr>
         <p:spPr bwMode="auto">
-          <a:xfrm flipH="0" flipV="0">
+          <a:xfrm>
             <a:off x="838198" y="365124"/>
             <a:ext cx="10515600" cy="748360"/>
           </a:xfrm>
         </p:spPr>
         <p:txBody>
-          <a:bodyPr vertOverflow="overflow" horzOverflow="clip" vert="horz" wrap="square" lIns="91440" tIns="45720" rIns="91440" bIns="45720" numCol="1" spcCol="0" rtlCol="0" fromWordArt="0" anchor="ctr" anchorCtr="0" forceAA="0" upright="0" compatLnSpc="0">
+          <a:bodyPr vertOverflow="overflow" horzOverflow="clip" vert="horz" wrap="square" lIns="91440" tIns="45720" rIns="91440" bIns="45720" numCol="1" spcCol="0" rtlCol="0" fromWordArt="0" anchor="ctr" anchorCtr="0" forceAA="0" compatLnSpc="0">
             <a:normAutofit fontScale="90000" lnSpcReduction="2000"/>
           </a:bodyPr>
           <a:lstStyle/>
@@ -34226,13 +34083,13 @@
           </p:nvPr>
         </p:nvSpPr>
         <p:spPr bwMode="auto">
-          <a:xfrm flipH="0" flipV="0">
+          <a:xfrm>
             <a:off x="838198" y="1167147"/>
             <a:ext cx="7816165" cy="5554013"/>
           </a:xfrm>
         </p:spPr>
         <p:txBody>
-          <a:bodyPr vertOverflow="overflow" horzOverflow="clip" vert="horz" wrap="square" lIns="91440" tIns="45720" rIns="91440" bIns="45720" numCol="1" spcCol="0" rtlCol="0" fromWordArt="0" anchor="t" anchorCtr="0" forceAA="0" upright="0" compatLnSpc="0">
+          <a:bodyPr vertOverflow="overflow" horzOverflow="clip" vert="horz" wrap="square" lIns="91440" tIns="45720" rIns="91440" bIns="45720" numCol="1" spcCol="0" rtlCol="0" fromWordArt="0" anchor="t" anchorCtr="0" forceAA="0" compatLnSpc="0">
             <a:normAutofit/>
           </a:bodyPr>
           <a:lstStyle/>
@@ -34244,7 +34101,7 @@
               <a:rPr sz="2400"/>
               <a:t>Discussion with 6MAN WG:</a:t>
             </a:r>
-            <a:endParaRPr sz="2400"/>
+            <a:endParaRPr/>
           </a:p>
           <a:p>
             <a:pPr lvl="1">
@@ -34254,7 +34111,7 @@
               <a:rPr sz="2000"/>
               <a:t>What type of IPv6 extension header to use – HbH or DoH</a:t>
             </a:r>
-            <a:endParaRPr sz="2000"/>
+            <a:endParaRPr/>
           </a:p>
           <a:p>
             <a:pPr lvl="1">
@@ -34264,7 +34121,7 @@
               <a:rPr sz="2000"/>
               <a:t>Traditionally DoH would be incorrect</a:t>
             </a:r>
-            <a:endParaRPr sz="2000"/>
+            <a:endParaRPr/>
           </a:p>
           <a:p>
             <a:pPr lvl="2">
@@ -34274,7 +34131,7 @@
               <a:rPr sz="1600"/>
               <a:t>Because every router would need to inspect/modify header (Cycle-ID)</a:t>
             </a:r>
-            <a:endParaRPr sz="1600"/>
+            <a:endParaRPr/>
           </a:p>
           <a:p>
             <a:pPr lvl="2">
@@ -34284,7 +34141,7 @@
               <a:rPr sz="1600"/>
               <a:t>But DoH would likely allow to pass through unsupporting routers easier...</a:t>
             </a:r>
-            <a:endParaRPr sz="1600"/>
+            <a:endParaRPr/>
           </a:p>
           <a:p>
             <a:pPr lvl="2">
@@ -34300,7 +34157,7 @@
               <a:rPr sz="2400"/>
               <a:t>DetNet ?! Discussion</a:t>
             </a:r>
-            <a:endParaRPr sz="2400"/>
+            <a:endParaRPr/>
           </a:p>
           <a:p>
             <a:pPr lvl="1">
@@ -34310,7 +34167,7 @@
               <a:rPr sz="2000"/>
               <a:t>What fields to have in packet header</a:t>
             </a:r>
-            <a:endParaRPr sz="2000"/>
+            <a:endParaRPr/>
           </a:p>
           <a:p>
             <a:pPr lvl="1">
@@ -34327,7 +34184,7 @@
               <a:rPr sz="2000"/>
               <a:t>from draft: Cycle-ID + extensions</a:t>
             </a:r>
-            <a:endParaRPr sz="2000"/>
+            <a:endParaRPr/>
           </a:p>
           <a:p>
             <a:pPr lvl="1">
@@ -34343,7 +34200,7 @@
               <a:rPr sz="2000"/>
               <a:t>Other options discussed in draft.</a:t>
             </a:r>
-            <a:endParaRPr sz="2000"/>
+            <a:endParaRPr/>
           </a:p>
           <a:p>
             <a:pPr lvl="1">
@@ -34359,7 +34216,7 @@
               <a:rPr sz="2000"/>
               <a:t>Should also add fields for PREOF...</a:t>
             </a:r>
-            <a:endParaRPr sz="2000"/>
+            <a:endParaRPr/>
           </a:p>
           <a:p>
             <a:pPr marL="457200" lvl="1" indent="0">
@@ -34373,7 +34230,7 @@
       </p:sp>
       <p:pic>
         <p:nvPicPr>
-          <p:cNvPr id="1663712559" name="" hidden="0"/>
+          <p:cNvPr id="1663712559" name="图片 1663712558" hidden="0"/>
           <p:cNvPicPr>
             <a:picLocks noChangeAspect="1"/>
           </p:cNvPicPr>
@@ -34384,7 +34241,7 @@
           <a:stretch/>
         </p:blipFill>
         <p:spPr bwMode="auto">
-          <a:xfrm flipH="0" flipV="0">
+          <a:xfrm>
             <a:off x="8453133" y="1767695"/>
             <a:ext cx="3416894" cy="1639289"/>
           </a:xfrm>
@@ -34395,7 +34252,7 @@
       </p:pic>
       <p:pic>
         <p:nvPicPr>
-          <p:cNvPr id="1137786983" name="" hidden="0"/>
+          <p:cNvPr id="1137786983" name="图片 1137786982" hidden="0"/>
           <p:cNvPicPr>
             <a:picLocks noChangeAspect="1"/>
           </p:cNvPicPr>
@@ -34406,7 +34263,7 @@
           <a:stretch/>
         </p:blipFill>
         <p:spPr bwMode="auto">
-          <a:xfrm flipH="0" flipV="0">
+          <a:xfrm>
             <a:off x="8453133" y="172286"/>
             <a:ext cx="3161999" cy="1544346"/>
           </a:xfrm>
@@ -34417,7 +34274,7 @@
       </p:pic>
       <p:pic>
         <p:nvPicPr>
-          <p:cNvPr id="952507583" name="" hidden="0"/>
+          <p:cNvPr id="952507583" name="图片 952507582" hidden="0"/>
           <p:cNvPicPr>
             <a:picLocks noChangeAspect="1"/>
           </p:cNvPicPr>
@@ -34428,7 +34285,7 @@
           <a:stretch/>
         </p:blipFill>
         <p:spPr bwMode="auto">
-          <a:xfrm flipH="0" flipV="0">
+          <a:xfrm>
             <a:off x="5649295" y="4164100"/>
             <a:ext cx="6220731" cy="2144442"/>
           </a:xfrm>
@@ -34450,6 +34307,13 @@
       <p:transition advClick="1"/>
     </mc:Fallback>
   </mc:AlternateContent>
+  <p:timing>
+    <p:tnLst>
+      <p:par>
+        <p:cTn id="1" dur="indefinite" restart="never" nodeType="tmRoot"/>
+      </p:par>
+    </p:tnLst>
+  </p:timing>
 </p:sld>
 </file>
 
@@ -34525,14 +34389,7 @@
               </a:rPr>
               <a:t>What do we (want / should must ?) specify</a:t>
             </a:r>
-            <a:endParaRPr lang="en-US" sz="2400" b="0" i="0" u="none" strike="noStrike" cap="none" spc="0">
-              <a:solidFill>
-                <a:schemeClr val="tx1"/>
-              </a:solidFill>
-              <a:latin typeface="Arial"/>
-              <a:ea typeface="Arial"/>
-              <a:cs typeface="Arial"/>
-            </a:endParaRPr>
+            <a:endParaRPr/>
           </a:p>
         </p:txBody>
       </p:sp>
@@ -34549,6 +34406,13 @@
       <p:transition advClick="1"/>
     </mc:Fallback>
   </mc:AlternateContent>
+  <p:timing>
+    <p:tnLst>
+      <p:par>
+        <p:cTn id="1" dur="indefinite" restart="never" nodeType="tmRoot"/>
+      </p:par>
+    </p:tnLst>
+  </p:timing>
 </p:sld>
 </file>
 
@@ -34580,14 +34444,14 @@
           </p:nvPr>
         </p:nvSpPr>
         <p:spPr bwMode="auto">
-          <a:xfrm flipH="0" flipV="0">
-            <a:off x="838199" y="365124"/>
-            <a:ext cx="10515600" cy="612440"/>
+          <a:xfrm>
+            <a:off x="838198" y="365124"/>
+            <a:ext cx="10515600" cy="612439"/>
           </a:xfrm>
         </p:spPr>
         <p:txBody>
-          <a:bodyPr vertOverflow="overflow" horzOverflow="clip" vert="horz" wrap="square" lIns="91440" tIns="45720" rIns="91440" bIns="45720" numCol="1" spcCol="0" rtlCol="0" fromWordArt="0" anchor="ctr" anchorCtr="0" forceAA="0" upright="0" compatLnSpc="0">
-            <a:normAutofit fontScale="95000" lnSpcReduction="1000"/>
+          <a:bodyPr vertOverflow="overflow" horzOverflow="clip" vert="horz" wrap="square" lIns="91440" tIns="45720" rIns="91440" bIns="45720" numCol="1" spcCol="0" rtlCol="0" fromWordArt="0" anchor="ctr" anchorCtr="0" forceAA="0" compatLnSpc="0">
+            <a:normAutofit fontScale="90000"/>
           </a:bodyPr>
           <a:lstStyle/>
           <a:p>
@@ -34613,14 +34477,14 @@
           </p:nvPr>
         </p:nvSpPr>
         <p:spPr bwMode="auto">
-          <a:xfrm flipH="0" flipV="0">
-            <a:off x="838199" y="1215690"/>
+          <a:xfrm>
+            <a:off x="838198" y="1215690"/>
             <a:ext cx="10994135" cy="5339013"/>
           </a:xfrm>
         </p:spPr>
         <p:txBody>
-          <a:bodyPr vertOverflow="overflow" horzOverflow="clip" vert="horz" wrap="square" lIns="91440" tIns="45720" rIns="91440" bIns="45720" numCol="1" spcCol="0" rtlCol="0" fromWordArt="0" anchor="t" anchorCtr="0" forceAA="0" upright="0" compatLnSpc="0">
-            <a:normAutofit fontScale="85000" lnSpcReduction="3000"/>
+          <a:bodyPr vertOverflow="overflow" horzOverflow="clip" vert="horz" wrap="square" lIns="91440" tIns="45720" rIns="91440" bIns="45720" numCol="1" spcCol="0" rtlCol="0" fromWordArt="0" anchor="t" anchorCtr="0" forceAA="0" compatLnSpc="0">
+            <a:normAutofit fontScale="92500" lnSpcReduction="13000"/>
           </a:bodyPr>
           <a:lstStyle/>
           <a:p>
@@ -34633,7 +34497,7 @@
               <a:rPr sz="2600"/>
               <a:t>Section 1: Overview, motivation, background</a:t>
             </a:r>
-            <a:endParaRPr sz="2600"/>
+            <a:endParaRPr/>
           </a:p>
           <a:p>
             <a:pPr marL="0" indent="0">
@@ -34645,7 +34509,7 @@
               <a:rPr sz="2600"/>
               <a:t>Section 2: How TCQF fits into DetNet architecture</a:t>
             </a:r>
-            <a:endParaRPr sz="2600"/>
+            <a:endParaRPr/>
           </a:p>
           <a:p>
             <a:pPr marL="400050" lvl="1" indent="0">
@@ -34655,9 +34519,21 @@
             </a:pPr>
             <a:r>
               <a:rPr sz="2000" i="1"/>
-              <a:t>But maybe we need architecture extension (P/PE distinguishing) independent of the specification of the mechanism</a:t>
-            </a:r>
-            <a:endParaRPr sz="2000" i="1"/>
+              <a:t>But maybe we need architecture extension (P/PE distinguishing) independent of the specification of the </a:t>
+            </a:r>
+            <a:r>
+              <a:rPr sz="2000" i="1"/>
+              <a:t>mechanism</a:t>
+            </a:r>
+            <a:r>
+              <a:rPr lang="en-US" sz="2000" i="1"/>
+              <a:t> </a:t>
+            </a:r>
+            <a:endParaRPr sz="2000" i="1">
+              <a:solidFill>
+                <a:srgbClr val="0000FF"/>
+              </a:solidFill>
+            </a:endParaRPr>
           </a:p>
           <a:p>
             <a:pPr marL="0" lvl="0" indent="0">
@@ -34669,7 +34545,7 @@
               <a:rPr sz="2600"/>
               <a:t>Section 3: P Mechanism specification – forwarding plane independent</a:t>
             </a:r>
-            <a:endParaRPr sz="2600"/>
+            <a:endParaRPr/>
           </a:p>
           <a:p>
             <a:pPr marL="400050" lvl="1" indent="0">
@@ -34679,9 +34555,215 @@
             </a:pPr>
             <a:r>
               <a:rPr sz="2200"/>
-              <a:t>Per-hop configuration model (cycle mapping)</a:t>
+              <a:t>Per-hop </a:t>
+            </a:r>
+            <a:r>
+              <a:rPr sz="2200"/>
+              <a:t>configuration model (cycle </a:t>
+            </a:r>
+            <a:r>
+              <a:rPr sz="2200"/>
+              <a:t>mapping</a:t>
+            </a:r>
+            <a:r>
+              <a:rPr lang="en-US" sz="2200">
+                <a:solidFill>
+                  <a:srgbClr val="0000FF"/>
+                </a:solidFill>
+              </a:rPr>
+              <a:t> </a:t>
+            </a:r>
+            <a:r>
+              <a:rPr lang="en-US" sz="2200">
+                <a:solidFill>
+                  <a:schemeClr val="tx1"/>
+                </a:solidFill>
+              </a:rPr>
+              <a:t>establishment</a:t>
+            </a:r>
+            <a:r>
+              <a:rPr sz="2200"/>
+              <a:t>)</a:t>
             </a:r>
             <a:endParaRPr sz="2200"/>
+          </a:p>
+          <a:p>
+            <a:pPr marL="400050" lvl="1" indent="0">
+              <a:buNone/>
+              <a:defRPr/>
+            </a:pPr>
+            <a:r>
+              <a:rPr sz="2200"/>
+              <a:t>Per-hop (</a:t>
+            </a:r>
+            <a:r>
+              <a:rPr lang="en-US" sz="2200">
+                <a:solidFill>
+                  <a:schemeClr val="tx1"/>
+                </a:solidFill>
+              </a:rPr>
+              <a:t>P </a:t>
+            </a:r>
+            <a:r>
+              <a:rPr lang="en-US" sz="2200">
+                <a:solidFill>
+                  <a:schemeClr val="tx1"/>
+                </a:solidFill>
+              </a:rPr>
+              <a:t>node</a:t>
+            </a:r>
+            <a:r>
+              <a:rPr sz="2200"/>
+              <a:t>) packet </a:t>
+            </a:r>
+            <a:r>
+              <a:rPr sz="2200"/>
+              <a:t>processing </a:t>
+            </a:r>
+            <a:r>
+              <a:rPr sz="2200"/>
+              <a:t>spec</a:t>
+            </a:r>
+            <a:r>
+              <a:rPr lang="en-US" sz="2200"/>
+              <a:t> </a:t>
+            </a:r>
+            <a:r>
+              <a:rPr lang="en-US" sz="2200"/>
+              <a:t>(</a:t>
+            </a:r>
+            <a:r>
+              <a:rPr lang="en-US" sz="2200">
+                <a:solidFill>
+                  <a:schemeClr val="tx1"/>
+                </a:solidFill>
+              </a:rPr>
+              <a:t>output queue and cycle ID determination</a:t>
+            </a:r>
+            <a:r>
+              <a:rPr lang="en-US" sz="2200"/>
+              <a:t>)</a:t>
+            </a:r>
+            <a:endParaRPr sz="2200"/>
+          </a:p>
+          <a:p>
+            <a:pPr marL="800100" lvl="2" indent="0">
+              <a:buFont typeface="Arial"/>
+              <a:buNone/>
+              <a:defRPr/>
+            </a:pPr>
+            <a:r>
+              <a:rPr/>
+              <a:t>Textual and pseudocode </a:t>
+            </a:r>
+            <a:endParaRPr/>
+          </a:p>
+          <a:p>
+            <a:pPr marL="0" lvl="0" indent="0">
+              <a:buFont typeface="Arial"/>
+              <a:buNone/>
+              <a:defRPr/>
+            </a:pPr>
+            <a:r>
+              <a:rPr sz="2400"/>
+              <a:t>Section 4: </a:t>
+            </a:r>
+            <a:r>
+              <a:rPr sz="2400"/>
+              <a:t>Ingres</a:t>
+            </a:r>
+            <a:r>
+              <a:rPr sz="2400"/>
+              <a:t>s </a:t>
+            </a:r>
+            <a:r>
+              <a:rPr sz="2400"/>
+              <a:t>(</a:t>
+            </a:r>
+            <a:r>
+              <a:rPr sz="2400"/>
+              <a:t>PE</a:t>
+            </a:r>
+            <a:r>
+              <a:rPr lang="en-US" sz="2400"/>
+              <a:t> </a:t>
+            </a:r>
+            <a:r>
+              <a:rPr lang="en-US" sz="2400">
+                <a:solidFill>
+                  <a:schemeClr val="tx1"/>
+                </a:solidFill>
+              </a:rPr>
+              <a:t>node</a:t>
+            </a:r>
+            <a:r>
+              <a:rPr sz="2400"/>
+              <a:t>) </a:t>
+            </a:r>
+            <a:r>
+              <a:rPr sz="2400"/>
+              <a:t>per-flow packet processing spec – forwarding plane </a:t>
+            </a:r>
+            <a:r>
+              <a:rPr sz="2400"/>
+              <a:t>independent</a:t>
+            </a:r>
+            <a:endParaRPr sz="2600">
+              <a:solidFill>
+                <a:srgbClr val="0000FF"/>
+              </a:solidFill>
+            </a:endParaRPr>
+          </a:p>
+          <a:p>
+            <a:pPr marL="800100" lvl="2" indent="0">
+              <a:buFont typeface="Arial"/>
+              <a:buNone/>
+              <a:defRPr/>
+            </a:pPr>
+            <a:r>
+              <a:rPr/>
+              <a:t>Configuration model, forwarding </a:t>
+            </a:r>
+            <a:r>
+              <a:rPr/>
+              <a:t>specification</a:t>
+            </a:r>
+            <a:r>
+              <a:rPr lang="en-US"/>
+              <a:t>, </a:t>
+            </a:r>
+            <a:r>
+              <a:rPr lang="en-US">
+                <a:solidFill>
+                  <a:schemeClr val="tx1"/>
+                </a:solidFill>
+              </a:rPr>
+              <a:t>initial queue and cycle ID determination</a:t>
+            </a:r>
+            <a:r>
+              <a:rPr/>
+              <a:t>:</a:t>
+            </a:r>
+            <a:br>
+              <a:rPr/>
+            </a:br>
+            <a:r>
+              <a:rPr/>
+              <a:t>textual and pseudocode</a:t>
+            </a:r>
+            <a:endParaRPr/>
+          </a:p>
+          <a:p>
+            <a:pPr marL="0" lvl="0" indent="0">
+              <a:buFont typeface="Arial"/>
+              <a:buNone/>
+              <a:defRPr/>
+            </a:pPr>
+            <a:r>
+              <a:rPr sz="2400"/>
+              <a:t>Section 5:</a:t>
+            </a:r>
+            <a:endParaRPr/>
           </a:p>
           <a:p>
             <a:pPr marL="400050" lvl="1" indent="0">
@@ -34690,10 +34772,18 @@
               <a:defRPr/>
             </a:pPr>
             <a:r>
-              <a:rPr sz="2200"/>
-              <a:t>Per-hop (P-P) packet processing spec</a:t>
-            </a:r>
-            <a:endParaRPr sz="2200"/>
+              <a:rPr sz="2000"/>
+              <a:t>Per-encapsulation specifications (header rewrite and other </a:t>
+            </a:r>
+            <a:r>
+              <a:rPr sz="2000"/>
+              <a:t>considertions</a:t>
+            </a:r>
+            <a:r>
+              <a:rPr sz="2000"/>
+              <a:t> – pseudocode, text):</a:t>
+            </a:r>
+            <a:endParaRPr/>
           </a:p>
           <a:p>
             <a:pPr marL="800100" lvl="2" indent="0">
@@ -34702,22 +34792,10 @@
               <a:defRPr/>
             </a:pPr>
             <a:r>
-              <a:rPr/>
-              <a:t>Textual and pseudocode </a:t>
+              <a:rPr sz="2000"/>
+              <a:t>IP/IPv6 DSCP</a:t>
             </a:r>
             <a:endParaRPr/>
-          </a:p>
-          <a:p>
-            <a:pPr marL="0" lvl="0" indent="0">
-              <a:buFont typeface="Arial"/>
-              <a:buNone/>
-              <a:defRPr/>
-            </a:pPr>
-            <a:r>
-              <a:rPr sz="2400"/>
-              <a:t>Section 4: Ingres (PE-&gt;P) per-flow packet processing spec – forwarding plane independent</a:t>
-            </a:r>
-            <a:endParaRPr sz="2600"/>
           </a:p>
           <a:p>
             <a:pPr marL="800100" lvl="2" indent="0">
@@ -34726,58 +34804,10 @@
               <a:defRPr/>
             </a:pPr>
             <a:r>
-              <a:rPr/>
-              <a:t>Configuration model, forwarding specification: textual and pseudocode</a:t>
-            </a:r>
-            <a:endParaRPr/>
-          </a:p>
-          <a:p>
-            <a:pPr marL="0" lvl="0" indent="0">
-              <a:buFont typeface="Arial"/>
-              <a:buNone/>
-              <a:defRPr/>
-            </a:pPr>
-            <a:r>
-              <a:rPr sz="2400"/>
-              <a:t>Section 5:</a:t>
-            </a:r>
-            <a:endParaRPr sz="2400"/>
-          </a:p>
-          <a:p>
-            <a:pPr marL="400050" lvl="1" indent="0">
-              <a:buFont typeface="Arial"/>
-              <a:buNone/>
-              <a:defRPr/>
-            </a:pPr>
-            <a:r>
-              <a:rPr sz="2000"/>
-              <a:t>Per-encapsulation specifications (header rewrite and other considertions – pseudocode, text):</a:t>
-            </a:r>
-            <a:endParaRPr sz="2000"/>
-          </a:p>
-          <a:p>
-            <a:pPr marL="800100" lvl="2" indent="0">
-              <a:buFont typeface="Arial"/>
-              <a:buNone/>
-              <a:defRPr/>
-            </a:pPr>
-            <a:r>
-              <a:rPr sz="2000"/>
-              <a:t>IP/IPv6 DSCP</a:t>
-            </a:r>
-            <a:endParaRPr sz="2000"/>
-          </a:p>
-          <a:p>
-            <a:pPr marL="800100" lvl="2" indent="0">
-              <a:buFont typeface="Arial"/>
-              <a:buNone/>
-              <a:defRPr/>
-            </a:pPr>
-            <a:r>
               <a:rPr sz="2000"/>
               <a:t>MPLS TC</a:t>
             </a:r>
-            <a:endParaRPr sz="2000"/>
+            <a:endParaRPr/>
           </a:p>
           <a:p>
             <a:pPr marL="800100" lvl="2" indent="0">
@@ -34806,6 +34836,13 @@
       <p:transition advClick="1"/>
     </mc:Fallback>
   </mc:AlternateContent>
+  <p:timing>
+    <p:tnLst>
+      <p:par>
+        <p:cTn id="1" dur="indefinite" restart="never" nodeType="tmRoot"/>
+      </p:par>
+    </p:tnLst>
+  </p:timing>
 </p:sld>
 </file>
 
@@ -34837,14 +34874,14 @@
           </p:nvPr>
         </p:nvSpPr>
         <p:spPr bwMode="auto">
-          <a:xfrm flipH="0" flipV="0">
-            <a:off x="838199" y="365124"/>
-            <a:ext cx="10515600" cy="612440"/>
+          <a:xfrm>
+            <a:off x="838198" y="365124"/>
+            <a:ext cx="10515600" cy="612439"/>
           </a:xfrm>
         </p:spPr>
         <p:txBody>
-          <a:bodyPr vertOverflow="overflow" horzOverflow="clip" vert="horz" wrap="square" lIns="91440" tIns="45720" rIns="91440" bIns="45720" numCol="1" spcCol="0" rtlCol="0" fromWordArt="0" anchor="ctr" anchorCtr="0" forceAA="0" upright="0" compatLnSpc="0">
-            <a:normAutofit fontScale="95000" lnSpcReduction="1000"/>
+          <a:bodyPr vertOverflow="overflow" horzOverflow="clip" vert="horz" wrap="square" lIns="91440" tIns="45720" rIns="91440" bIns="45720" numCol="1" spcCol="0" rtlCol="0" fromWordArt="0" anchor="ctr" anchorCtr="0" forceAA="0" compatLnSpc="0">
+            <a:normAutofit fontScale="90000"/>
           </a:bodyPr>
           <a:lstStyle/>
           <a:p>
@@ -34870,13 +34907,13 @@
           </p:nvPr>
         </p:nvSpPr>
         <p:spPr bwMode="auto">
-          <a:xfrm flipH="0" flipV="0">
-            <a:off x="838199" y="1215690"/>
-            <a:ext cx="10515600" cy="5038223"/>
+          <a:xfrm>
+            <a:off x="838198" y="1215690"/>
+            <a:ext cx="10515600" cy="5038222"/>
           </a:xfrm>
         </p:spPr>
         <p:txBody>
-          <a:bodyPr vertOverflow="overflow" horzOverflow="clip" vert="horz" wrap="square" lIns="91440" tIns="45720" rIns="91440" bIns="45720" numCol="1" spcCol="0" rtlCol="0" fromWordArt="0" anchor="t" anchorCtr="0" forceAA="0" upright="0" compatLnSpc="0">
+          <a:bodyPr vertOverflow="overflow" horzOverflow="clip" vert="horz" wrap="square" lIns="91440" tIns="45720" rIns="91440" bIns="45720" numCol="1" spcCol="0" rtlCol="0" fromWordArt="0" anchor="t" anchorCtr="0" forceAA="0" compatLnSpc="0">
             <a:normAutofit fontScale="90000" lnSpcReduction="2000"/>
           </a:bodyPr>
           <a:lstStyle/>
@@ -34890,7 +34927,7 @@
               <a:rPr sz="2600"/>
               <a:t>Section 6: Further considerations</a:t>
             </a:r>
-            <a:endParaRPr sz="2600"/>
+            <a:endParaRPr/>
           </a:p>
           <a:p>
             <a:pPr marL="400050" lvl="1" indent="0">
@@ -34902,7 +34939,7 @@
               <a:rPr sz="2200"/>
               <a:t>High-speed implementation optimizations on ingress</a:t>
             </a:r>
-            <a:endParaRPr sz="2200"/>
+            <a:endParaRPr/>
           </a:p>
           <a:p>
             <a:pPr marL="400050" lvl="1" indent="0">
@@ -34921,7 +34958,7 @@
               <a:rPr sz="2200"/>
               <a:t>    with link latency, different cycle-clock-offsets</a:t>
             </a:r>
-            <a:endParaRPr sz="2200"/>
+            <a:endParaRPr/>
           </a:p>
           <a:p>
             <a:pPr marL="400050" lvl="1" indent="0">
@@ -34940,7 +34977,7 @@
               <a:rPr sz="2200"/>
               <a:t>    controller plane issue!</a:t>
             </a:r>
-            <a:endParaRPr sz="2200"/>
+            <a:endParaRPr/>
           </a:p>
           <a:p>
             <a:pPr marL="400050" lvl="1" indent="0">
@@ -34959,7 +34996,7 @@
               <a:rPr sz="2200"/>
               <a:t>    applicability to centralized vs. Decentralized controller plane</a:t>
             </a:r>
-            <a:endParaRPr sz="2200"/>
+            <a:endParaRPr/>
           </a:p>
           <a:p>
             <a:pPr marL="0" lvl="0" indent="0">
@@ -34979,7 +35016,7 @@
               <a:rPr sz="2600"/>
               <a:t>References</a:t>
             </a:r>
-            <a:endParaRPr sz="2600"/>
+            <a:endParaRPr/>
           </a:p>
           <a:p>
             <a:pPr marL="400050" lvl="1" indent="0">
@@ -34991,7 +35028,7 @@
               <a:rPr sz="2200"/>
               <a:t>Validation references,...</a:t>
             </a:r>
-            <a:endParaRPr sz="2200"/>
+            <a:endParaRPr/>
           </a:p>
           <a:p>
             <a:pPr marL="400050" lvl="1" indent="0">
@@ -35036,6 +35073,13 @@
       <p:transition advClick="1"/>
     </mc:Fallback>
   </mc:AlternateContent>
+  <p:timing>
+    <p:tnLst>
+      <p:par>
+        <p:cTn id="1" dur="indefinite" restart="never" nodeType="tmRoot"/>
+      </p:par>
+    </p:tnLst>
+  </p:timing>
 </p:sld>
 </file>
 
@@ -35067,13 +35111,13 @@
           </p:nvPr>
         </p:nvSpPr>
         <p:spPr bwMode="auto">
-          <a:xfrm flipH="0" flipV="0">
+          <a:xfrm>
             <a:off x="669626" y="180311"/>
             <a:ext cx="10684172" cy="871703"/>
           </a:xfrm>
         </p:spPr>
         <p:txBody>
-          <a:bodyPr vertOverflow="overflow" horzOverflow="clip" vert="horz" wrap="square" lIns="91440" tIns="45720" rIns="91440" bIns="45720" numCol="1" spcCol="0" rtlCol="0" fromWordArt="0" anchor="ctr" anchorCtr="0" forceAA="0" upright="0" compatLnSpc="0">
+          <a:bodyPr vertOverflow="overflow" horzOverflow="clip" vert="horz" wrap="square" lIns="91440" tIns="45720" rIns="91440" bIns="45720" numCol="1" spcCol="0" rtlCol="0" fromWordArt="0" anchor="ctr" anchorCtr="0" forceAA="0" compatLnSpc="0">
             <a:normAutofit/>
           </a:bodyPr>
           <a:lstStyle/>
@@ -35100,13 +35144,13 @@
           </p:nvPr>
         </p:nvSpPr>
         <p:spPr bwMode="auto">
-          <a:xfrm flipH="0" flipV="0">
+          <a:xfrm>
             <a:off x="584328" y="1236828"/>
             <a:ext cx="11387350" cy="5501753"/>
           </a:xfrm>
         </p:spPr>
         <p:txBody>
-          <a:bodyPr vertOverflow="overflow" horzOverflow="clip" vert="horz" wrap="square" lIns="91440" tIns="45720" rIns="91440" bIns="45720" numCol="1" spcCol="0" rtlCol="0" fromWordArt="0" anchor="t" anchorCtr="0" forceAA="0" upright="0" compatLnSpc="0">
+          <a:bodyPr vertOverflow="overflow" horzOverflow="clip" vert="horz" wrap="square" lIns="91440" tIns="45720" rIns="91440" bIns="45720" numCol="1" spcCol="0" rtlCol="0" fromWordArt="0" anchor="t" anchorCtr="0" forceAA="0" compatLnSpc="0">
             <a:normAutofit/>
           </a:bodyPr>
           <a:lstStyle/>
@@ -35125,14 +35169,7 @@
               </a:rPr>
               <a:t>Historic drafts</a:t>
             </a:r>
-            <a:endParaRPr sz="2200" b="0" i="0" u="none">
-              <a:solidFill>
-                <a:schemeClr val="tx1"/>
-              </a:solidFill>
-              <a:latin typeface="Arial"/>
-              <a:ea typeface="Arial"/>
-              <a:cs typeface="Arial"/>
-            </a:endParaRPr>
+            <a:endParaRPr/>
           </a:p>
           <a:p>
             <a:pPr lvl="1">
@@ -35147,7 +35184,73 @@
                 <a:ea typeface="Arial"/>
                 <a:cs typeface="Arial"/>
               </a:rPr>
-              <a:t>2018 - 2019: draft-qiang-detnet-large-scale-detnet (00-05)</a:t>
+              <a:t>2018 - 2019: draft-</a:t>
+            </a:r>
+            <a:r>
+              <a:rPr sz="1800" b="0" i="0" u="none">
+                <a:solidFill>
+                  <a:schemeClr val="tx1"/>
+                </a:solidFill>
+                <a:latin typeface="Arial"/>
+                <a:ea typeface="Arial"/>
+                <a:cs typeface="Arial"/>
+              </a:rPr>
+              <a:t>qiang</a:t>
+            </a:r>
+            <a:r>
+              <a:rPr sz="1800" b="0" i="0" u="none">
+                <a:solidFill>
+                  <a:schemeClr val="tx1"/>
+                </a:solidFill>
+                <a:latin typeface="Arial"/>
+                <a:ea typeface="Arial"/>
+                <a:cs typeface="Arial"/>
+              </a:rPr>
+              <a:t>-</a:t>
+            </a:r>
+            <a:r>
+              <a:rPr sz="1800" b="0" i="0" u="none">
+                <a:solidFill>
+                  <a:schemeClr val="tx1"/>
+                </a:solidFill>
+                <a:latin typeface="Arial"/>
+                <a:ea typeface="Arial"/>
+                <a:cs typeface="Arial"/>
+              </a:rPr>
+              <a:t>detnet</a:t>
+            </a:r>
+            <a:r>
+              <a:rPr sz="1800" b="0" i="0" u="none">
+                <a:solidFill>
+                  <a:schemeClr val="tx1"/>
+                </a:solidFill>
+                <a:latin typeface="Arial"/>
+                <a:ea typeface="Arial"/>
+                <a:cs typeface="Arial"/>
+              </a:rPr>
+              <a:t>-large-scale-</a:t>
+            </a:r>
+            <a:r>
+              <a:rPr sz="1800" b="0" i="0" u="none">
+                <a:solidFill>
+                  <a:schemeClr val="tx1"/>
+                </a:solidFill>
+                <a:latin typeface="Arial"/>
+                <a:ea typeface="Arial"/>
+                <a:cs typeface="Arial"/>
+              </a:rPr>
+              <a:t>detnet</a:t>
+            </a:r>
+            <a:r>
+              <a:rPr sz="1800" b="0" i="0" u="none">
+                <a:solidFill>
+                  <a:schemeClr val="tx1"/>
+                </a:solidFill>
+                <a:latin typeface="Arial"/>
+                <a:ea typeface="Arial"/>
+                <a:cs typeface="Arial"/>
+              </a:rPr>
+              <a:t> (00-05)</a:t>
             </a:r>
             <a:endParaRPr sz="2200" b="0" i="0" u="none">
               <a:solidFill>
@@ -35182,7 +35285,73 @@
                 <a:ea typeface="Arial"/>
                 <a:cs typeface="Arial"/>
               </a:rPr>
-              <a:t>Li Qiang, Xuesong Geng, Bingyang Liu, Toerless Eckert, Liang Geng, Guangpeng Li </a:t>
+              <a:t>Li </a:t>
+            </a:r>
+            <a:r>
+              <a:rPr lang="en-US" sz="1400" b="0" i="0" u="none" strike="noStrike" cap="none" spc="0">
+                <a:solidFill>
+                  <a:schemeClr val="tx1"/>
+                </a:solidFill>
+                <a:latin typeface="Arial"/>
+                <a:ea typeface="Arial"/>
+                <a:cs typeface="Arial"/>
+              </a:rPr>
+              <a:t>Qiang</a:t>
+            </a:r>
+            <a:r>
+              <a:rPr lang="en-US" sz="1400" b="0" i="0" u="none" strike="noStrike" cap="none" spc="0">
+                <a:solidFill>
+                  <a:schemeClr val="tx1"/>
+                </a:solidFill>
+                <a:latin typeface="Arial"/>
+                <a:ea typeface="Arial"/>
+                <a:cs typeface="Arial"/>
+              </a:rPr>
+              <a:t>, Xuesong Geng, </a:t>
+            </a:r>
+            <a:r>
+              <a:rPr lang="en-US" sz="1400" b="0" i="0" u="none" strike="noStrike" cap="none" spc="0">
+                <a:solidFill>
+                  <a:schemeClr val="tx1"/>
+                </a:solidFill>
+                <a:latin typeface="Arial"/>
+                <a:ea typeface="Arial"/>
+                <a:cs typeface="Arial"/>
+              </a:rPr>
+              <a:t>Bingyang</a:t>
+            </a:r>
+            <a:r>
+              <a:rPr lang="en-US" sz="1400" b="0" i="0" u="none" strike="noStrike" cap="none" spc="0">
+                <a:solidFill>
+                  <a:schemeClr val="tx1"/>
+                </a:solidFill>
+                <a:latin typeface="Arial"/>
+                <a:ea typeface="Arial"/>
+                <a:cs typeface="Arial"/>
+              </a:rPr>
+              <a:t> Liu, Toerless Eckert, Liang Geng, </a:t>
+            </a:r>
+            <a:r>
+              <a:rPr lang="en-US" sz="1400" b="0" i="0" u="none" strike="noStrike" cap="none" spc="0">
+                <a:solidFill>
+                  <a:schemeClr val="tx1"/>
+                </a:solidFill>
+                <a:latin typeface="Arial"/>
+                <a:ea typeface="Arial"/>
+                <a:cs typeface="Arial"/>
+              </a:rPr>
+              <a:t>Guangpeng</a:t>
+            </a:r>
+            <a:r>
+              <a:rPr lang="en-US" sz="1400" b="0" i="0" u="none" strike="noStrike" cap="none" spc="0">
+                <a:solidFill>
+                  <a:schemeClr val="tx1"/>
+                </a:solidFill>
+                <a:latin typeface="Arial"/>
+                <a:ea typeface="Arial"/>
+                <a:cs typeface="Arial"/>
+              </a:rPr>
+              <a:t> Li </a:t>
             </a:r>
             <a:endParaRPr lang="en-US" sz="1800" b="0" i="0" u="none" strike="noStrike" cap="none" spc="0">
               <a:solidFill>
@@ -35206,18 +35375,7 @@
                 <a:ea typeface="Arial"/>
                 <a:cs typeface="Arial"/>
               </a:rPr>
-              <a:t>2019: </a:t>
-            </a:r>
-            <a:r>
-              <a:rPr lang="en-US" sz="1800" b="0" i="0" u="none" strike="noStrike" cap="none" spc="0">
-                <a:solidFill>
-                  <a:schemeClr val="tx1"/>
-                </a:solidFill>
-                <a:latin typeface="Arial"/>
-                <a:ea typeface="Arial"/>
-                <a:cs typeface="Arial"/>
-              </a:rPr>
-              <a:t>draft-chen-mpls-cqf-lsp-dp-00</a:t>
+              <a:t>2019: draft-chen-mpls-cqf-lsp-dp-00</a:t>
             </a:r>
             <a:endParaRPr lang="en-US" sz="2200" b="0" i="0" u="none" strike="noStrike" cap="none" spc="0">
               <a:solidFill>
@@ -35241,7 +35399,18 @@
                 <a:ea typeface="Arial"/>
                 <a:cs typeface="Arial"/>
               </a:rPr>
-              <a:t>Zhe Chen, (Christina) Li Qiang</a:t>
+              <a:t>Zhe Chen, (Christina) Li </a:t>
+            </a:r>
+            <a:r>
+              <a:rPr lang="en-US" sz="1400" b="0" i="0" u="none" strike="noStrike" cap="none" spc="0">
+                <a:solidFill>
+                  <a:schemeClr val="tx1"/>
+                </a:solidFill>
+                <a:latin typeface="Arial"/>
+                <a:ea typeface="Arial"/>
+                <a:cs typeface="Arial"/>
+              </a:rPr>
+              <a:t>Qiang</a:t>
             </a:r>
             <a:endParaRPr lang="en-US" sz="1800" b="0" i="0" u="none" strike="noStrike" cap="none" spc="0">
               <a:solidFill>
@@ -35289,16 +35458,20 @@
                 <a:ea typeface="Arial"/>
                 <a:cs typeface="Arial"/>
               </a:rPr>
-              <a:t>Bingyang Liu, Joanna Dang </a:t>
-            </a:r>
-            <a:endParaRPr lang="en-US" sz="1400" b="0" i="0" u="none" strike="noStrike" cap="none" spc="0">
-              <a:solidFill>
-                <a:schemeClr val="tx1"/>
-              </a:solidFill>
-              <a:latin typeface="Arial"/>
-              <a:ea typeface="Arial"/>
-              <a:cs typeface="Arial"/>
-            </a:endParaRPr>
+              <a:t>Bingyang</a:t>
+            </a:r>
+            <a:r>
+              <a:rPr lang="en-US" sz="1400" b="0" i="0" u="none" strike="noStrike" cap="none" spc="0">
+                <a:solidFill>
+                  <a:schemeClr val="tx1"/>
+                </a:solidFill>
+                <a:latin typeface="Arial"/>
+                <a:ea typeface="Arial"/>
+                <a:cs typeface="Arial"/>
+              </a:rPr>
+              <a:t> Liu, Joanna Dang </a:t>
+            </a:r>
+            <a:endParaRPr/>
           </a:p>
           <a:p>
             <a:pPr lvl="1">
@@ -35313,7 +35486,40 @@
                 <a:ea typeface="Arial"/>
                 <a:cs typeface="Arial"/>
               </a:rPr>
-              <a:t>2021: draft-eckert-detnet-mpls-tc-tcqf</a:t>
+              <a:t>2021: draft-</a:t>
+            </a:r>
+            <a:r>
+              <a:rPr lang="en-US" sz="1800" b="0" i="0" u="none" strike="noStrike" cap="none" spc="0">
+                <a:solidFill>
+                  <a:schemeClr val="tx1"/>
+                </a:solidFill>
+                <a:latin typeface="Arial"/>
+                <a:ea typeface="Arial"/>
+                <a:cs typeface="Arial"/>
+              </a:rPr>
+              <a:t>eckert</a:t>
+            </a:r>
+            <a:r>
+              <a:rPr lang="en-US" sz="1800" b="0" i="0" u="none" strike="noStrike" cap="none" spc="0">
+                <a:solidFill>
+                  <a:schemeClr val="tx1"/>
+                </a:solidFill>
+                <a:latin typeface="Arial"/>
+                <a:ea typeface="Arial"/>
+                <a:cs typeface="Arial"/>
+              </a:rPr>
+              <a:t>-</a:t>
+            </a:r>
+            <a:r>
+              <a:rPr lang="en-US" sz="1800" b="0" i="0" u="none" strike="noStrike" cap="none" spc="0">
+                <a:solidFill>
+                  <a:schemeClr val="tx1"/>
+                </a:solidFill>
+                <a:latin typeface="Arial"/>
+                <a:ea typeface="Arial"/>
+                <a:cs typeface="Arial"/>
+              </a:rPr>
+              <a:t>detnet-mpls-tc-tcqf</a:t>
             </a:r>
             <a:endParaRPr lang="en-US" sz="1800" b="0" i="0" u="none" strike="noStrike" cap="none" spc="0">
               <a:solidFill>
@@ -35337,21 +35543,8 @@
                 <a:ea typeface="Arial"/>
                 <a:cs typeface="Arial"/>
               </a:rPr>
-              <a:t>Toerless Eckert , Stewart Bryant , Andrew G. Malis , Guangpeng Li </a:t>
-            </a:r>
-            <a:endParaRPr lang="en-US" sz="1400" b="0" i="0" u="none" strike="noStrike" cap="none" spc="0">
-              <a:solidFill>
-                <a:schemeClr val="tx1"/>
-              </a:solidFill>
-              <a:latin typeface="Arial"/>
-              <a:ea typeface="Arial"/>
-              <a:cs typeface="Arial"/>
-            </a:endParaRPr>
-          </a:p>
-          <a:p>
-            <a:pPr lvl="2">
-              <a:defRPr/>
-            </a:pPr>
+              <a:t>Toerless Eckert , Stewart Bryant , Andrew G. </a:t>
+            </a:r>
             <a:r>
               <a:rPr lang="en-US" sz="1400" b="0" i="0" u="none" strike="noStrike" cap="none" spc="0">
                 <a:solidFill>
@@ -35361,16 +35554,81 @@
                 <a:ea typeface="Arial"/>
                 <a:cs typeface="Arial"/>
               </a:rPr>
-              <a:t>Prior drafts all focussed on mechanism (only)</a:t>
-            </a:r>
-            <a:endParaRPr lang="en-US" sz="1400" b="0" i="0" u="none" strike="noStrike" cap="none" spc="0">
-              <a:solidFill>
-                <a:schemeClr val="tx1"/>
-              </a:solidFill>
-              <a:latin typeface="Arial"/>
-              <a:ea typeface="Arial"/>
-              <a:cs typeface="Arial"/>
-            </a:endParaRPr>
+              <a:t>Malis</a:t>
+            </a:r>
+            <a:r>
+              <a:rPr lang="en-US" sz="1400" b="0" i="0" u="none" strike="noStrike" cap="none" spc="0">
+                <a:solidFill>
+                  <a:schemeClr val="tx1"/>
+                </a:solidFill>
+                <a:latin typeface="Arial"/>
+                <a:ea typeface="Arial"/>
+                <a:cs typeface="Arial"/>
+              </a:rPr>
+              <a:t> , </a:t>
+            </a:r>
+            <a:r>
+              <a:rPr lang="en-US" sz="1400" b="0" i="0" u="none" strike="noStrike" cap="none" spc="0">
+                <a:solidFill>
+                  <a:schemeClr val="tx1"/>
+                </a:solidFill>
+                <a:latin typeface="Arial"/>
+                <a:ea typeface="Arial"/>
+                <a:cs typeface="Arial"/>
+              </a:rPr>
+              <a:t>Guangpeng</a:t>
+            </a:r>
+            <a:r>
+              <a:rPr lang="en-US" sz="1400" b="0" i="0" u="none" strike="noStrike" cap="none" spc="0">
+                <a:solidFill>
+                  <a:schemeClr val="tx1"/>
+                </a:solidFill>
+                <a:latin typeface="Arial"/>
+                <a:ea typeface="Arial"/>
+                <a:cs typeface="Arial"/>
+              </a:rPr>
+              <a:t> Li </a:t>
+            </a:r>
+            <a:endParaRPr/>
+          </a:p>
+          <a:p>
+            <a:pPr lvl="2">
+              <a:defRPr/>
+            </a:pPr>
+            <a:r>
+              <a:rPr lang="en-US" sz="1400" b="0" i="0" u="none" strike="noStrike" cap="none" spc="0">
+                <a:solidFill>
+                  <a:schemeClr val="tx1"/>
+                </a:solidFill>
+                <a:latin typeface="Arial"/>
+                <a:ea typeface="Arial"/>
+                <a:cs typeface="Arial"/>
+              </a:rPr>
+              <a:t>Prior drafts all </a:t>
+            </a:r>
+            <a:r>
+              <a:rPr lang="en-US" sz="1400" b="0" i="0" u="none" strike="noStrike" cap="none" spc="0">
+                <a:solidFill>
+                  <a:schemeClr val="tx1"/>
+                </a:solidFill>
+                <a:latin typeface="Arial"/>
+                <a:ea typeface="Arial"/>
+                <a:cs typeface="Arial"/>
+              </a:rPr>
+              <a:t>focussed</a:t>
+            </a:r>
+            <a:r>
+              <a:rPr lang="en-US" sz="1400" b="0" i="0" u="none" strike="noStrike" cap="none" spc="0">
+                <a:solidFill>
+                  <a:schemeClr val="tx1"/>
+                </a:solidFill>
+                <a:latin typeface="Arial"/>
+                <a:ea typeface="Arial"/>
+                <a:cs typeface="Arial"/>
+              </a:rPr>
+              <a:t> on mechanism (only)</a:t>
+            </a:r>
+            <a:endParaRPr/>
           </a:p>
           <a:p>
             <a:pPr lvl="2">
@@ -35429,14 +35687,7 @@
               </a:rPr>
               <a:t>Then David Black cleared up confusion about DSCP...</a:t>
             </a:r>
-            <a:endParaRPr lang="en-US" sz="1400" b="0" i="0" u="none" strike="noStrike" cap="none" spc="0">
-              <a:solidFill>
-                <a:schemeClr val="tx1"/>
-              </a:solidFill>
-              <a:latin typeface="Arial"/>
-              <a:ea typeface="Arial"/>
-              <a:cs typeface="Arial"/>
-            </a:endParaRPr>
+            <a:endParaRPr/>
           </a:p>
           <a:p>
             <a:pPr lvl="0">
@@ -35499,7 +35750,73 @@
                 <a:ea typeface="Arial"/>
                 <a:cs typeface="Arial"/>
               </a:rPr>
-              <a:t>From –mpls-tc-tcqf, added IP/DSCP encap (intradomain!).</a:t>
+              <a:t>From –</a:t>
+            </a:r>
+            <a:r>
+              <a:rPr lang="en-US" sz="1400" b="0" i="0" u="none" strike="noStrike" cap="none" spc="0">
+                <a:solidFill>
+                  <a:schemeClr val="tx1"/>
+                </a:solidFill>
+                <a:latin typeface="Arial"/>
+                <a:ea typeface="Arial"/>
+                <a:cs typeface="Arial"/>
+              </a:rPr>
+              <a:t>mpls-tc-tcqf</a:t>
+            </a:r>
+            <a:r>
+              <a:rPr lang="en-US" sz="1400" b="0" i="0" u="none" strike="noStrike" cap="none" spc="0">
+                <a:solidFill>
+                  <a:schemeClr val="tx1"/>
+                </a:solidFill>
+                <a:latin typeface="Arial"/>
+                <a:ea typeface="Arial"/>
+                <a:cs typeface="Arial"/>
+              </a:rPr>
+              <a:t>, added IP/DSCP </a:t>
+            </a:r>
+            <a:r>
+              <a:rPr lang="en-US" sz="1400" b="0" i="0" u="none" strike="noStrike" cap="none" spc="0">
+                <a:solidFill>
+                  <a:schemeClr val="tx1"/>
+                </a:solidFill>
+                <a:latin typeface="Arial"/>
+                <a:ea typeface="Arial"/>
+                <a:cs typeface="Arial"/>
+              </a:rPr>
+              <a:t>encap</a:t>
+            </a:r>
+            <a:r>
+              <a:rPr lang="en-US" sz="1400" b="0" i="0" u="none" strike="noStrike" cap="none" spc="0">
+                <a:solidFill>
+                  <a:schemeClr val="tx1"/>
+                </a:solidFill>
+                <a:latin typeface="Arial"/>
+                <a:ea typeface="Arial"/>
+                <a:cs typeface="Arial"/>
+              </a:rPr>
+              <a:t> (</a:t>
+            </a:r>
+            <a:r>
+              <a:rPr lang="en-US" sz="1400" b="0" i="0" u="none" strike="noStrike" cap="none" spc="0">
+                <a:solidFill>
+                  <a:schemeClr val="tx1"/>
+                </a:solidFill>
+                <a:latin typeface="Arial"/>
+                <a:ea typeface="Arial"/>
+                <a:cs typeface="Arial"/>
+              </a:rPr>
+              <a:t>intradomain</a:t>
+            </a:r>
+            <a:r>
+              <a:rPr lang="en-US" sz="1400" b="0" i="0" u="none" strike="noStrike" cap="none" spc="0">
+                <a:solidFill>
+                  <a:schemeClr val="tx1"/>
+                </a:solidFill>
+                <a:latin typeface="Arial"/>
+                <a:ea typeface="Arial"/>
+                <a:cs typeface="Arial"/>
+              </a:rPr>
+              <a:t>!).</a:t>
             </a:r>
             <a:endParaRPr lang="en-US" sz="1800" b="0" i="0" u="none" strike="noStrike" cap="none" spc="0">
               <a:solidFill>
@@ -35547,21 +35864,8 @@
                 <a:ea typeface="Arial"/>
                 <a:cs typeface="Arial"/>
               </a:rPr>
-              <a:t>Yizhou Li, Shoushou Ren, Guangpeng Li, Fan Yang, Jeong-dong Ryoo, Peng Liu</a:t>
-            </a:r>
-            <a:endParaRPr lang="en-US" sz="1400" b="0" i="0" u="none" strike="noStrike" cap="none" spc="0">
-              <a:solidFill>
-                <a:schemeClr val="tx1"/>
-              </a:solidFill>
-              <a:latin typeface="Arial"/>
-              <a:ea typeface="Arial"/>
-              <a:cs typeface="Arial"/>
-            </a:endParaRPr>
-          </a:p>
-          <a:p>
-            <a:pPr lvl="2">
-              <a:defRPr/>
-            </a:pPr>
+              <a:t>Yizhou Li, </a:t>
+            </a:r>
             <a:r>
               <a:rPr lang="en-US" sz="1400" b="0" i="0" u="none" strike="noStrike" cap="none" spc="0">
                 <a:solidFill>
@@ -35571,11 +35875,94 @@
                 <a:ea typeface="Arial"/>
                 <a:cs typeface="Arial"/>
               </a:rPr>
-              <a:t>Proposed / discusses IPv6 new header options – and more deteails of CQF-&gt;TCQF evolution</a:t>
+              <a:t>Shoushou</a:t>
+            </a:r>
+            <a:r>
+              <a:rPr lang="en-US" sz="1400" b="0" i="0" u="none" strike="noStrike" cap="none" spc="0">
+                <a:solidFill>
+                  <a:schemeClr val="tx1"/>
+                </a:solidFill>
+                <a:latin typeface="Arial"/>
+                <a:ea typeface="Arial"/>
+                <a:cs typeface="Arial"/>
+              </a:rPr>
+              <a:t> Ren, </a:t>
+            </a:r>
+            <a:r>
+              <a:rPr lang="en-US" sz="1400" b="0" i="0" u="none" strike="noStrike" cap="none" spc="0">
+                <a:solidFill>
+                  <a:schemeClr val="tx1"/>
+                </a:solidFill>
+                <a:latin typeface="Arial"/>
+                <a:ea typeface="Arial"/>
+                <a:cs typeface="Arial"/>
+              </a:rPr>
+              <a:t>Guangpeng</a:t>
+            </a:r>
+            <a:r>
+              <a:rPr lang="en-US" sz="1400" b="0" i="0" u="none" strike="noStrike" cap="none" spc="0">
+                <a:solidFill>
+                  <a:schemeClr val="tx1"/>
+                </a:solidFill>
+                <a:latin typeface="Arial"/>
+                <a:ea typeface="Arial"/>
+                <a:cs typeface="Arial"/>
+              </a:rPr>
+              <a:t> Li, Fan Yang, Jeong-dong Ryoo, Peng Liu</a:t>
+            </a:r>
+            <a:endParaRPr/>
+          </a:p>
+          <a:p>
+            <a:pPr lvl="2">
+              <a:defRPr/>
+            </a:pPr>
+            <a:r>
+              <a:rPr lang="en-US" sz="1400" b="0" i="0" u="none" strike="noStrike" cap="none" spc="0">
+                <a:solidFill>
+                  <a:schemeClr val="tx1"/>
+                </a:solidFill>
+                <a:latin typeface="Arial"/>
+                <a:ea typeface="Arial"/>
+                <a:cs typeface="Arial"/>
+              </a:rPr>
+              <a:t>Proposed / discusses IPv6 new header options – and more </a:t>
+            </a:r>
+            <a:r>
+              <a:rPr lang="en-US" sz="1400" b="0" i="0" u="none" strike="noStrike" cap="none" spc="0">
+                <a:solidFill>
+                  <a:schemeClr val="tx1"/>
+                </a:solidFill>
+                <a:latin typeface="Arial"/>
+                <a:ea typeface="Arial"/>
+                <a:cs typeface="Arial"/>
+              </a:rPr>
+              <a:t>deteails</a:t>
+            </a:r>
+            <a:r>
+              <a:rPr lang="en-US" sz="1400" b="0" i="0" u="none" strike="noStrike" cap="none" spc="0">
+                <a:solidFill>
+                  <a:schemeClr val="tx1"/>
+                </a:solidFill>
+                <a:latin typeface="Arial"/>
+                <a:ea typeface="Arial"/>
+                <a:cs typeface="Arial"/>
+              </a:rPr>
+              <a:t> of CQF-&gt;TCQF </a:t>
+            </a:r>
+            <a:r>
+              <a:rPr lang="en-US" sz="1400" b="0" i="0" u="none" strike="noStrike" cap="none" spc="0">
+                <a:solidFill>
+                  <a:srgbClr val="0000FF"/>
+                </a:solidFill>
+                <a:latin typeface="Arial"/>
+                <a:ea typeface="Arial"/>
+                <a:cs typeface="Arial"/>
+              </a:rPr>
+              <a:t>evolution to meet the scaling requirement</a:t>
             </a:r>
             <a:endParaRPr lang="en-US" sz="2200" b="0" i="0" u="none" strike="noStrike" cap="none" spc="0">
               <a:solidFill>
-                <a:schemeClr val="tx1"/>
+                <a:srgbClr val="0000FF"/>
               </a:solidFill>
               <a:latin typeface="Arial"/>
               <a:ea typeface="Arial"/>
@@ -35597,6 +35984,13 @@
       <p:transition advClick="1"/>
     </mc:Fallback>
   </mc:AlternateContent>
+  <p:timing>
+    <p:tnLst>
+      <p:par>
+        <p:cTn id="1" dur="indefinite" restart="never" nodeType="tmRoot"/>
+      </p:par>
+    </p:tnLst>
+  </p:timing>
 </p:sld>
 </file>
 
@@ -35628,14 +36022,14 @@
           </p:nvPr>
         </p:nvSpPr>
         <p:spPr bwMode="auto">
-          <a:xfrm flipH="0" flipV="0">
+          <a:xfrm>
             <a:off x="256267" y="365124"/>
             <a:ext cx="10949961" cy="520297"/>
           </a:xfrm>
         </p:spPr>
         <p:txBody>
-          <a:bodyPr vertOverflow="overflow" horzOverflow="clip" vert="horz" wrap="square" lIns="91440" tIns="45720" rIns="91440" bIns="45720" numCol="1" spcCol="0" rtlCol="0" fromWordArt="0" anchor="ctr" anchorCtr="0" forceAA="0" upright="0" compatLnSpc="0">
-            <a:normAutofit fontScale="95000" lnSpcReduction="1000"/>
+          <a:bodyPr vertOverflow="overflow" horzOverflow="clip" vert="horz" wrap="square" lIns="91440" tIns="45720" rIns="91440" bIns="45720" numCol="1" spcCol="0" rtlCol="0" fromWordArt="0" anchor="ctr" anchorCtr="0" forceAA="0" compatLnSpc="0">
+            <a:normAutofit fontScale="90000"/>
           </a:bodyPr>
           <a:lstStyle/>
           <a:p>
@@ -35668,13 +36062,13 @@
           </p:nvPr>
         </p:nvSpPr>
         <p:spPr bwMode="auto">
-          <a:xfrm flipH="0" flipV="0">
+          <a:xfrm>
             <a:off x="336760" y="759428"/>
             <a:ext cx="6385774" cy="5787331"/>
           </a:xfrm>
         </p:spPr>
         <p:txBody>
-          <a:bodyPr vertOverflow="overflow" horzOverflow="clip" vert="horz" wrap="square" lIns="91440" tIns="45720" rIns="91440" bIns="45720" numCol="1" spcCol="0" rtlCol="0" fromWordArt="0" anchor="t" anchorCtr="0" forceAA="0" upright="0" compatLnSpc="0">
+          <a:bodyPr vertOverflow="overflow" horzOverflow="clip" vert="horz" wrap="square" lIns="91440" tIns="45720" rIns="91440" bIns="45720" numCol="1" spcCol="0" rtlCol="0" fromWordArt="0" anchor="t" anchorCtr="0" forceAA="0" compatLnSpc="0">
             <a:normAutofit fontScale="95000" lnSpcReduction="1000"/>
           </a:bodyPr>
           <a:lstStyle/>
@@ -35786,18 +36180,7 @@
                 <a:ea typeface="Arial"/>
                 <a:cs typeface="Arial"/>
               </a:rPr>
-              <a:t> </a:t>
-            </a:r>
-            <a:r>
-              <a:rPr lang="en-US" sz="1400" b="0" i="0" u="none" strike="noStrike" cap="none" spc="0">
-                <a:solidFill>
-                  <a:schemeClr val="tx1"/>
-                </a:solidFill>
-                <a:latin typeface="Arial"/>
-                <a:ea typeface="Arial"/>
-                <a:cs typeface="Arial"/>
-              </a:rPr>
-              <a:t>†Bingyang Liu, †Shoushou Ren, †Chuang Wang, ∗Vincent Angilella,,  </a:t>
+              <a:t> †Bingyang Liu, †Shoushou Ren, †Chuang Wang, ∗Vincent Angilella,,  </a:t>
             </a:r>
             <a:br>
               <a:rPr lang="en-US" sz="1400" b="0" i="0" u="none" strike="noStrike" cap="none" spc="0">
@@ -35818,29 +36201,7 @@
                 <a:ea typeface="Arial"/>
                 <a:cs typeface="Arial"/>
               </a:rPr>
-              <a:t>  </a:t>
-            </a:r>
-            <a:r>
-              <a:rPr lang="en-US" sz="1400" b="0" i="0" u="none" strike="noStrike" cap="none" spc="0">
-                <a:solidFill>
-                  <a:schemeClr val="tx1"/>
-                </a:solidFill>
-                <a:latin typeface="Arial"/>
-                <a:ea typeface="Arial"/>
-                <a:cs typeface="Arial"/>
-              </a:rPr>
-              <a:t>Paolo Medagliani, ∗Sebastien Martin, ∗, </a:t>
-            </a:r>
-            <a:r>
-              <a:rPr lang="en-US" sz="1400" b="0" i="0" u="none" strike="noStrike" cap="none" spc="0">
-                <a:solidFill>
-                  <a:schemeClr val="tx1"/>
-                </a:solidFill>
-                <a:latin typeface="Arial"/>
-                <a:ea typeface="Arial"/>
-                <a:cs typeface="Arial"/>
-              </a:rPr>
-              <a:t>Jeremie Leguay</a:t>
+              <a:t>  Paolo Medagliani, ∗Sebastien Martin, ∗, Jeremie Leguay</a:t>
             </a:r>
             <a:endParaRPr sz="1400" b="0" i="0" u="none" strike="noStrike" cap="none" spc="0">
               <a:solidFill>
@@ -36015,7 +36376,7 @@
               <a:rPr sz="1800"/>
               <a:t>Omnet++ Simulation</a:t>
             </a:r>
-            <a:endParaRPr sz="1800"/>
+            <a:endParaRPr/>
           </a:p>
           <a:p>
             <a:pPr lvl="1">
@@ -36032,13 +36393,13 @@
               <a:rPr sz="1600"/>
               <a:t> and 1944 links</a:t>
             </a:r>
-            <a:endParaRPr sz="1600"/>
+            <a:endParaRPr/>
           </a:p>
         </p:txBody>
       </p:sp>
       <p:pic>
         <p:nvPicPr>
-          <p:cNvPr id="904364076" name="" hidden="0"/>
+          <p:cNvPr id="904364076" name="图片 904364075" hidden="0"/>
           <p:cNvPicPr>
             <a:picLocks noChangeAspect="1"/>
           </p:cNvPicPr>
@@ -36049,7 +36410,7 @@
           <a:stretch/>
         </p:blipFill>
         <p:spPr bwMode="auto">
-          <a:xfrm flipH="0" flipV="0">
+          <a:xfrm>
             <a:off x="6647732" y="1003555"/>
             <a:ext cx="5510728" cy="1746620"/>
           </a:xfrm>
@@ -36058,9 +36419,42 @@
           </a:prstGeom>
         </p:spPr>
       </p:pic>
+      <p:sp>
+        <p:nvSpPr>
+          <p:cNvPr id="739628198" name="文本框 739628197" hidden="0"/>
+          <p:cNvSpPr txBox="1"/>
+          <p:nvPr isPhoto="0" userDrawn="0"/>
+        </p:nvSpPr>
+        <p:spPr bwMode="auto">
+          <a:xfrm>
+            <a:off x="8239601" y="2875834"/>
+            <a:ext cx="2723764" cy="365795"/>
+          </a:xfrm>
+          <a:prstGeom prst="rect">
+            <a:avLst/>
+          </a:prstGeom>
+          <a:noFill/>
+        </p:spPr>
+        <p:txBody>
+          <a:bodyPr vertOverflow="overflow" horzOverflow="clip" vert="horz" wrap="none" lIns="91440" tIns="45720" rIns="91440" bIns="45720" numCol="1" spcCol="0" rtlCol="0" fromWordArt="0" anchor="t" anchorCtr="0" forceAA="0" compatLnSpc="0">
+            <a:spAutoFit/>
+          </a:bodyPr>
+          <a:lstStyle/>
+          <a:p>
+            <a:pPr>
+              <a:defRPr/>
+            </a:pPr>
+            <a:r>
+              <a:rPr/>
+              <a:t>Architecture (from paper)</a:t>
+            </a:r>
+            <a:endParaRPr/>
+          </a:p>
+        </p:txBody>
+      </p:sp>
       <p:pic>
         <p:nvPicPr>
-          <p:cNvPr id="1255361187" name="" hidden="0"/>
+          <p:cNvPr id="146036553" name="" hidden="0"/>
           <p:cNvPicPr>
             <a:picLocks noChangeAspect="1"/>
           </p:cNvPicPr>
@@ -36072,46 +36466,14 @@
         </p:blipFill>
         <p:spPr bwMode="auto">
           <a:xfrm flipH="0" flipV="0">
-            <a:off x="6857760" y="3537074"/>
-            <a:ext cx="5118840" cy="3277995"/>
+            <a:off x="6597204" y="3241629"/>
+            <a:ext cx="5435925" cy="3481050"/>
           </a:xfrm>
           <a:prstGeom prst="rect">
             <a:avLst/>
           </a:prstGeom>
         </p:spPr>
       </p:pic>
-      <p:sp>
-        <p:nvSpPr>
-          <p:cNvPr id="739628198" name="" hidden="0"/>
-          <p:cNvSpPr txBox="1"/>
-          <p:nvPr isPhoto="0" userDrawn="0"/>
-        </p:nvSpPr>
-        <p:spPr bwMode="auto">
-          <a:xfrm flipH="0" flipV="0">
-            <a:off x="8239601" y="2875834"/>
-            <a:ext cx="2723764" cy="365795"/>
-          </a:xfrm>
-          <a:prstGeom prst="rect">
-            <a:avLst/>
-          </a:prstGeom>
-          <a:noFill/>
-        </p:spPr>
-        <p:txBody>
-          <a:bodyPr vertOverflow="overflow" horzOverflow="clip" vert="horz" wrap="none" lIns="91440" tIns="45720" rIns="91440" bIns="45720" numCol="1" spcCol="0" rtlCol="0" fromWordArt="0" anchor="t" anchorCtr="0" forceAA="0" upright="0" compatLnSpc="0">
-            <a:spAutoFit/>
-          </a:bodyPr>
-          <a:p>
-            <a:pPr>
-              <a:defRPr/>
-            </a:pPr>
-            <a:r>
-              <a:rPr/>
-              <a:t>Architecture (from paper)</a:t>
-            </a:r>
-            <a:endParaRPr/>
-          </a:p>
-        </p:txBody>
-      </p:sp>
     </p:spTree>
   </p:cSld>
   <p:clrMapOvr>
@@ -36156,13 +36518,13 @@
           </p:nvPr>
         </p:nvSpPr>
         <p:spPr bwMode="auto">
-          <a:xfrm flipH="0" flipV="0">
+          <a:xfrm>
             <a:off x="403837" y="365124"/>
             <a:ext cx="10949961" cy="1325562"/>
           </a:xfrm>
         </p:spPr>
         <p:txBody>
-          <a:bodyPr vertOverflow="overflow" horzOverflow="clip" vert="horz" wrap="square" lIns="91440" tIns="45720" rIns="91440" bIns="45720" numCol="1" spcCol="0" rtlCol="0" fromWordArt="0" anchor="ctr" anchorCtr="0" forceAA="0" upright="0" compatLnSpc="0">
+          <a:bodyPr vertOverflow="overflow" horzOverflow="clip" vert="horz" wrap="square" lIns="91440" tIns="45720" rIns="91440" bIns="45720" numCol="1" spcCol="0" rtlCol="0" fromWordArt="0" anchor="ctr" anchorCtr="0" forceAA="0" compatLnSpc="0">
             <a:normAutofit/>
           </a:bodyPr>
           <a:lstStyle/>
@@ -36206,13 +36568,13 @@
           </p:nvPr>
         </p:nvSpPr>
         <p:spPr bwMode="auto">
-          <a:xfrm flipH="0" flipV="0">
+          <a:xfrm>
             <a:off x="551408" y="1411110"/>
             <a:ext cx="4910070" cy="4903609"/>
           </a:xfrm>
         </p:spPr>
         <p:txBody>
-          <a:bodyPr vertOverflow="overflow" horzOverflow="clip" vert="horz" wrap="square" lIns="91440" tIns="45720" rIns="91440" bIns="45720" numCol="1" spcCol="0" rtlCol="0" fromWordArt="0" anchor="t" anchorCtr="0" forceAA="0" upright="0" compatLnSpc="0">
+          <a:bodyPr vertOverflow="overflow" horzOverflow="clip" vert="horz" wrap="square" lIns="91440" tIns="45720" rIns="91440" bIns="45720" numCol="1" spcCol="0" rtlCol="0" fromWordArt="0" anchor="t" anchorCtr="0" forceAA="0" compatLnSpc="0">
             <a:normAutofit/>
           </a:bodyPr>
           <a:lstStyle/>
@@ -36229,11 +36591,7 @@
             </a:br>
             <a:r>
               <a:rPr/>
-              <a:t>CENI: Research network</a:t>
-            </a:r>
-            <a:r>
-              <a:rPr/>
-              <a:t> across china</a:t>
+              <a:t>CENI: Research network across china</a:t>
             </a:r>
             <a:endParaRPr/>
           </a:p>
@@ -36253,7 +36611,23 @@
             </a:pPr>
             <a:r>
               <a:rPr/>
-              <a:t>Connected PoC routers to 100 Gbps fibers of network</a:t>
+              <a:t>Connected </a:t>
+            </a:r>
+            <a:r>
+              <a:rPr/>
+              <a:t>PoC</a:t>
+            </a:r>
+            <a:r>
+              <a:rPr/>
+              <a:t> routers to 100 </a:t>
+            </a:r>
+            <a:r>
+              <a:rPr/>
+              <a:t>Gbps</a:t>
+            </a:r>
+            <a:r>
+              <a:rPr/>
+              <a:t> fibers of network</a:t>
             </a:r>
             <a:endParaRPr/>
           </a:p>
@@ -36311,7 +36685,7 @@
       </p:sp>
       <p:pic>
         <p:nvPicPr>
-          <p:cNvPr id="2071477713" name="" hidden="0"/>
+          <p:cNvPr id="2071477713" name="图片 2071477712" hidden="0"/>
           <p:cNvPicPr>
             <a:picLocks noChangeAspect="1"/>
           </p:cNvPicPr>
@@ -36322,7 +36696,7 @@
           <a:stretch/>
         </p:blipFill>
         <p:spPr bwMode="auto">
-          <a:xfrm flipH="0" flipV="0">
+          <a:xfrm>
             <a:off x="5857197" y="1690687"/>
             <a:ext cx="6248537" cy="3674948"/>
           </a:xfrm>
@@ -36375,14 +36749,14 @@
           </p:nvPr>
         </p:nvSpPr>
         <p:spPr bwMode="auto">
-          <a:xfrm flipH="0" flipV="0">
+          <a:xfrm>
             <a:off x="464068" y="200495"/>
             <a:ext cx="10515600" cy="987189"/>
           </a:xfrm>
         </p:spPr>
         <p:txBody>
-          <a:bodyPr vertOverflow="overflow" horzOverflow="clip" vert="horz" wrap="square" lIns="91440" tIns="45720" rIns="91440" bIns="45720" numCol="1" spcCol="0" rtlCol="0" fromWordArt="0" anchor="ctr" anchorCtr="0" forceAA="0" upright="0" compatLnSpc="0">
-            <a:normAutofit fontScale="95000" lnSpcReduction="1000"/>
+          <a:bodyPr vertOverflow="overflow" horzOverflow="clip" vert="horz" wrap="square" lIns="91440" tIns="45720" rIns="91440" bIns="45720" numCol="1" spcCol="0" rtlCol="0" fromWordArt="0" anchor="ctr" anchorCtr="0" forceAA="0" compatLnSpc="0">
+            <a:normAutofit fontScale="90000"/>
           </a:bodyPr>
           <a:lstStyle/>
           <a:p>
@@ -36400,7 +36774,7 @@
               <a:rPr lang="zh-CN" sz="2800"/>
               <a:t>Example test case (NanJing region)</a:t>
             </a:r>
-            <a:endParaRPr lang="zh-CN" sz="2800"/>
+            <a:endParaRPr/>
           </a:p>
         </p:txBody>
       </p:sp>
@@ -36427,7 +36801,7 @@
               <a:defRPr/>
             </a:pPr>
             <a:fld id="{F65C01B3-90FD-B164-B878-E3BABA1E695E}" type="slidenum">
-              <a:rPr lang="zh-CN"/>
+              <a:rPr lang="en-US"/>
               <a:t/>
             </a:fld>
             <a:endParaRPr lang="zh-CN"/>
@@ -36653,20 +37027,7 @@
                 <a:latin typeface="微软雅黑"/>
                 <a:ea typeface="微软雅黑"/>
               </a:rPr>
-              <a:t>pktsize</a:t>
-            </a:r>
-            <a:r>
-              <a:rPr lang="en-US" sz="1200" b="1">
-                <a:solidFill>
-                  <a:schemeClr val="tx1">
-                    <a:lumMod val="50000"/>
-                    <a:lumOff val="50000"/>
-                  </a:schemeClr>
-                </a:solidFill>
-                <a:latin typeface="微软雅黑"/>
-                <a:ea typeface="微软雅黑"/>
-              </a:rPr>
-              <a:t> is 1500</a:t>
+              <a:t>pktsize is 1500</a:t>
             </a:r>
             <a:r>
               <a:rPr lang="en" sz="1200" b="1">
@@ -36687,12 +37048,12 @@
       </p:sp>
       <p:grpSp>
         <p:nvGrpSpPr>
-          <p:cNvPr id="1486686360" name="" hidden="0"/>
+          <p:cNvPr id="1486686360" name="组合 1486686359" hidden="0"/>
           <p:cNvGrpSpPr/>
           <p:nvPr isPhoto="0" userDrawn="0"/>
         </p:nvGrpSpPr>
         <p:grpSpPr bwMode="auto">
-          <a:xfrm flipH="0" flipV="0">
+          <a:xfrm>
             <a:off x="464068" y="1438746"/>
             <a:ext cx="11264177" cy="4417363"/>
             <a:chOff x="0" y="0"/>
@@ -38023,15 +38384,7 @@
                     <a:schemeClr val="bg1"/>
                   </a:solidFill>
                 </a:rPr>
-                <a:t>Equipment Room in </a:t>
-              </a:r>
-              <a:r>
-                <a:rPr lang="en-US" sz="1100" b="1">
-                  <a:solidFill>
-                    <a:schemeClr val="bg1"/>
-                  </a:solidFill>
-                </a:rPr>
-                <a:t>NanJing</a:t>
+                <a:t>Equipment Room in NanJing</a:t>
               </a:r>
               <a:endParaRPr lang="zh-CN" sz="1100" b="1">
                 <a:solidFill>
@@ -39679,20 +40032,7 @@
                 <a:latin typeface="微软雅黑"/>
                 <a:ea typeface="微软雅黑"/>
               </a:rPr>
-              <a:t>pktsize</a:t>
-            </a:r>
-            <a:r>
-              <a:rPr lang="en-US" sz="1200" b="1">
-                <a:solidFill>
-                  <a:schemeClr val="tx1">
-                    <a:lumMod val="50000"/>
-                    <a:lumOff val="50000"/>
-                  </a:schemeClr>
-                </a:solidFill>
-                <a:latin typeface="微软雅黑"/>
-                <a:ea typeface="微软雅黑"/>
-              </a:rPr>
-              <a:t> is 1500</a:t>
+              <a:t>pktsize is 1500</a:t>
             </a:r>
             <a:r>
               <a:rPr lang="en" sz="1200" b="1">
@@ -39746,7 +40086,7 @@
       </p:grpSpPr>
       <p:pic>
         <p:nvPicPr>
-          <p:cNvPr id="364814981" name="" hidden="0"/>
+          <p:cNvPr id="364814981" name="图片 364814980" hidden="0"/>
           <p:cNvPicPr>
             <a:picLocks noChangeAspect="1"/>
           </p:cNvPicPr>
@@ -39757,7 +40097,7 @@
           <a:stretch/>
         </p:blipFill>
         <p:spPr bwMode="auto">
-          <a:xfrm flipH="0" flipV="0">
+          <a:xfrm>
             <a:off x="461550" y="2673291"/>
             <a:ext cx="6432112" cy="3503671"/>
           </a:xfrm>
@@ -39768,7 +40108,7 @@
       </p:pic>
       <p:pic>
         <p:nvPicPr>
-          <p:cNvPr id="1748004672" name="" hidden="0"/>
+          <p:cNvPr id="1748004672" name="图片 1748004671" hidden="0"/>
           <p:cNvPicPr>
             <a:picLocks noChangeAspect="1"/>
           </p:cNvPicPr>
@@ -39779,7 +40119,7 @@
           <a:stretch/>
         </p:blipFill>
         <p:spPr bwMode="auto">
-          <a:xfrm flipH="0" flipV="0">
+          <a:xfrm>
             <a:off x="6574719" y="2128425"/>
             <a:ext cx="5445477" cy="4270962"/>
           </a:xfrm>
@@ -39797,13 +40137,13 @@
           <p:nvPr isPhoto="0" userDrawn="0"/>
         </p:nvSpPr>
         <p:spPr bwMode="auto">
-          <a:xfrm flipH="0" flipV="0">
+          <a:xfrm>
             <a:off x="464067" y="200494"/>
             <a:ext cx="10515600" cy="987188"/>
           </a:xfrm>
         </p:spPr>
         <p:txBody>
-          <a:bodyPr vertOverflow="overflow" horzOverflow="clip" vert="horz" wrap="square" lIns="91440" tIns="45720" rIns="91440" bIns="45720" numCol="1" spcCol="0" rtlCol="0" fromWordArt="0" anchor="ctr" anchorCtr="0" forceAA="0" upright="0" compatLnSpc="0">
+          <a:bodyPr vertOverflow="overflow" horzOverflow="clip" vert="horz" wrap="square" lIns="91440" tIns="45720" rIns="91440" bIns="45720" numCol="1" spcCol="0" rtlCol="0" fromWordArt="0" anchor="ctr" anchorCtr="0" forceAA="0" compatLnSpc="0">
             <a:normAutofit/>
           </a:bodyPr>
           <a:lstStyle>
@@ -39833,7 +40173,7 @@
               <a:rPr lang="zh-CN"/>
               <a:t>CENI TCQF (“DIP”) Testbed 2020</a:t>
             </a:r>
-            <a:endParaRPr lang="zh-CN"/>
+            <a:endParaRPr/>
           </a:p>
         </p:txBody>
       </p:sp>
@@ -39908,8 +40248,8 @@
         </p:nvSpPr>
         <p:spPr bwMode="auto"/>
         <p:txBody>
-          <a:bodyPr vertOverflow="overflow" horzOverflow="clip" vert="horz" wrap="square" lIns="91440" tIns="45720" rIns="91440" bIns="45720" numCol="1" spcCol="0" rtlCol="0" fromWordArt="0" anchor="t" anchorCtr="0" forceAA="0" upright="0" compatLnSpc="0">
-            <a:normAutofit fontScale="65000" lnSpcReduction="7000"/>
+          <a:bodyPr vertOverflow="overflow" horzOverflow="clip" vert="horz" wrap="square" lIns="91440" tIns="45720" rIns="91440" bIns="45720" numCol="1" spcCol="0" rtlCol="0" fromWordArt="0" anchor="t" anchorCtr="0" forceAA="0" compatLnSpc="0">
+            <a:normAutofit fontScale="80000" lnSpcReduction="17000"/>
           </a:bodyPr>
           <a:lstStyle/>
           <a:p>

--- a/tcqf-slides.pptx
+++ b/tcqf-slides.pptx
@@ -10997,7 +10997,7 @@
         </p:spPr>
         <p:txBody>
           <a:bodyPr vertOverflow="overflow" horzOverflow="overflow" vert="horz" wrap="square" lIns="91440" tIns="45720" rIns="91440" bIns="45720" numCol="1" spcCol="0" rtlCol="0" fromWordArt="0" anchor="t" anchorCtr="0" forceAA="0" upright="0" compatLnSpc="0">
-            <a:normAutofit fontScale="80000" lnSpcReduction="4000"/>
+            <a:normAutofit fontScale="70000" lnSpcReduction="6000"/>
           </a:bodyPr>
           <a:lstStyle/>
           <a:p>
@@ -11056,7 +11056,7 @@
             </a:pPr>
             <a:r>
               <a:rPr/>
-              <a:t>Differences in link propagation latency</a:t>
+              <a:t>Differences in link/media propagation latency</a:t>
             </a:r>
             <a:endParaRPr/>
           </a:p>
@@ -11081,32 +11081,12 @@
             <a:endParaRPr/>
           </a:p>
           <a:p>
-            <a:pPr lvl="1">
+            <a:pPr lvl="0">
               <a:defRPr/>
             </a:pPr>
             <a:r>
               <a:rPr/>
-              <a:t>FEC / ARQ introduced variation (8 msec in DSL FEC – bad example, low-speed)</a:t>
-            </a:r>
-            <a:endParaRPr/>
-          </a:p>
-          <a:p>
-            <a:pPr lvl="1">
-              <a:defRPr/>
-            </a:pPr>
-            <a:r>
-              <a:rPr/>
-              <a:t>WiFi / Radio links – FEC / ARQ / interference / reflections / ... ? (TBD)</a:t>
-            </a:r>
-            <a:endParaRPr/>
-          </a:p>
-          <a:p>
-            <a:pPr lvl="0">
-              <a:defRPr/>
-            </a:pPr>
-            <a:r>
-              <a:rPr/>
-              <a:t>Differences in in-node processing latencies</a:t>
+              <a:t>Differences in processing latencies</a:t>
             </a:r>
             <a:endParaRPr/>
           </a:p>
@@ -11125,8 +11105,52 @@
               <a:defRPr/>
             </a:pPr>
             <a:r>
+              <a:rPr lang="en-US" sz="2400" b="0" i="0" u="none" strike="noStrike" cap="none" spc="0">
+                <a:solidFill>
+                  <a:schemeClr val="tx1"/>
+                </a:solidFill>
+                <a:latin typeface="+mn-lt"/>
+                <a:ea typeface="+mn-ea"/>
+                <a:cs typeface="+mn-cs"/>
+              </a:rPr>
+              <a:t>FEC / ARQ introduced variation (8 msec in DSL FEC – bad example, low-speed)</a:t>
+            </a:r>
+            <a:endParaRPr sz="2400"/>
+          </a:p>
+          <a:p>
+            <a:pPr lvl="1">
+              <a:defRPr/>
+            </a:pPr>
+            <a:r>
+              <a:rPr lang="en-US" sz="2400" b="0" i="0" u="none" strike="noStrike" cap="none" spc="0">
+                <a:solidFill>
+                  <a:schemeClr val="tx1"/>
+                </a:solidFill>
+                <a:latin typeface="+mn-lt"/>
+                <a:ea typeface="+mn-ea"/>
+                <a:cs typeface="+mn-cs"/>
+              </a:rPr>
+              <a:t>WiFi / Radio links – FEC / ARQ / interference / reflections / ... ? (TBD)</a:t>
+            </a:r>
+            <a:endParaRPr sz="2400"/>
+          </a:p>
+          <a:p>
+            <a:pPr lvl="1">
+              <a:defRPr/>
+            </a:pPr>
+            <a:r>
               <a:rPr/>
-              <a:t>But maybe relevant when we look into high-speed software forwarders (TBD)</a:t>
+              <a:t>High-speed , complex forwarder , software forwarders</a:t>
+            </a:r>
+            <a:endParaRPr/>
+          </a:p>
+          <a:p>
+            <a:pPr lvl="1">
+              <a:defRPr/>
+            </a:pPr>
+            <a:r>
+              <a:rPr/>
+              <a:t>Buffering out variations in all these cases at lower processing layer could be more complex than solving variations through TCQF</a:t>
             </a:r>
             <a:endParaRPr/>
           </a:p>
